--- a/courses/sysprog/slides/lec14-linkedList.pptx
+++ b/courses/sysprog/slides/lec14-linkedList.pptx
@@ -1,6 +1,6 @@
 
 <file path=ppt/presentation.xml><?xml version="1.0" encoding="utf-8"?>
-<p:presentation xmlns:a="http://schemas.openxmlformats.org/drawingml/2006/main" xmlns:r="http://schemas.openxmlformats.org/officeDocument/2006/relationships" xmlns:p="http://schemas.openxmlformats.org/presentationml/2006/main" compatMode="1" saveSubsetFonts="1" autoCompressPictures="0">
+<p:presentation xmlns:a="http://schemas.openxmlformats.org/drawingml/2006/main" xmlns:r="http://schemas.openxmlformats.org/officeDocument/2006/relationships" xmlns:p="http://schemas.openxmlformats.org/presentationml/2006/main" saveSubsetFonts="1" autoCompressPictures="0">
   <p:sldMasterIdLst>
     <p:sldMasterId id="2147483649" r:id="rId1"/>
   </p:sldMasterIdLst>
@@ -5229,13 +5229,49 @@
               <a:buNone/>
             </a:pPr>
             <a:r>
-              <a:rPr lang="en-US" altLang="zh-CN" sz="2000" b="1">
-                <a:solidFill>
-                  <a:schemeClr val="folHlink"/>
-                </a:solidFill>
-                <a:latin typeface="Courier New" panose="02070309020205020404" pitchFamily="49" charset="0"/>
-              </a:rPr>
-              <a:t>int List_length (List_t l)</a:t>
+              <a:rPr lang="en-US" altLang="zh-CN" sz="2000" b="1" dirty="0">
+                <a:solidFill>
+                  <a:schemeClr val="folHlink"/>
+                </a:solidFill>
+                <a:latin typeface="Courier New" panose="02070309020205020404" pitchFamily="49" charset="0"/>
+              </a:rPr>
+              <a:t>int </a:t>
+            </a:r>
+            <a:r>
+              <a:rPr lang="en-US" altLang="zh-CN" sz="2000" b="1" dirty="0" err="1">
+                <a:solidFill>
+                  <a:schemeClr val="folHlink"/>
+                </a:solidFill>
+                <a:latin typeface="Courier New" panose="02070309020205020404" pitchFamily="49" charset="0"/>
+              </a:rPr>
+              <a:t>List_length</a:t>
+            </a:r>
+            <a:r>
+              <a:rPr lang="en-US" altLang="zh-CN" sz="2000" b="1" dirty="0">
+                <a:solidFill>
+                  <a:schemeClr val="folHlink"/>
+                </a:solidFill>
+                <a:latin typeface="Courier New" panose="02070309020205020404" pitchFamily="49" charset="0"/>
+              </a:rPr>
+              <a:t>(</a:t>
+            </a:r>
+            <a:r>
+              <a:rPr lang="en-US" altLang="zh-CN" sz="2000" b="1" dirty="0" err="1">
+                <a:solidFill>
+                  <a:schemeClr val="folHlink"/>
+                </a:solidFill>
+                <a:latin typeface="Courier New" panose="02070309020205020404" pitchFamily="49" charset="0"/>
+              </a:rPr>
+              <a:t>List_t</a:t>
+            </a:r>
+            <a:r>
+              <a:rPr lang="en-US" altLang="zh-CN" sz="2000" b="1" dirty="0">
+                <a:solidFill>
+                  <a:schemeClr val="folHlink"/>
+                </a:solidFill>
+                <a:latin typeface="Courier New" panose="02070309020205020404" pitchFamily="49" charset="0"/>
+              </a:rPr>
+              <a:t> l){</a:t>
             </a:r>
           </a:p>
           <a:p>
@@ -5247,13 +5283,31 @@
               <a:buNone/>
             </a:pPr>
             <a:r>
-              <a:rPr lang="en-US" altLang="zh-CN" sz="2000" b="1">
-                <a:solidFill>
-                  <a:schemeClr val="folHlink"/>
-                </a:solidFill>
-                <a:latin typeface="Courier New" panose="02070309020205020404" pitchFamily="49" charset="0"/>
-              </a:rPr>
-              <a:t>{</a:t>
+              <a:rPr lang="en-US" altLang="zh-CN" sz="2000" b="1" dirty="0">
+                <a:solidFill>
+                  <a:schemeClr val="folHlink"/>
+                </a:solidFill>
+                <a:latin typeface="Courier New" panose="02070309020205020404" pitchFamily="49" charset="0"/>
+              </a:rPr>
+              <a:t>  </a:t>
+            </a:r>
+            <a:r>
+              <a:rPr lang="en-US" altLang="zh-CN" sz="2000" b="1" dirty="0" err="1">
+                <a:solidFill>
+                  <a:schemeClr val="folHlink"/>
+                </a:solidFill>
+                <a:latin typeface="Courier New" panose="02070309020205020404" pitchFamily="49" charset="0"/>
+              </a:rPr>
+              <a:t>List_t</a:t>
+            </a:r>
+            <a:r>
+              <a:rPr lang="en-US" altLang="zh-CN" sz="2000" b="1" dirty="0">
+                <a:solidFill>
+                  <a:schemeClr val="folHlink"/>
+                </a:solidFill>
+                <a:latin typeface="Courier New" panose="02070309020205020404" pitchFamily="49" charset="0"/>
+              </a:rPr>
+              <a:t> p = l-&gt;next;</a:t>
             </a:r>
           </a:p>
           <a:p>
@@ -5265,13 +5319,13 @@
               <a:buNone/>
             </a:pPr>
             <a:r>
-              <a:rPr lang="en-US" altLang="zh-CN" sz="2000" b="1">
-                <a:solidFill>
-                  <a:schemeClr val="folHlink"/>
-                </a:solidFill>
-                <a:latin typeface="Courier New" panose="02070309020205020404" pitchFamily="49" charset="0"/>
-              </a:rPr>
-              <a:t>  List_t p = l-&gt;next;</a:t>
+              <a:rPr lang="en-US" altLang="zh-CN" sz="2000" b="1" dirty="0">
+                <a:solidFill>
+                  <a:schemeClr val="folHlink"/>
+                </a:solidFill>
+                <a:latin typeface="Courier New" panose="02070309020205020404" pitchFamily="49" charset="0"/>
+              </a:rPr>
+              <a:t>  int n = 0;</a:t>
             </a:r>
           </a:p>
           <a:p>
@@ -5283,13 +5337,13 @@
               <a:buNone/>
             </a:pPr>
             <a:r>
-              <a:rPr lang="en-US" altLang="zh-CN" sz="2000" b="1">
-                <a:solidFill>
-                  <a:schemeClr val="folHlink"/>
-                </a:solidFill>
-                <a:latin typeface="Courier New" panose="02070309020205020404" pitchFamily="49" charset="0"/>
-              </a:rPr>
-              <a:t>  int n = 0;</a:t>
+              <a:rPr lang="en-US" altLang="zh-CN" sz="2000" b="1" dirty="0">
+                <a:solidFill>
+                  <a:schemeClr val="folHlink"/>
+                </a:solidFill>
+                <a:latin typeface="Courier New" panose="02070309020205020404" pitchFamily="49" charset="0"/>
+              </a:rPr>
+              <a:t>  while(p){</a:t>
             </a:r>
           </a:p>
           <a:p>
@@ -5301,13 +5355,13 @@
               <a:buNone/>
             </a:pPr>
             <a:r>
-              <a:rPr lang="en-US" altLang="zh-CN" sz="2000" b="1">
-                <a:solidFill>
-                  <a:schemeClr val="folHlink"/>
-                </a:solidFill>
-                <a:latin typeface="Courier New" panose="02070309020205020404" pitchFamily="49" charset="0"/>
-              </a:rPr>
-              <a:t>  while (p) {</a:t>
+              <a:rPr lang="en-US" altLang="zh-CN" sz="2000" b="1" dirty="0">
+                <a:solidFill>
+                  <a:schemeClr val="folHlink"/>
+                </a:solidFill>
+                <a:latin typeface="Courier New" panose="02070309020205020404" pitchFamily="49" charset="0"/>
+              </a:rPr>
+              <a:t>    p = p-&gt;next;</a:t>
             </a:r>
           </a:p>
           <a:p>
@@ -5319,13 +5373,13 @@
               <a:buNone/>
             </a:pPr>
             <a:r>
-              <a:rPr lang="en-US" altLang="zh-CN" sz="2000" b="1">
-                <a:solidFill>
-                  <a:schemeClr val="folHlink"/>
-                </a:solidFill>
-                <a:latin typeface="Courier New" panose="02070309020205020404" pitchFamily="49" charset="0"/>
-              </a:rPr>
-              <a:t>    p = p-&gt;next;</a:t>
+              <a:rPr lang="en-US" altLang="zh-CN" sz="2000" b="1" dirty="0">
+                <a:solidFill>
+                  <a:schemeClr val="folHlink"/>
+                </a:solidFill>
+                <a:latin typeface="Courier New" panose="02070309020205020404" pitchFamily="49" charset="0"/>
+              </a:rPr>
+              <a:t>    n++;</a:t>
             </a:r>
           </a:p>
           <a:p>
@@ -5337,13 +5391,13 @@
               <a:buNone/>
             </a:pPr>
             <a:r>
-              <a:rPr lang="en-US" altLang="zh-CN" sz="2000" b="1">
-                <a:solidFill>
-                  <a:schemeClr val="folHlink"/>
-                </a:solidFill>
-                <a:latin typeface="Courier New" panose="02070309020205020404" pitchFamily="49" charset="0"/>
-              </a:rPr>
-              <a:t>    n++;</a:t>
+              <a:rPr lang="en-US" altLang="zh-CN" sz="2000" b="1" dirty="0">
+                <a:solidFill>
+                  <a:schemeClr val="folHlink"/>
+                </a:solidFill>
+                <a:latin typeface="Courier New" panose="02070309020205020404" pitchFamily="49" charset="0"/>
+              </a:rPr>
+              <a:t>  }</a:t>
             </a:r>
           </a:p>
           <a:p>
@@ -5355,13 +5409,13 @@
               <a:buNone/>
             </a:pPr>
             <a:r>
-              <a:rPr lang="en-US" altLang="zh-CN" sz="2000" b="1">
-                <a:solidFill>
-                  <a:schemeClr val="folHlink"/>
-                </a:solidFill>
-                <a:latin typeface="Courier New" panose="02070309020205020404" pitchFamily="49" charset="0"/>
-              </a:rPr>
-              <a:t>  }</a:t>
+              <a:rPr lang="en-US" altLang="zh-CN" sz="2000" b="1" dirty="0">
+                <a:solidFill>
+                  <a:schemeClr val="folHlink"/>
+                </a:solidFill>
+                <a:latin typeface="Courier New" panose="02070309020205020404" pitchFamily="49" charset="0"/>
+              </a:rPr>
+              <a:t>  return n;</a:t>
             </a:r>
           </a:p>
           <a:p>
@@ -5373,13 +5427,13 @@
               <a:buNone/>
             </a:pPr>
             <a:r>
-              <a:rPr lang="en-US" altLang="zh-CN" sz="2000" b="1">
-                <a:solidFill>
-                  <a:schemeClr val="folHlink"/>
-                </a:solidFill>
-                <a:latin typeface="Courier New" panose="02070309020205020404" pitchFamily="49" charset="0"/>
-              </a:rPr>
-              <a:t>  return n;</a:t>
+              <a:rPr lang="en-US" altLang="zh-CN" sz="2000" b="1" dirty="0">
+                <a:solidFill>
+                  <a:schemeClr val="folHlink"/>
+                </a:solidFill>
+                <a:latin typeface="Courier New" panose="02070309020205020404" pitchFamily="49" charset="0"/>
+              </a:rPr>
+              <a:t>}</a:t>
             </a:r>
           </a:p>
           <a:p>
@@ -5390,25 +5444,7 @@
               <a:buFont typeface="Wingdings" pitchFamily="2" charset="2"/>
               <a:buNone/>
             </a:pPr>
-            <a:r>
-              <a:rPr lang="en-US" altLang="zh-CN" sz="2000" b="1">
-                <a:solidFill>
-                  <a:schemeClr val="folHlink"/>
-                </a:solidFill>
-                <a:latin typeface="Courier New" panose="02070309020205020404" pitchFamily="49" charset="0"/>
-              </a:rPr>
-              <a:t>}</a:t>
-            </a:r>
-          </a:p>
-          <a:p>
-            <a:pPr>
-              <a:lnSpc>
-                <a:spcPct val="90000"/>
-              </a:lnSpc>
-              <a:buFont typeface="Wingdings" pitchFamily="2" charset="2"/>
-              <a:buNone/>
-            </a:pPr>
-            <a:endParaRPr lang="en-US" altLang="zh-CN" sz="2000" b="1">
+            <a:endParaRPr lang="en-US" altLang="zh-CN" sz="2000" b="1" dirty="0">
               <a:solidFill>
                 <a:schemeClr val="folHlink"/>
               </a:solidFill>
@@ -6656,13 +6692,49 @@
               <a:buNone/>
             </a:pPr>
             <a:r>
-              <a:rPr lang="en-US" altLang="zh-CN" sz="2000" b="1">
-                <a:solidFill>
-                  <a:schemeClr val="folHlink"/>
-                </a:solidFill>
-                <a:latin typeface="Courier New" panose="02070309020205020404" pitchFamily="49" charset="0"/>
-              </a:rPr>
-              <a:t>poly List_nth (List_t l, int n)</a:t>
+              <a:rPr lang="en-US" altLang="zh-CN" sz="2000" b="1" dirty="0">
+                <a:solidFill>
+                  <a:schemeClr val="folHlink"/>
+                </a:solidFill>
+                <a:latin typeface="Courier New" panose="02070309020205020404" pitchFamily="49" charset="0"/>
+              </a:rPr>
+              <a:t>poly </a:t>
+            </a:r>
+            <a:r>
+              <a:rPr lang="en-US" altLang="zh-CN" sz="2000" b="1" dirty="0" err="1">
+                <a:solidFill>
+                  <a:schemeClr val="folHlink"/>
+                </a:solidFill>
+                <a:latin typeface="Courier New" panose="02070309020205020404" pitchFamily="49" charset="0"/>
+              </a:rPr>
+              <a:t>List_nth</a:t>
+            </a:r>
+            <a:r>
+              <a:rPr lang="en-US" altLang="zh-CN" sz="2000" b="1" dirty="0">
+                <a:solidFill>
+                  <a:schemeClr val="folHlink"/>
+                </a:solidFill>
+                <a:latin typeface="Courier New" panose="02070309020205020404" pitchFamily="49" charset="0"/>
+              </a:rPr>
+              <a:t>(</a:t>
+            </a:r>
+            <a:r>
+              <a:rPr lang="en-US" altLang="zh-CN" sz="2000" b="1" dirty="0" err="1">
+                <a:solidFill>
+                  <a:schemeClr val="folHlink"/>
+                </a:solidFill>
+                <a:latin typeface="Courier New" panose="02070309020205020404" pitchFamily="49" charset="0"/>
+              </a:rPr>
+              <a:t>List_t</a:t>
+            </a:r>
+            <a:r>
+              <a:rPr lang="en-US" altLang="zh-CN" sz="2000" b="1" dirty="0">
+                <a:solidFill>
+                  <a:schemeClr val="folHlink"/>
+                </a:solidFill>
+                <a:latin typeface="Courier New" panose="02070309020205020404" pitchFamily="49" charset="0"/>
+              </a:rPr>
+              <a:t> l, int n){</a:t>
             </a:r>
           </a:p>
           <a:p>
@@ -6674,13 +6746,31 @@
               <a:buNone/>
             </a:pPr>
             <a:r>
-              <a:rPr lang="en-US" altLang="zh-CN" sz="2000" b="1">
-                <a:solidFill>
-                  <a:schemeClr val="folHlink"/>
-                </a:solidFill>
-                <a:latin typeface="Courier New" panose="02070309020205020404" pitchFamily="49" charset="0"/>
-              </a:rPr>
-              <a:t>{</a:t>
+              <a:rPr lang="en-US" altLang="zh-CN" sz="2000" b="1" dirty="0">
+                <a:solidFill>
+                  <a:schemeClr val="folHlink"/>
+                </a:solidFill>
+                <a:latin typeface="Courier New" panose="02070309020205020404" pitchFamily="49" charset="0"/>
+              </a:rPr>
+              <a:t>  </a:t>
+            </a:r>
+            <a:r>
+              <a:rPr lang="en-US" altLang="zh-CN" sz="2000" b="1" dirty="0" err="1">
+                <a:solidFill>
+                  <a:schemeClr val="folHlink"/>
+                </a:solidFill>
+                <a:latin typeface="Courier New" panose="02070309020205020404" pitchFamily="49" charset="0"/>
+              </a:rPr>
+              <a:t>List_t</a:t>
+            </a:r>
+            <a:r>
+              <a:rPr lang="en-US" altLang="zh-CN" sz="2000" b="1" dirty="0">
+                <a:solidFill>
+                  <a:schemeClr val="folHlink"/>
+                </a:solidFill>
+                <a:latin typeface="Courier New" panose="02070309020205020404" pitchFamily="49" charset="0"/>
+              </a:rPr>
+              <a:t> p = l-&gt;next;</a:t>
             </a:r>
           </a:p>
           <a:p>
@@ -6692,13 +6782,31 @@
               <a:buNone/>
             </a:pPr>
             <a:r>
-              <a:rPr lang="en-US" altLang="zh-CN" sz="2000" b="1">
-                <a:solidFill>
-                  <a:schemeClr val="folHlink"/>
-                </a:solidFill>
-                <a:latin typeface="Courier New" panose="02070309020205020404" pitchFamily="49" charset="0"/>
-              </a:rPr>
-              <a:t>  List_t p = l-&gt;next;</a:t>
+              <a:rPr lang="en-US" altLang="zh-CN" sz="2000" b="1" dirty="0">
+                <a:solidFill>
+                  <a:schemeClr val="folHlink"/>
+                </a:solidFill>
+                <a:latin typeface="Courier New" panose="02070309020205020404" pitchFamily="49" charset="0"/>
+              </a:rPr>
+              <a:t>  int </a:t>
+            </a:r>
+            <a:r>
+              <a:rPr lang="en-US" altLang="zh-CN" sz="2000" b="1" dirty="0" err="1">
+                <a:solidFill>
+                  <a:schemeClr val="folHlink"/>
+                </a:solidFill>
+                <a:latin typeface="Courier New" panose="02070309020205020404" pitchFamily="49" charset="0"/>
+              </a:rPr>
+              <a:t>i</a:t>
+            </a:r>
+            <a:r>
+              <a:rPr lang="en-US" altLang="zh-CN" sz="2000" b="1" dirty="0">
+                <a:solidFill>
+                  <a:schemeClr val="folHlink"/>
+                </a:solidFill>
+                <a:latin typeface="Courier New" panose="02070309020205020404" pitchFamily="49" charset="0"/>
+              </a:rPr>
+              <a:t> = 0;</a:t>
             </a:r>
           </a:p>
           <a:p>
@@ -6710,13 +6818,31 @@
               <a:buNone/>
             </a:pPr>
             <a:r>
-              <a:rPr lang="en-US" altLang="zh-CN" sz="2000" b="1">
-                <a:solidFill>
-                  <a:schemeClr val="folHlink"/>
-                </a:solidFill>
-                <a:latin typeface="Courier New" panose="02070309020205020404" pitchFamily="49" charset="0"/>
-              </a:rPr>
-              <a:t>  int i = 0;</a:t>
+              <a:rPr lang="en-US" altLang="zh-CN" sz="2000" b="1" dirty="0">
+                <a:solidFill>
+                  <a:schemeClr val="folHlink"/>
+                </a:solidFill>
+                <a:latin typeface="Courier New" panose="02070309020205020404" pitchFamily="49" charset="0"/>
+              </a:rPr>
+              <a:t>  if(n&lt;0 || n&gt;=</a:t>
+            </a:r>
+            <a:r>
+              <a:rPr lang="en-US" altLang="zh-CN" sz="2000" b="1" dirty="0" err="1">
+                <a:solidFill>
+                  <a:schemeClr val="folHlink"/>
+                </a:solidFill>
+                <a:latin typeface="Courier New" panose="02070309020205020404" pitchFamily="49" charset="0"/>
+              </a:rPr>
+              <a:t>List_length</a:t>
+            </a:r>
+            <a:r>
+              <a:rPr lang="en-US" altLang="zh-CN" sz="2000" b="1" dirty="0">
+                <a:solidFill>
+                  <a:schemeClr val="folHlink"/>
+                </a:solidFill>
+                <a:latin typeface="Courier New" panose="02070309020205020404" pitchFamily="49" charset="0"/>
+              </a:rPr>
+              <a:t>(l))</a:t>
             </a:r>
           </a:p>
           <a:p>
@@ -6728,13 +6854,13 @@
               <a:buNone/>
             </a:pPr>
             <a:r>
-              <a:rPr lang="en-US" altLang="zh-CN" sz="2000" b="1">
-                <a:solidFill>
-                  <a:schemeClr val="folHlink"/>
-                </a:solidFill>
-                <a:latin typeface="Courier New" panose="02070309020205020404" pitchFamily="49" charset="0"/>
-              </a:rPr>
-              <a:t>  if (n&lt;0 || n&gt;=List_length(l))</a:t>
+              <a:rPr lang="en-US" altLang="zh-CN" sz="2000" b="1" dirty="0">
+                <a:solidFill>
+                  <a:schemeClr val="folHlink"/>
+                </a:solidFill>
+                <a:latin typeface="Courier New" panose="02070309020205020404" pitchFamily="49" charset="0"/>
+              </a:rPr>
+              <a:t>    error(“invalid index”);</a:t>
             </a:r>
           </a:p>
           <a:p>
@@ -6745,15 +6871,12 @@
               <a:buFont typeface="Wingdings" pitchFamily="2" charset="2"/>
               <a:buNone/>
             </a:pPr>
-            <a:r>
-              <a:rPr lang="en-US" altLang="zh-CN" sz="2000" b="1">
-                <a:solidFill>
-                  <a:schemeClr val="folHlink"/>
-                </a:solidFill>
-                <a:latin typeface="Courier New" panose="02070309020205020404" pitchFamily="49" charset="0"/>
-              </a:rPr>
-              <a:t>    error (“invalid index”);</a:t>
-            </a:r>
+            <a:endParaRPr lang="en-US" altLang="zh-CN" sz="2000" b="1" dirty="0">
+              <a:solidFill>
+                <a:schemeClr val="folHlink"/>
+              </a:solidFill>
+              <a:latin typeface="Courier New" panose="02070309020205020404" pitchFamily="49" charset="0"/>
+            </a:endParaRPr>
           </a:p>
           <a:p>
             <a:pPr>
@@ -6763,12 +6886,33 @@
               <a:buFont typeface="Wingdings" pitchFamily="2" charset="2"/>
               <a:buNone/>
             </a:pPr>
-            <a:endParaRPr lang="en-US" altLang="zh-CN" sz="2000" b="1">
-              <a:solidFill>
-                <a:schemeClr val="folHlink"/>
-              </a:solidFill>
-              <a:latin typeface="Courier New" panose="02070309020205020404" pitchFamily="49" charset="0"/>
-            </a:endParaRPr>
+            <a:r>
+              <a:rPr lang="en-US" altLang="zh-CN" sz="2000" b="1" dirty="0">
+                <a:solidFill>
+                  <a:schemeClr val="folHlink"/>
+                </a:solidFill>
+                <a:latin typeface="Courier New" panose="02070309020205020404" pitchFamily="49" charset="0"/>
+              </a:rPr>
+              <a:t>  while(</a:t>
+            </a:r>
+            <a:r>
+              <a:rPr lang="en-US" altLang="zh-CN" sz="2000" b="1" dirty="0" err="1">
+                <a:solidFill>
+                  <a:schemeClr val="folHlink"/>
+                </a:solidFill>
+                <a:latin typeface="Courier New" panose="02070309020205020404" pitchFamily="49" charset="0"/>
+              </a:rPr>
+              <a:t>i</a:t>
+            </a:r>
+            <a:r>
+              <a:rPr lang="en-US" altLang="zh-CN" sz="2000" b="1" dirty="0">
+                <a:solidFill>
+                  <a:schemeClr val="folHlink"/>
+                </a:solidFill>
+                <a:latin typeface="Courier New" panose="02070309020205020404" pitchFamily="49" charset="0"/>
+              </a:rPr>
+              <a:t>!=n){</a:t>
+            </a:r>
           </a:p>
           <a:p>
             <a:pPr>
@@ -6779,13 +6923,13 @@
               <a:buNone/>
             </a:pPr>
             <a:r>
-              <a:rPr lang="en-US" altLang="zh-CN" sz="2000" b="1">
-                <a:solidFill>
-                  <a:schemeClr val="folHlink"/>
-                </a:solidFill>
-                <a:latin typeface="Courier New" panose="02070309020205020404" pitchFamily="49" charset="0"/>
-              </a:rPr>
-              <a:t>  while (i!=n) {</a:t>
+              <a:rPr lang="en-US" altLang="zh-CN" sz="2000" b="1" dirty="0">
+                <a:solidFill>
+                  <a:schemeClr val="folHlink"/>
+                </a:solidFill>
+                <a:latin typeface="Courier New" panose="02070309020205020404" pitchFamily="49" charset="0"/>
+              </a:rPr>
+              <a:t>    p = p-&gt;next;</a:t>
             </a:r>
           </a:p>
           <a:p>
@@ -6797,13 +6941,31 @@
               <a:buNone/>
             </a:pPr>
             <a:r>
-              <a:rPr lang="en-US" altLang="zh-CN" sz="2000" b="1">
-                <a:solidFill>
-                  <a:schemeClr val="folHlink"/>
-                </a:solidFill>
-                <a:latin typeface="Courier New" panose="02070309020205020404" pitchFamily="49" charset="0"/>
-              </a:rPr>
-              <a:t>    p = p-&gt;next;</a:t>
+              <a:rPr lang="en-US" altLang="zh-CN" sz="2000" b="1" dirty="0">
+                <a:solidFill>
+                  <a:schemeClr val="folHlink"/>
+                </a:solidFill>
+                <a:latin typeface="Courier New" panose="02070309020205020404" pitchFamily="49" charset="0"/>
+              </a:rPr>
+              <a:t>    </a:t>
+            </a:r>
+            <a:r>
+              <a:rPr lang="en-US" altLang="zh-CN" sz="2000" b="1" dirty="0" err="1">
+                <a:solidFill>
+                  <a:schemeClr val="folHlink"/>
+                </a:solidFill>
+                <a:latin typeface="Courier New" panose="02070309020205020404" pitchFamily="49" charset="0"/>
+              </a:rPr>
+              <a:t>i</a:t>
+            </a:r>
+            <a:r>
+              <a:rPr lang="en-US" altLang="zh-CN" sz="2000" b="1" dirty="0">
+                <a:solidFill>
+                  <a:schemeClr val="folHlink"/>
+                </a:solidFill>
+                <a:latin typeface="Courier New" panose="02070309020205020404" pitchFamily="49" charset="0"/>
+              </a:rPr>
+              <a:t>++;</a:t>
             </a:r>
           </a:p>
           <a:p>
@@ -6815,13 +6977,13 @@
               <a:buNone/>
             </a:pPr>
             <a:r>
-              <a:rPr lang="en-US" altLang="zh-CN" sz="2000" b="1">
-                <a:solidFill>
-                  <a:schemeClr val="folHlink"/>
-                </a:solidFill>
-                <a:latin typeface="Courier New" panose="02070309020205020404" pitchFamily="49" charset="0"/>
-              </a:rPr>
-              <a:t>    i++;</a:t>
+              <a:rPr lang="en-US" altLang="zh-CN" sz="2000" b="1" dirty="0">
+                <a:solidFill>
+                  <a:schemeClr val="folHlink"/>
+                </a:solidFill>
+                <a:latin typeface="Courier New" panose="02070309020205020404" pitchFamily="49" charset="0"/>
+              </a:rPr>
+              <a:t>  }</a:t>
             </a:r>
           </a:p>
           <a:p>
@@ -6833,13 +6995,13 @@
               <a:buNone/>
             </a:pPr>
             <a:r>
-              <a:rPr lang="en-US" altLang="zh-CN" sz="2000" b="1">
-                <a:solidFill>
-                  <a:schemeClr val="folHlink"/>
-                </a:solidFill>
-                <a:latin typeface="Courier New" panose="02070309020205020404" pitchFamily="49" charset="0"/>
-              </a:rPr>
-              <a:t>  }</a:t>
+              <a:rPr lang="en-US" altLang="zh-CN" sz="2000" b="1" dirty="0">
+                <a:solidFill>
+                  <a:schemeClr val="folHlink"/>
+                </a:solidFill>
+                <a:latin typeface="Courier New" panose="02070309020205020404" pitchFamily="49" charset="0"/>
+              </a:rPr>
+              <a:t>  return p;</a:t>
             </a:r>
           </a:p>
           <a:p>
@@ -6851,25 +7013,7 @@
               <a:buNone/>
             </a:pPr>
             <a:r>
-              <a:rPr lang="en-US" altLang="zh-CN" sz="2000" b="1">
-                <a:solidFill>
-                  <a:schemeClr val="folHlink"/>
-                </a:solidFill>
-                <a:latin typeface="Courier New" panose="02070309020205020404" pitchFamily="49" charset="0"/>
-              </a:rPr>
-              <a:t>  return p;</a:t>
-            </a:r>
-          </a:p>
-          <a:p>
-            <a:pPr>
-              <a:lnSpc>
-                <a:spcPct val="80000"/>
-              </a:lnSpc>
-              <a:buFont typeface="Wingdings" pitchFamily="2" charset="2"/>
-              <a:buNone/>
-            </a:pPr>
-            <a:r>
-              <a:rPr lang="en-US" altLang="zh-CN" sz="2000" b="1">
+              <a:rPr lang="en-US" altLang="zh-CN" sz="2000" b="1" dirty="0">
                 <a:solidFill>
                   <a:schemeClr val="folHlink"/>
                 </a:solidFill>
@@ -11576,13 +11720,49 @@
               <a:buNone/>
             </a:pPr>
             <a:r>
-              <a:rPr lang="en-US" altLang="zh-CN" sz="2000" b="1">
-                <a:solidFill>
-                  <a:schemeClr val="folHlink"/>
-                </a:solidFill>
-                <a:latin typeface="Courier New" panose="02070309020205020404" pitchFamily="49" charset="0"/>
-              </a:rPr>
-              <a:t>void List_insert (List_t l, poly x, int n)</a:t>
+              <a:rPr lang="en-US" altLang="zh-CN" sz="2000" b="1" dirty="0">
+                <a:solidFill>
+                  <a:schemeClr val="folHlink"/>
+                </a:solidFill>
+                <a:latin typeface="Courier New" panose="02070309020205020404" pitchFamily="49" charset="0"/>
+              </a:rPr>
+              <a:t>void </a:t>
+            </a:r>
+            <a:r>
+              <a:rPr lang="en-US" altLang="zh-CN" sz="2000" b="1" dirty="0" err="1">
+                <a:solidFill>
+                  <a:schemeClr val="folHlink"/>
+                </a:solidFill>
+                <a:latin typeface="Courier New" panose="02070309020205020404" pitchFamily="49" charset="0"/>
+              </a:rPr>
+              <a:t>List_insert</a:t>
+            </a:r>
+            <a:r>
+              <a:rPr lang="en-US" altLang="zh-CN" sz="2000" b="1" dirty="0">
+                <a:solidFill>
+                  <a:schemeClr val="folHlink"/>
+                </a:solidFill>
+                <a:latin typeface="Courier New" panose="02070309020205020404" pitchFamily="49" charset="0"/>
+              </a:rPr>
+              <a:t>(</a:t>
+            </a:r>
+            <a:r>
+              <a:rPr lang="en-US" altLang="zh-CN" sz="2000" b="1" dirty="0" err="1">
+                <a:solidFill>
+                  <a:schemeClr val="folHlink"/>
+                </a:solidFill>
+                <a:latin typeface="Courier New" panose="02070309020205020404" pitchFamily="49" charset="0"/>
+              </a:rPr>
+              <a:t>List_t</a:t>
+            </a:r>
+            <a:r>
+              <a:rPr lang="en-US" altLang="zh-CN" sz="2000" b="1" dirty="0">
+                <a:solidFill>
+                  <a:schemeClr val="folHlink"/>
+                </a:solidFill>
+                <a:latin typeface="Courier New" panose="02070309020205020404" pitchFamily="49" charset="0"/>
+              </a:rPr>
+              <a:t> l, poly x, int n){</a:t>
             </a:r>
           </a:p>
           <a:p>
@@ -11594,13 +11774,10 @@
               <a:buNone/>
             </a:pPr>
             <a:r>
-              <a:rPr lang="en-US" altLang="zh-CN" sz="2000" b="1">
-                <a:solidFill>
-                  <a:schemeClr val="folHlink"/>
-                </a:solidFill>
-                <a:latin typeface="Courier New" panose="02070309020205020404" pitchFamily="49" charset="0"/>
-              </a:rPr>
-              <a:t>{</a:t>
+              <a:rPr lang="en-US" altLang="zh-CN" sz="2000" b="1" dirty="0">
+                <a:latin typeface="Courier New" panose="02070309020205020404" pitchFamily="49" charset="0"/>
+              </a:rPr>
+              <a:t>  // 1. change the “next” field of pointer t;</a:t>
             </a:r>
           </a:p>
           <a:p>
@@ -11612,10 +11789,10 @@
               <a:buNone/>
             </a:pPr>
             <a:r>
-              <a:rPr lang="en-US" altLang="zh-CN" sz="2000" b="1">
-                <a:latin typeface="Courier New" panose="02070309020205020404" pitchFamily="49" charset="0"/>
-              </a:rPr>
-              <a:t>  // 1. change the “next” field of pointer t;</a:t>
+              <a:rPr lang="en-US" altLang="zh-CN" sz="2000" b="1" dirty="0">
+                <a:latin typeface="Courier New" panose="02070309020205020404" pitchFamily="49" charset="0"/>
+              </a:rPr>
+              <a:t>  // 2. change the “next” field of element (n-1)</a:t>
             </a:r>
           </a:p>
           <a:p>
@@ -11627,10 +11804,13 @@
               <a:buNone/>
             </a:pPr>
             <a:r>
-              <a:rPr lang="en-US" altLang="zh-CN" sz="2000" b="1">
-                <a:latin typeface="Courier New" panose="02070309020205020404" pitchFamily="49" charset="0"/>
-              </a:rPr>
-              <a:t>  // 2. change the “next” field of element (n-1)</a:t>
+              <a:rPr lang="en-US" altLang="zh-CN" sz="2000" b="1" dirty="0">
+                <a:solidFill>
+                  <a:schemeClr val="folHlink"/>
+                </a:solidFill>
+                <a:latin typeface="Courier New" panose="02070309020205020404" pitchFamily="49" charset="0"/>
+              </a:rPr>
+              <a:t>  …;</a:t>
             </a:r>
           </a:p>
           <a:p>
@@ -11642,13 +11822,13 @@
               <a:buNone/>
             </a:pPr>
             <a:r>
-              <a:rPr lang="en-US" altLang="zh-CN" sz="2000" b="1">
-                <a:solidFill>
-                  <a:schemeClr val="folHlink"/>
-                </a:solidFill>
-                <a:latin typeface="Courier New" panose="02070309020205020404" pitchFamily="49" charset="0"/>
-              </a:rPr>
-              <a:t>  …;</a:t>
+              <a:rPr lang="en-US" altLang="zh-CN" sz="2000" b="1" dirty="0">
+                <a:solidFill>
+                  <a:schemeClr val="folHlink"/>
+                </a:solidFill>
+                <a:latin typeface="Courier New" panose="02070309020205020404" pitchFamily="49" charset="0"/>
+              </a:rPr>
+              <a:t>}</a:t>
             </a:r>
           </a:p>
           <a:p>
@@ -11659,25 +11839,7 @@
               <a:buFont typeface="Wingdings" pitchFamily="2" charset="2"/>
               <a:buNone/>
             </a:pPr>
-            <a:r>
-              <a:rPr lang="en-US" altLang="zh-CN" sz="2000" b="1">
-                <a:solidFill>
-                  <a:schemeClr val="folHlink"/>
-                </a:solidFill>
-                <a:latin typeface="Courier New" panose="02070309020205020404" pitchFamily="49" charset="0"/>
-              </a:rPr>
-              <a:t>}</a:t>
-            </a:r>
-          </a:p>
-          <a:p>
-            <a:pPr>
-              <a:lnSpc>
-                <a:spcPct val="90000"/>
-              </a:lnSpc>
-              <a:buFont typeface="Wingdings" pitchFamily="2" charset="2"/>
-              <a:buNone/>
-            </a:pPr>
-            <a:endParaRPr lang="en-US" altLang="zh-CN" sz="2000" b="1">
+            <a:endParaRPr lang="en-US" altLang="zh-CN" sz="2000" b="1" dirty="0">
               <a:latin typeface="Courier New" panose="02070309020205020404" pitchFamily="49" charset="0"/>
             </a:endParaRPr>
           </a:p>
@@ -13361,7 +13523,7 @@
                                         <p:tgtEl>
                                           <p:spTgt spid="227331">
                                             <p:txEl>
-                                              <p:pRg st="2" end="2"/>
+                                              <p:pRg st="1" end="1"/>
                                             </p:txEl>
                                           </p:spTgt>
                                         </p:tgtEl>
@@ -13379,7 +13541,7 @@
                                         <p:tgtEl>
                                           <p:spTgt spid="227331">
                                             <p:txEl>
-                                              <p:pRg st="2" end="2"/>
+                                              <p:pRg st="1" end="1"/>
                                             </p:txEl>
                                           </p:spTgt>
                                         </p:tgtEl>
@@ -13475,7 +13637,7 @@
                                         <p:tgtEl>
                                           <p:spTgt spid="227331">
                                             <p:txEl>
-                                              <p:pRg st="3" end="3"/>
+                                              <p:pRg st="2" end="2"/>
                                             </p:txEl>
                                           </p:spTgt>
                                         </p:tgtEl>
@@ -13493,7 +13655,7 @@
                                         <p:tgtEl>
                                           <p:spTgt spid="227331">
                                             <p:txEl>
-                                              <p:pRg st="3" end="3"/>
+                                              <p:pRg st="2" end="2"/>
                                             </p:txEl>
                                           </p:spTgt>
                                         </p:tgtEl>
@@ -13783,13 +13945,49 @@
               <a:buNone/>
             </a:pPr>
             <a:r>
-              <a:rPr lang="en-US" altLang="zh-CN" sz="2000" b="1">
-                <a:solidFill>
-                  <a:schemeClr val="folHlink"/>
-                </a:solidFill>
-                <a:latin typeface="Courier New" panose="02070309020205020404" pitchFamily="49" charset="0"/>
-              </a:rPr>
-              <a:t>void List_insert (List_t l, poly x, int n)</a:t>
+              <a:rPr lang="en-US" altLang="zh-CN" sz="2000" b="1" dirty="0">
+                <a:solidFill>
+                  <a:schemeClr val="folHlink"/>
+                </a:solidFill>
+                <a:latin typeface="Courier New" panose="02070309020205020404" pitchFamily="49" charset="0"/>
+              </a:rPr>
+              <a:t>void </a:t>
+            </a:r>
+            <a:r>
+              <a:rPr lang="en-US" altLang="zh-CN" sz="2000" b="1" dirty="0" err="1">
+                <a:solidFill>
+                  <a:schemeClr val="folHlink"/>
+                </a:solidFill>
+                <a:latin typeface="Courier New" panose="02070309020205020404" pitchFamily="49" charset="0"/>
+              </a:rPr>
+              <a:t>List_insert</a:t>
+            </a:r>
+            <a:r>
+              <a:rPr lang="en-US" altLang="zh-CN" sz="2000" b="1" dirty="0">
+                <a:solidFill>
+                  <a:schemeClr val="folHlink"/>
+                </a:solidFill>
+                <a:latin typeface="Courier New" panose="02070309020205020404" pitchFamily="49" charset="0"/>
+              </a:rPr>
+              <a:t>(</a:t>
+            </a:r>
+            <a:r>
+              <a:rPr lang="en-US" altLang="zh-CN" sz="2000" b="1" dirty="0" err="1">
+                <a:solidFill>
+                  <a:schemeClr val="folHlink"/>
+                </a:solidFill>
+                <a:latin typeface="Courier New" panose="02070309020205020404" pitchFamily="49" charset="0"/>
+              </a:rPr>
+              <a:t>List_t</a:t>
+            </a:r>
+            <a:r>
+              <a:rPr lang="en-US" altLang="zh-CN" sz="2000" b="1" dirty="0">
+                <a:solidFill>
+                  <a:schemeClr val="folHlink"/>
+                </a:solidFill>
+                <a:latin typeface="Courier New" panose="02070309020205020404" pitchFamily="49" charset="0"/>
+              </a:rPr>
+              <a:t> l, poly x, int n){</a:t>
             </a:r>
           </a:p>
           <a:p>
@@ -13801,13 +13999,31 @@
               <a:buNone/>
             </a:pPr>
             <a:r>
-              <a:rPr lang="en-US" altLang="zh-CN" sz="2000" b="1">
-                <a:solidFill>
-                  <a:schemeClr val="folHlink"/>
-                </a:solidFill>
-                <a:latin typeface="Courier New" panose="02070309020205020404" pitchFamily="49" charset="0"/>
-              </a:rPr>
-              <a:t>{</a:t>
+              <a:rPr lang="en-US" altLang="zh-CN" sz="2000" b="1" dirty="0">
+                <a:solidFill>
+                  <a:schemeClr val="folHlink"/>
+                </a:solidFill>
+                <a:latin typeface="Courier New" panose="02070309020205020404" pitchFamily="49" charset="0"/>
+              </a:rPr>
+              <a:t>  </a:t>
+            </a:r>
+            <a:r>
+              <a:rPr lang="en-US" altLang="zh-CN" sz="2000" b="1" dirty="0" err="1">
+                <a:solidFill>
+                  <a:schemeClr val="folHlink"/>
+                </a:solidFill>
+                <a:latin typeface="Courier New" panose="02070309020205020404" pitchFamily="49" charset="0"/>
+              </a:rPr>
+              <a:t>List_t</a:t>
+            </a:r>
+            <a:r>
+              <a:rPr lang="en-US" altLang="zh-CN" sz="2000" b="1" dirty="0">
+                <a:solidFill>
+                  <a:schemeClr val="folHlink"/>
+                </a:solidFill>
+                <a:latin typeface="Courier New" panose="02070309020205020404" pitchFamily="49" charset="0"/>
+              </a:rPr>
+              <a:t> p;</a:t>
             </a:r>
           </a:p>
           <a:p>
@@ -13819,13 +14035,31 @@
               <a:buNone/>
             </a:pPr>
             <a:r>
-              <a:rPr lang="en-US" altLang="zh-CN" sz="2000" b="1">
-                <a:solidFill>
-                  <a:schemeClr val="folHlink"/>
-                </a:solidFill>
-                <a:latin typeface="Courier New" panose="02070309020205020404" pitchFamily="49" charset="0"/>
-              </a:rPr>
-              <a:t>  List_t p;</a:t>
+              <a:rPr lang="en-US" altLang="zh-CN" sz="2000" b="1" dirty="0">
+                <a:solidFill>
+                  <a:schemeClr val="folHlink"/>
+                </a:solidFill>
+                <a:latin typeface="Courier New" panose="02070309020205020404" pitchFamily="49" charset="0"/>
+              </a:rPr>
+              <a:t>  if(n&lt;0 || n&gt;</a:t>
+            </a:r>
+            <a:r>
+              <a:rPr lang="en-US" altLang="zh-CN" sz="2000" b="1" dirty="0" err="1">
+                <a:solidFill>
+                  <a:schemeClr val="folHlink"/>
+                </a:solidFill>
+                <a:latin typeface="Courier New" panose="02070309020205020404" pitchFamily="49" charset="0"/>
+              </a:rPr>
+              <a:t>List_length</a:t>
+            </a:r>
+            <a:r>
+              <a:rPr lang="en-US" altLang="zh-CN" sz="2000" b="1" dirty="0">
+                <a:solidFill>
+                  <a:schemeClr val="folHlink"/>
+                </a:solidFill>
+                <a:latin typeface="Courier New" panose="02070309020205020404" pitchFamily="49" charset="0"/>
+              </a:rPr>
+              <a:t>(l))</a:t>
             </a:r>
           </a:p>
           <a:p>
@@ -13837,13 +14071,13 @@
               <a:buNone/>
             </a:pPr>
             <a:r>
-              <a:rPr lang="en-US" altLang="zh-CN" sz="2000" b="1">
-                <a:solidFill>
-                  <a:schemeClr val="folHlink"/>
-                </a:solidFill>
-                <a:latin typeface="Courier New" panose="02070309020205020404" pitchFamily="49" charset="0"/>
-              </a:rPr>
-              <a:t>  if (n&lt;0 || n&gt;List_length(l))</a:t>
+              <a:rPr lang="en-US" altLang="zh-CN" sz="2000" b="1" dirty="0">
+                <a:solidFill>
+                  <a:schemeClr val="folHlink"/>
+                </a:solidFill>
+                <a:latin typeface="Courier New" panose="02070309020205020404" pitchFamily="49" charset="0"/>
+              </a:rPr>
+              <a:t>    error(“invalid index”);</a:t>
             </a:r>
           </a:p>
           <a:p>
@@ -13854,15 +14088,12 @@
               <a:buFont typeface="Wingdings" pitchFamily="2" charset="2"/>
               <a:buNone/>
             </a:pPr>
-            <a:r>
-              <a:rPr lang="en-US" altLang="zh-CN" sz="2000" b="1">
-                <a:solidFill>
-                  <a:schemeClr val="folHlink"/>
-                </a:solidFill>
-                <a:latin typeface="Courier New" panose="02070309020205020404" pitchFamily="49" charset="0"/>
-              </a:rPr>
-              <a:t>    error (“invalid index”);</a:t>
-            </a:r>
+            <a:endParaRPr lang="en-US" altLang="zh-CN" sz="2000" b="1" dirty="0">
+              <a:solidFill>
+                <a:schemeClr val="folHlink"/>
+              </a:solidFill>
+              <a:latin typeface="Courier New" panose="02070309020205020404" pitchFamily="49" charset="0"/>
+            </a:endParaRPr>
           </a:p>
           <a:p>
             <a:pPr>
@@ -13872,12 +14103,12 @@
               <a:buFont typeface="Wingdings" pitchFamily="2" charset="2"/>
               <a:buNone/>
             </a:pPr>
-            <a:endParaRPr lang="en-US" altLang="zh-CN" sz="2000" b="1">
-              <a:solidFill>
-                <a:schemeClr val="folHlink"/>
-              </a:solidFill>
-              <a:latin typeface="Courier New" panose="02070309020205020404" pitchFamily="49" charset="0"/>
-            </a:endParaRPr>
+            <a:r>
+              <a:rPr lang="en-US" altLang="zh-CN" sz="2000" b="1" dirty="0">
+                <a:latin typeface="Courier New" panose="02070309020205020404" pitchFamily="49" charset="0"/>
+              </a:rPr>
+              <a:t>  // search pointer p points to position n-1</a:t>
+            </a:r>
           </a:p>
           <a:p>
             <a:pPr>
@@ -13888,37 +14119,40 @@
               <a:buNone/>
             </a:pPr>
             <a:r>
-              <a:rPr lang="en-US" altLang="zh-CN" sz="2000" b="1">
-                <a:latin typeface="Courier New" panose="02070309020205020404" pitchFamily="49" charset="0"/>
-              </a:rPr>
-              <a:t>  // search pointer p points to position n-1</a:t>
-            </a:r>
-          </a:p>
-          <a:p>
-            <a:pPr>
-              <a:lnSpc>
-                <a:spcPct val="80000"/>
-              </a:lnSpc>
-              <a:buFont typeface="Wingdings" pitchFamily="2" charset="2"/>
-              <a:buNone/>
-            </a:pPr>
-            <a:r>
-              <a:rPr lang="en-US" altLang="zh-CN" sz="2000" b="1">
+              <a:rPr lang="en-US" altLang="zh-CN" sz="2000" b="1" dirty="0">
                 <a:latin typeface="Courier New" panose="02070309020205020404" pitchFamily="49" charset="0"/>
               </a:rPr>
               <a:t>  </a:t>
             </a:r>
             <a:r>
-              <a:rPr lang="en-US" altLang="zh-CN" sz="2000" b="1">
-                <a:solidFill>
-                  <a:schemeClr val="folHlink"/>
-                </a:solidFill>
-                <a:latin typeface="Courier New" panose="02070309020205020404" pitchFamily="49" charset="0"/>
-              </a:rPr>
-              <a:t>p = n? (List_nth (l, n-1)) : l;</a:t>
-            </a:r>
-            <a:r>
-              <a:rPr lang="en-US" altLang="zh-CN" sz="2000" b="1">
+              <a:rPr lang="en-US" altLang="zh-CN" sz="2000" b="1" dirty="0">
+                <a:solidFill>
+                  <a:schemeClr val="folHlink"/>
+                </a:solidFill>
+                <a:latin typeface="Courier New" panose="02070309020205020404" pitchFamily="49" charset="0"/>
+              </a:rPr>
+              <a:t>p = n? (</a:t>
+            </a:r>
+            <a:r>
+              <a:rPr lang="en-US" altLang="zh-CN" sz="2000" b="1" dirty="0" err="1">
+                <a:solidFill>
+                  <a:schemeClr val="folHlink"/>
+                </a:solidFill>
+                <a:latin typeface="Courier New" panose="02070309020205020404" pitchFamily="49" charset="0"/>
+              </a:rPr>
+              <a:t>List_nth</a:t>
+            </a:r>
+            <a:r>
+              <a:rPr lang="en-US" altLang="zh-CN" sz="2000" b="1" dirty="0">
+                <a:solidFill>
+                  <a:schemeClr val="folHlink"/>
+                </a:solidFill>
+                <a:latin typeface="Courier New" panose="02070309020205020404" pitchFamily="49" charset="0"/>
+              </a:rPr>
+              <a:t>(l, n-1)) : l;</a:t>
+            </a:r>
+            <a:r>
+              <a:rPr lang="en-US" altLang="zh-CN" sz="2000" b="1" dirty="0">
                 <a:latin typeface="Courier New" panose="02070309020205020404" pitchFamily="49" charset="0"/>
               </a:rPr>
               <a:t> </a:t>
@@ -14025,7 +14259,7 @@
               <a:buNone/>
             </a:pPr>
             <a:r>
-              <a:rPr lang="en-US" altLang="zh-CN" sz="2000" b="1">
+              <a:rPr lang="en-US" altLang="zh-CN" sz="2000" b="1" dirty="0">
                 <a:latin typeface="Courier New" panose="02070309020205020404" pitchFamily="49" charset="0"/>
               </a:rPr>
               <a:t>  // continued…</a:t>
@@ -14040,7 +14274,7 @@
               <a:buNone/>
             </a:pPr>
             <a:r>
-              <a:rPr lang="en-US" altLang="zh-CN" sz="2000" b="1">
+              <a:rPr lang="en-US" altLang="zh-CN" sz="2000" b="1" dirty="0">
                 <a:latin typeface="Courier New" panose="02070309020205020404" pitchFamily="49" charset="0"/>
               </a:rPr>
               <a:t>	// Step #1: cook list node:</a:t>
@@ -14055,19 +14289,46 @@
               <a:buNone/>
             </a:pPr>
             <a:r>
-              <a:rPr lang="en-US" altLang="zh-CN" sz="2000" b="1">
+              <a:rPr lang="en-US" altLang="zh-CN" sz="2000" b="1" dirty="0">
                 <a:latin typeface="Courier New" panose="02070309020205020404" pitchFamily="49" charset="0"/>
               </a:rPr>
               <a:t>	</a:t>
             </a:r>
             <a:r>
-              <a:rPr lang="en-US" altLang="zh-CN" sz="2000" b="1">
-                <a:solidFill>
-                  <a:schemeClr val="folHlink"/>
-                </a:solidFill>
-                <a:latin typeface="Courier New" panose="02070309020205020404" pitchFamily="49" charset="0"/>
-              </a:rPr>
-              <a:t>List_t temp = malloc (sizeof (*temp));</a:t>
+              <a:rPr lang="en-US" altLang="zh-CN" sz="2000" b="1" dirty="0" err="1">
+                <a:solidFill>
+                  <a:schemeClr val="folHlink"/>
+                </a:solidFill>
+                <a:latin typeface="Courier New" panose="02070309020205020404" pitchFamily="49" charset="0"/>
+              </a:rPr>
+              <a:t>List_t</a:t>
+            </a:r>
+            <a:r>
+              <a:rPr lang="en-US" altLang="zh-CN" sz="2000" b="1" dirty="0">
+                <a:solidFill>
+                  <a:schemeClr val="folHlink"/>
+                </a:solidFill>
+                <a:latin typeface="Courier New" panose="02070309020205020404" pitchFamily="49" charset="0"/>
+              </a:rPr>
+              <a:t> temp = malloc(</a:t>
+            </a:r>
+            <a:r>
+              <a:rPr lang="en-US" altLang="zh-CN" sz="2000" b="1" dirty="0" err="1">
+                <a:solidFill>
+                  <a:schemeClr val="folHlink"/>
+                </a:solidFill>
+                <a:latin typeface="Courier New" panose="02070309020205020404" pitchFamily="49" charset="0"/>
+              </a:rPr>
+              <a:t>sizeof</a:t>
+            </a:r>
+            <a:r>
+              <a:rPr lang="en-US" altLang="zh-CN" sz="2000" b="1" dirty="0">
+                <a:solidFill>
+                  <a:schemeClr val="folHlink"/>
+                </a:solidFill>
+                <a:latin typeface="Courier New" panose="02070309020205020404" pitchFamily="49" charset="0"/>
+              </a:rPr>
+              <a:t>(*temp));</a:t>
             </a:r>
           </a:p>
           <a:p>
@@ -14079,7 +14340,7 @@
               <a:buNone/>
             </a:pPr>
             <a:r>
-              <a:rPr lang="en-US" altLang="zh-CN" sz="2000" b="1">
+              <a:rPr lang="en-US" altLang="zh-CN" sz="2000" b="1" dirty="0">
                 <a:solidFill>
                   <a:schemeClr val="folHlink"/>
                 </a:solidFill>
@@ -14097,10 +14358,22 @@
               <a:buNone/>
             </a:pPr>
             <a:r>
-              <a:rPr lang="en-US" altLang="zh-CN" sz="2000" b="1">
-                <a:latin typeface="Courier New" panose="02070309020205020404" pitchFamily="49" charset="0"/>
-              </a:rPr>
-              <a:t>  // Step #2: temp points to n-th data item</a:t>
+              <a:rPr lang="en-US" altLang="zh-CN" sz="2000" b="1" dirty="0">
+                <a:latin typeface="Courier New" panose="02070309020205020404" pitchFamily="49" charset="0"/>
+              </a:rPr>
+              <a:t>  // Step #2: temp points to n-</a:t>
+            </a:r>
+            <a:r>
+              <a:rPr lang="en-US" altLang="zh-CN" sz="2000" b="1" dirty="0" err="1">
+                <a:latin typeface="Courier New" panose="02070309020205020404" pitchFamily="49" charset="0"/>
+              </a:rPr>
+              <a:t>th</a:t>
+            </a:r>
+            <a:r>
+              <a:rPr lang="en-US" altLang="zh-CN" sz="2000" b="1" dirty="0">
+                <a:latin typeface="Courier New" panose="02070309020205020404" pitchFamily="49" charset="0"/>
+              </a:rPr>
+              <a:t> data item</a:t>
             </a:r>
           </a:p>
           <a:p>
@@ -14112,13 +14385,13 @@
               <a:buNone/>
             </a:pPr>
             <a:r>
-              <a:rPr lang="en-US" altLang="zh-CN" sz="2000" b="1">
+              <a:rPr lang="en-US" altLang="zh-CN" sz="2000" b="1" dirty="0">
                 <a:latin typeface="Courier New" panose="02070309020205020404" pitchFamily="49" charset="0"/>
               </a:rPr>
               <a:t>  </a:t>
             </a:r>
             <a:r>
-              <a:rPr lang="en-US" altLang="zh-CN" sz="2000" b="1">
+              <a:rPr lang="en-US" altLang="zh-CN" sz="2000" b="1" dirty="0">
                 <a:solidFill>
                   <a:schemeClr val="folHlink"/>
                 </a:solidFill>
@@ -14136,7 +14409,7 @@
               <a:buNone/>
             </a:pPr>
             <a:r>
-              <a:rPr lang="en-US" altLang="zh-CN" sz="2000" b="1">
+              <a:rPr lang="en-US" altLang="zh-CN" sz="2000" b="1" dirty="0">
                 <a:latin typeface="Courier New" panose="02070309020205020404" pitchFamily="49" charset="0"/>
               </a:rPr>
               <a:t>  // Step #3: link temp onto list</a:t>
@@ -14151,13 +14424,13 @@
               <a:buNone/>
             </a:pPr>
             <a:r>
-              <a:rPr lang="en-US" altLang="zh-CN" sz="2000" b="1">
+              <a:rPr lang="en-US" altLang="zh-CN" sz="2000" b="1" dirty="0">
                 <a:latin typeface="Courier New" panose="02070309020205020404" pitchFamily="49" charset="0"/>
               </a:rPr>
               <a:t>  </a:t>
             </a:r>
             <a:r>
-              <a:rPr lang="en-US" altLang="zh-CN" sz="2000" b="1">
+              <a:rPr lang="en-US" altLang="zh-CN" sz="2000" b="1" dirty="0">
                 <a:solidFill>
                   <a:schemeClr val="folHlink"/>
                 </a:solidFill>
@@ -14175,7 +14448,7 @@
               <a:buNone/>
             </a:pPr>
             <a:r>
-              <a:rPr lang="en-US" altLang="zh-CN" sz="2000" b="1">
+              <a:rPr lang="en-US" altLang="zh-CN" sz="2000" b="1" dirty="0">
                 <a:solidFill>
                   <a:schemeClr val="folHlink"/>
                 </a:solidFill>
@@ -14193,7 +14466,7 @@
               <a:buNone/>
             </a:pPr>
             <a:r>
-              <a:rPr lang="en-US" altLang="zh-CN" sz="2000" b="1">
+              <a:rPr lang="en-US" altLang="zh-CN" sz="2000" b="1" dirty="0">
                 <a:solidFill>
                   <a:schemeClr val="folHlink"/>
                 </a:solidFill>
@@ -14211,7 +14484,7 @@
               <a:buNone/>
             </a:pPr>
             <a:r>
-              <a:rPr lang="en-US" altLang="zh-CN" sz="2000" b="1">
+              <a:rPr lang="en-US" altLang="zh-CN" sz="2000" b="1" dirty="0">
                 <a:solidFill>
                   <a:schemeClr val="folHlink"/>
                 </a:solidFill>
@@ -14321,13 +14594,49 @@
               <a:buNone/>
             </a:pPr>
             <a:r>
-              <a:rPr lang="en-US" altLang="zh-CN" sz="2000" b="1">
-                <a:solidFill>
-                  <a:schemeClr val="folHlink"/>
-                </a:solidFill>
-                <a:latin typeface="Courier New" panose="02070309020205020404" pitchFamily="49" charset="0"/>
-              </a:rPr>
-              <a:t>poly List_delete (List_t l, int n)</a:t>
+              <a:rPr lang="en-US" altLang="zh-CN" sz="2000" b="1" dirty="0">
+                <a:solidFill>
+                  <a:schemeClr val="folHlink"/>
+                </a:solidFill>
+                <a:latin typeface="Courier New" panose="02070309020205020404" pitchFamily="49" charset="0"/>
+              </a:rPr>
+              <a:t>poly </a:t>
+            </a:r>
+            <a:r>
+              <a:rPr lang="en-US" altLang="zh-CN" sz="2000" b="1" dirty="0" err="1">
+                <a:solidFill>
+                  <a:schemeClr val="folHlink"/>
+                </a:solidFill>
+                <a:latin typeface="Courier New" panose="02070309020205020404" pitchFamily="49" charset="0"/>
+              </a:rPr>
+              <a:t>List_delete</a:t>
+            </a:r>
+            <a:r>
+              <a:rPr lang="en-US" altLang="zh-CN" sz="2000" b="1" dirty="0">
+                <a:solidFill>
+                  <a:schemeClr val="folHlink"/>
+                </a:solidFill>
+                <a:latin typeface="Courier New" panose="02070309020205020404" pitchFamily="49" charset="0"/>
+              </a:rPr>
+              <a:t>(</a:t>
+            </a:r>
+            <a:r>
+              <a:rPr lang="en-US" altLang="zh-CN" sz="2000" b="1" dirty="0" err="1">
+                <a:solidFill>
+                  <a:schemeClr val="folHlink"/>
+                </a:solidFill>
+                <a:latin typeface="Courier New" panose="02070309020205020404" pitchFamily="49" charset="0"/>
+              </a:rPr>
+              <a:t>List_t</a:t>
+            </a:r>
+            <a:r>
+              <a:rPr lang="en-US" altLang="zh-CN" sz="2000" b="1" dirty="0">
+                <a:solidFill>
+                  <a:schemeClr val="folHlink"/>
+                </a:solidFill>
+                <a:latin typeface="Courier New" panose="02070309020205020404" pitchFamily="49" charset="0"/>
+              </a:rPr>
+              <a:t> l, int n){</a:t>
             </a:r>
           </a:p>
           <a:p>
@@ -14339,13 +14648,10 @@
               <a:buNone/>
             </a:pPr>
             <a:r>
-              <a:rPr lang="en-US" altLang="zh-CN" sz="2000" b="1">
-                <a:solidFill>
-                  <a:schemeClr val="folHlink"/>
-                </a:solidFill>
-                <a:latin typeface="Courier New" panose="02070309020205020404" pitchFamily="49" charset="0"/>
-              </a:rPr>
-              <a:t>{</a:t>
+              <a:rPr lang="en-US" altLang="zh-CN" sz="2000" b="1" dirty="0">
+                <a:latin typeface="Courier New" panose="02070309020205020404" pitchFamily="49" charset="0"/>
+              </a:rPr>
+              <a:t>  // The key step is to search pointer p</a:t>
             </a:r>
           </a:p>
           <a:p>
@@ -14357,10 +14663,10 @@
               <a:buNone/>
             </a:pPr>
             <a:r>
-              <a:rPr lang="en-US" altLang="zh-CN" sz="2000" b="1">
-                <a:latin typeface="Courier New" panose="02070309020205020404" pitchFamily="49" charset="0"/>
-              </a:rPr>
-              <a:t>  // The key step is to search pointer p</a:t>
+              <a:rPr lang="en-US" altLang="zh-CN" sz="2000" b="1" dirty="0">
+                <a:latin typeface="Courier New" panose="02070309020205020404" pitchFamily="49" charset="0"/>
+              </a:rPr>
+              <a:t>  // Leave this as exercise.</a:t>
             </a:r>
           </a:p>
           <a:p>
@@ -14372,10 +14678,10 @@
               <a:buNone/>
             </a:pPr>
             <a:r>
-              <a:rPr lang="en-US" altLang="zh-CN" sz="2000" b="1">
-                <a:latin typeface="Courier New" panose="02070309020205020404" pitchFamily="49" charset="0"/>
-              </a:rPr>
-              <a:t>  // Leave this as exercise.</a:t>
+              <a:rPr lang="en-US" altLang="zh-CN" sz="2000" b="1" dirty="0">
+                <a:latin typeface="Courier New" panose="02070309020205020404" pitchFamily="49" charset="0"/>
+              </a:rPr>
+              <a:t>	// See Lab #3.</a:t>
             </a:r>
           </a:p>
           <a:p>
@@ -14387,10 +14693,19 @@
               <a:buNone/>
             </a:pPr>
             <a:r>
-              <a:rPr lang="en-US" altLang="zh-CN" sz="2000" b="1">
-                <a:latin typeface="Courier New" panose="02070309020205020404" pitchFamily="49" charset="0"/>
-              </a:rPr>
-              <a:t>	// See Lab #3.</a:t>
+              <a:rPr lang="en-US" altLang="zh-CN" sz="2000" b="1" dirty="0">
+                <a:latin typeface="Courier New" panose="02070309020205020404" pitchFamily="49" charset="0"/>
+              </a:rPr>
+              <a:t>  </a:t>
+            </a:r>
+            <a:r>
+              <a:rPr lang="en-US" altLang="zh-CN" sz="2000" b="1" dirty="0">
+                <a:solidFill>
+                  <a:schemeClr val="folHlink"/>
+                </a:solidFill>
+                <a:latin typeface="Courier New" panose="02070309020205020404" pitchFamily="49" charset="0"/>
+              </a:rPr>
+              <a:t>…;</a:t>
             </a:r>
           </a:p>
           <a:p>
@@ -14402,19 +14717,13 @@
               <a:buNone/>
             </a:pPr>
             <a:r>
-              <a:rPr lang="en-US" altLang="zh-CN" sz="2000" b="1">
-                <a:latin typeface="Courier New" panose="02070309020205020404" pitchFamily="49" charset="0"/>
-              </a:rPr>
-              <a:t>  </a:t>
-            </a:r>
-            <a:r>
-              <a:rPr lang="en-US" altLang="zh-CN" sz="2000" b="1">
-                <a:solidFill>
-                  <a:schemeClr val="folHlink"/>
-                </a:solidFill>
-                <a:latin typeface="Courier New" panose="02070309020205020404" pitchFamily="49" charset="0"/>
-              </a:rPr>
-              <a:t>…;</a:t>
+              <a:rPr lang="en-US" altLang="zh-CN" sz="2000" b="1" dirty="0">
+                <a:solidFill>
+                  <a:schemeClr val="folHlink"/>
+                </a:solidFill>
+                <a:latin typeface="Courier New" panose="02070309020205020404" pitchFamily="49" charset="0"/>
+              </a:rPr>
+              <a:t>}</a:t>
             </a:r>
           </a:p>
           <a:p>
@@ -14425,25 +14734,7 @@
               <a:buFont typeface="Wingdings" pitchFamily="2" charset="2"/>
               <a:buNone/>
             </a:pPr>
-            <a:r>
-              <a:rPr lang="en-US" altLang="zh-CN" sz="2000" b="1">
-                <a:solidFill>
-                  <a:schemeClr val="folHlink"/>
-                </a:solidFill>
-                <a:latin typeface="Courier New" panose="02070309020205020404" pitchFamily="49" charset="0"/>
-              </a:rPr>
-              <a:t>}</a:t>
-            </a:r>
-          </a:p>
-          <a:p>
-            <a:pPr>
-              <a:lnSpc>
-                <a:spcPct val="90000"/>
-              </a:lnSpc>
-              <a:buFont typeface="Wingdings" pitchFamily="2" charset="2"/>
-              <a:buNone/>
-            </a:pPr>
-            <a:endParaRPr lang="en-US" altLang="zh-CN" sz="2000" b="1">
+            <a:endParaRPr lang="en-US" altLang="zh-CN" sz="2000" b="1" dirty="0">
               <a:solidFill>
                 <a:schemeClr val="folHlink"/>
               </a:solidFill>
@@ -15806,7 +16097,7 @@
                                         <p:tgtEl>
                                           <p:spTgt spid="230403">
                                             <p:txEl>
-                                              <p:pRg st="3" end="3"/>
+                                              <p:pRg st="2" end="2"/>
                                             </p:txEl>
                                           </p:spTgt>
                                         </p:tgtEl>
@@ -15824,7 +16115,7 @@
                                         <p:tgtEl>
                                           <p:spTgt spid="230403">
                                             <p:txEl>
-                                              <p:pRg st="3" end="3"/>
+                                              <p:pRg st="2" end="2"/>
                                             </p:txEl>
                                           </p:spTgt>
                                         </p:tgtEl>
@@ -15867,7 +16158,7 @@
                                         <p:tgtEl>
                                           <p:spTgt spid="230403">
                                             <p:txEl>
-                                              <p:pRg st="4" end="4"/>
+                                              <p:pRg st="3" end="3"/>
                                             </p:txEl>
                                           </p:spTgt>
                                         </p:tgtEl>
@@ -15885,7 +16176,7 @@
                                         <p:tgtEl>
                                           <p:spTgt spid="230403">
                                             <p:txEl>
-                                              <p:pRg st="4" end="4"/>
+                                              <p:pRg st="3" end="3"/>
                                             </p:txEl>
                                           </p:spTgt>
                                         </p:tgtEl>
@@ -16016,13 +16307,49 @@
               <a:buNone/>
             </a:pPr>
             <a:r>
-              <a:rPr lang="en-US" altLang="zh-CN" sz="2000" b="1">
-                <a:solidFill>
-                  <a:schemeClr val="folHlink"/>
-                </a:solidFill>
-                <a:latin typeface="Courier New" panose="02070309020205020404" pitchFamily="49" charset="0"/>
-              </a:rPr>
-              <a:t>void List_foreach (List_t l, void (*f)(poly))</a:t>
+              <a:rPr lang="en-US" altLang="zh-CN" sz="2000" b="1" dirty="0">
+                <a:solidFill>
+                  <a:schemeClr val="folHlink"/>
+                </a:solidFill>
+                <a:latin typeface="Courier New" panose="02070309020205020404" pitchFamily="49" charset="0"/>
+              </a:rPr>
+              <a:t>void </a:t>
+            </a:r>
+            <a:r>
+              <a:rPr lang="en-US" altLang="zh-CN" sz="2000" b="1" dirty="0" err="1">
+                <a:solidFill>
+                  <a:schemeClr val="folHlink"/>
+                </a:solidFill>
+                <a:latin typeface="Courier New" panose="02070309020205020404" pitchFamily="49" charset="0"/>
+              </a:rPr>
+              <a:t>List_foreach</a:t>
+            </a:r>
+            <a:r>
+              <a:rPr lang="en-US" altLang="zh-CN" sz="2000" b="1" dirty="0">
+                <a:solidFill>
+                  <a:schemeClr val="folHlink"/>
+                </a:solidFill>
+                <a:latin typeface="Courier New" panose="02070309020205020404" pitchFamily="49" charset="0"/>
+              </a:rPr>
+              <a:t>(</a:t>
+            </a:r>
+            <a:r>
+              <a:rPr lang="en-US" altLang="zh-CN" sz="2000" b="1" dirty="0" err="1">
+                <a:solidFill>
+                  <a:schemeClr val="folHlink"/>
+                </a:solidFill>
+                <a:latin typeface="Courier New" panose="02070309020205020404" pitchFamily="49" charset="0"/>
+              </a:rPr>
+              <a:t>List_t</a:t>
+            </a:r>
+            <a:r>
+              <a:rPr lang="en-US" altLang="zh-CN" sz="2000" b="1" dirty="0">
+                <a:solidFill>
+                  <a:schemeClr val="folHlink"/>
+                </a:solidFill>
+                <a:latin typeface="Courier New" panose="02070309020205020404" pitchFamily="49" charset="0"/>
+              </a:rPr>
+              <a:t> l, void (*f)(poly)){</a:t>
             </a:r>
           </a:p>
           <a:p>
@@ -16034,13 +16361,31 @@
               <a:buNone/>
             </a:pPr>
             <a:r>
-              <a:rPr lang="en-US" altLang="zh-CN" sz="2000" b="1">
-                <a:solidFill>
-                  <a:schemeClr val="folHlink"/>
-                </a:solidFill>
-                <a:latin typeface="Courier New" panose="02070309020205020404" pitchFamily="49" charset="0"/>
-              </a:rPr>
-              <a:t>{</a:t>
+              <a:rPr lang="en-US" altLang="zh-CN" sz="2000" b="1" dirty="0">
+                <a:solidFill>
+                  <a:schemeClr val="folHlink"/>
+                </a:solidFill>
+                <a:latin typeface="Courier New" panose="02070309020205020404" pitchFamily="49" charset="0"/>
+              </a:rPr>
+              <a:t>  </a:t>
+            </a:r>
+            <a:r>
+              <a:rPr lang="en-US" altLang="zh-CN" sz="2000" b="1" dirty="0" err="1">
+                <a:solidFill>
+                  <a:schemeClr val="folHlink"/>
+                </a:solidFill>
+                <a:latin typeface="Courier New" panose="02070309020205020404" pitchFamily="49" charset="0"/>
+              </a:rPr>
+              <a:t>List_t</a:t>
+            </a:r>
+            <a:r>
+              <a:rPr lang="en-US" altLang="zh-CN" sz="2000" b="1" dirty="0">
+                <a:solidFill>
+                  <a:schemeClr val="folHlink"/>
+                </a:solidFill>
+                <a:latin typeface="Courier New" panose="02070309020205020404" pitchFamily="49" charset="0"/>
+              </a:rPr>
+              <a:t> p = l-&gt;next;</a:t>
             </a:r>
           </a:p>
           <a:p>
@@ -16052,13 +16397,13 @@
               <a:buNone/>
             </a:pPr>
             <a:r>
-              <a:rPr lang="en-US" altLang="zh-CN" sz="2000" b="1">
-                <a:solidFill>
-                  <a:schemeClr val="folHlink"/>
-                </a:solidFill>
-                <a:latin typeface="Courier New" panose="02070309020205020404" pitchFamily="49" charset="0"/>
-              </a:rPr>
-              <a:t>  List_t p = l-&gt;next;</a:t>
+              <a:rPr lang="en-US" altLang="zh-CN" sz="2000" b="1" dirty="0">
+                <a:solidFill>
+                  <a:schemeClr val="folHlink"/>
+                </a:solidFill>
+                <a:latin typeface="Courier New" panose="02070309020205020404" pitchFamily="49" charset="0"/>
+              </a:rPr>
+              <a:t>  while(p){</a:t>
             </a:r>
           </a:p>
           <a:p>
@@ -16070,13 +16415,13 @@
               <a:buNone/>
             </a:pPr>
             <a:r>
-              <a:rPr lang="en-US" altLang="zh-CN" sz="2000" b="1">
-                <a:solidFill>
-                  <a:schemeClr val="folHlink"/>
-                </a:solidFill>
-                <a:latin typeface="Courier New" panose="02070309020205020404" pitchFamily="49" charset="0"/>
-              </a:rPr>
-              <a:t>  while (p) {</a:t>
+              <a:rPr lang="en-US" altLang="zh-CN" sz="2000" b="1" dirty="0">
+                <a:solidFill>
+                  <a:schemeClr val="folHlink"/>
+                </a:solidFill>
+                <a:latin typeface="Courier New" panose="02070309020205020404" pitchFamily="49" charset="0"/>
+              </a:rPr>
+              <a:t>    f(p-&gt;data);</a:t>
             </a:r>
           </a:p>
           <a:p>
@@ -16088,13 +16433,13 @@
               <a:buNone/>
             </a:pPr>
             <a:r>
-              <a:rPr lang="en-US" altLang="zh-CN" sz="2000" b="1">
-                <a:solidFill>
-                  <a:schemeClr val="folHlink"/>
-                </a:solidFill>
-                <a:latin typeface="Courier New" panose="02070309020205020404" pitchFamily="49" charset="0"/>
-              </a:rPr>
-              <a:t>    f (p-&gt;data);</a:t>
+              <a:rPr lang="en-US" altLang="zh-CN" sz="2000" b="1" dirty="0">
+                <a:solidFill>
+                  <a:schemeClr val="folHlink"/>
+                </a:solidFill>
+                <a:latin typeface="Courier New" panose="02070309020205020404" pitchFamily="49" charset="0"/>
+              </a:rPr>
+              <a:t>    p = p-&gt;next;</a:t>
             </a:r>
           </a:p>
           <a:p>
@@ -16106,13 +16451,13 @@
               <a:buNone/>
             </a:pPr>
             <a:r>
-              <a:rPr lang="en-US" altLang="zh-CN" sz="2000" b="1">
-                <a:solidFill>
-                  <a:schemeClr val="folHlink"/>
-                </a:solidFill>
-                <a:latin typeface="Courier New" panose="02070309020205020404" pitchFamily="49" charset="0"/>
-              </a:rPr>
-              <a:t>    p = p-&gt;next;</a:t>
+              <a:rPr lang="en-US" altLang="zh-CN" sz="2000" b="1" dirty="0">
+                <a:solidFill>
+                  <a:schemeClr val="folHlink"/>
+                </a:solidFill>
+                <a:latin typeface="Courier New" panose="02070309020205020404" pitchFamily="49" charset="0"/>
+              </a:rPr>
+              <a:t>  }</a:t>
             </a:r>
           </a:p>
           <a:p>
@@ -16124,13 +16469,13 @@
               <a:buNone/>
             </a:pPr>
             <a:r>
-              <a:rPr lang="en-US" altLang="zh-CN" sz="2000" b="1">
-                <a:solidFill>
-                  <a:schemeClr val="folHlink"/>
-                </a:solidFill>
-                <a:latin typeface="Courier New" panose="02070309020205020404" pitchFamily="49" charset="0"/>
-              </a:rPr>
-              <a:t>  }</a:t>
+              <a:rPr lang="en-US" altLang="zh-CN" sz="2000" b="1" dirty="0">
+                <a:solidFill>
+                  <a:schemeClr val="folHlink"/>
+                </a:solidFill>
+                <a:latin typeface="Courier New" panose="02070309020205020404" pitchFamily="49" charset="0"/>
+              </a:rPr>
+              <a:t>}</a:t>
             </a:r>
           </a:p>
           <a:p>
@@ -16141,25 +16486,7 @@
               <a:buFont typeface="Wingdings" pitchFamily="2" charset="2"/>
               <a:buNone/>
             </a:pPr>
-            <a:r>
-              <a:rPr lang="en-US" altLang="zh-CN" sz="2000" b="1">
-                <a:solidFill>
-                  <a:schemeClr val="folHlink"/>
-                </a:solidFill>
-                <a:latin typeface="Courier New" panose="02070309020205020404" pitchFamily="49" charset="0"/>
-              </a:rPr>
-              <a:t>}</a:t>
-            </a:r>
-          </a:p>
-          <a:p>
-            <a:pPr>
-              <a:lnSpc>
-                <a:spcPct val="90000"/>
-              </a:lnSpc>
-              <a:buFont typeface="Wingdings" pitchFamily="2" charset="2"/>
-              <a:buNone/>
-            </a:pPr>
-            <a:endParaRPr lang="en-US" altLang="zh-CN" sz="2000" b="1">
+            <a:endParaRPr lang="en-US" altLang="zh-CN" sz="2000" b="1" dirty="0">
               <a:solidFill>
                 <a:schemeClr val="folHlink"/>
               </a:solidFill>
@@ -18591,10 +18918,22 @@
               <a:buNone/>
             </a:pPr>
             <a:r>
-              <a:rPr lang="en-US" altLang="zh-CN" sz="2000" b="1">
-                <a:latin typeface="Courier New" panose="02070309020205020404" pitchFamily="49" charset="0"/>
-              </a:rPr>
-              <a:t>// in file “clist.c”</a:t>
+              <a:rPr lang="en-US" altLang="zh-CN" sz="2000" b="1" dirty="0">
+                <a:latin typeface="Courier New" panose="02070309020205020404" pitchFamily="49" charset="0"/>
+              </a:rPr>
+              <a:t>// in file “</a:t>
+            </a:r>
+            <a:r>
+              <a:rPr lang="en-US" altLang="zh-CN" sz="2000" b="1" dirty="0" err="1">
+                <a:latin typeface="Courier New" panose="02070309020205020404" pitchFamily="49" charset="0"/>
+              </a:rPr>
+              <a:t>clist.c</a:t>
+            </a:r>
+            <a:r>
+              <a:rPr lang="en-US" altLang="zh-CN" sz="2000" b="1" dirty="0">
+                <a:latin typeface="Courier New" panose="02070309020205020404" pitchFamily="49" charset="0"/>
+              </a:rPr>
+              <a:t>”</a:t>
             </a:r>
           </a:p>
           <a:p>
@@ -18603,13 +18942,31 @@
               <a:buNone/>
             </a:pPr>
             <a:r>
-              <a:rPr lang="en-US" altLang="zh-CN" sz="2000" b="1">
-                <a:solidFill>
-                  <a:schemeClr val="folHlink"/>
-                </a:solidFill>
-                <a:latin typeface="Courier New" panose="02070309020205020404" pitchFamily="49" charset="0"/>
-              </a:rPr>
-              <a:t>struct Clist_t</a:t>
+              <a:rPr lang="en-US" altLang="zh-CN" sz="2000" b="1" dirty="0">
+                <a:solidFill>
+                  <a:schemeClr val="folHlink"/>
+                </a:solidFill>
+                <a:latin typeface="Courier New" panose="02070309020205020404" pitchFamily="49" charset="0"/>
+              </a:rPr>
+              <a:t>struct </a:t>
+            </a:r>
+            <a:r>
+              <a:rPr lang="en-US" altLang="zh-CN" sz="2000" b="1" dirty="0" err="1">
+                <a:solidFill>
+                  <a:schemeClr val="folHlink"/>
+                </a:solidFill>
+                <a:latin typeface="Courier New" panose="02070309020205020404" pitchFamily="49" charset="0"/>
+              </a:rPr>
+              <a:t>Clist_t</a:t>
+            </a:r>
+            <a:r>
+              <a:rPr lang="en-US" altLang="zh-CN" sz="2000" b="1" dirty="0">
+                <a:solidFill>
+                  <a:schemeClr val="folHlink"/>
+                </a:solidFill>
+                <a:latin typeface="Courier New" panose="02070309020205020404" pitchFamily="49" charset="0"/>
+              </a:rPr>
+              <a:t>{</a:t>
             </a:r>
           </a:p>
           <a:p>
@@ -18618,13 +18975,13 @@
               <a:buNone/>
             </a:pPr>
             <a:r>
-              <a:rPr lang="en-US" altLang="zh-CN" sz="2000" b="1">
-                <a:solidFill>
-                  <a:schemeClr val="folHlink"/>
-                </a:solidFill>
-                <a:latin typeface="Courier New" panose="02070309020205020404" pitchFamily="49" charset="0"/>
-              </a:rPr>
-              <a:t>{</a:t>
+              <a:rPr lang="en-US" altLang="zh-CN" sz="2000" b="1" dirty="0">
+                <a:solidFill>
+                  <a:schemeClr val="folHlink"/>
+                </a:solidFill>
+                <a:latin typeface="Courier New" panose="02070309020205020404" pitchFamily="49" charset="0"/>
+              </a:rPr>
+              <a:t>  struct node *head;</a:t>
             </a:r>
           </a:p>
           <a:p>
@@ -18633,13 +18990,13 @@
               <a:buNone/>
             </a:pPr>
             <a:r>
-              <a:rPr lang="en-US" altLang="zh-CN" sz="2000" b="1">
-                <a:solidFill>
-                  <a:schemeClr val="folHlink"/>
-                </a:solidFill>
-                <a:latin typeface="Courier New" panose="02070309020205020404" pitchFamily="49" charset="0"/>
-              </a:rPr>
-              <a:t>  struct node *head;</a:t>
+              <a:rPr lang="en-US" altLang="zh-CN" sz="2000" b="1" dirty="0">
+                <a:solidFill>
+                  <a:schemeClr val="folHlink"/>
+                </a:solidFill>
+                <a:latin typeface="Courier New" panose="02070309020205020404" pitchFamily="49" charset="0"/>
+              </a:rPr>
+              <a:t>  struct node *tail;</a:t>
             </a:r>
           </a:p>
           <a:p>
@@ -18648,13 +19005,13 @@
               <a:buNone/>
             </a:pPr>
             <a:r>
-              <a:rPr lang="en-US" altLang="zh-CN" sz="2000" b="1">
-                <a:solidFill>
-                  <a:schemeClr val="folHlink"/>
-                </a:solidFill>
-                <a:latin typeface="Courier New" panose="02070309020205020404" pitchFamily="49" charset="0"/>
-              </a:rPr>
-              <a:t>  struct node *tail;</a:t>
+              <a:rPr lang="en-US" altLang="zh-CN" sz="2000" b="1" dirty="0">
+                <a:solidFill>
+                  <a:schemeClr val="folHlink"/>
+                </a:solidFill>
+                <a:latin typeface="Courier New" panose="02070309020205020404" pitchFamily="49" charset="0"/>
+              </a:rPr>
+              <a:t>};</a:t>
             </a:r>
           </a:p>
           <a:p>
@@ -18662,30 +19019,24 @@
               <a:buFont typeface="Wingdings" pitchFamily="2" charset="2"/>
               <a:buNone/>
             </a:pPr>
-            <a:r>
-              <a:rPr lang="en-US" altLang="zh-CN" sz="2000" b="1">
-                <a:solidFill>
-                  <a:schemeClr val="folHlink"/>
-                </a:solidFill>
-                <a:latin typeface="Courier New" panose="02070309020205020404" pitchFamily="49" charset="0"/>
-              </a:rPr>
-              <a:t>};</a:t>
-            </a:r>
+            <a:endParaRPr lang="en-US" altLang="zh-CN" sz="2000" b="1" dirty="0">
+              <a:solidFill>
+                <a:schemeClr val="folHlink"/>
+              </a:solidFill>
+              <a:latin typeface="Courier New" panose="02070309020205020404" pitchFamily="49" charset="0"/>
+            </a:endParaRPr>
           </a:p>
           <a:p>
             <a:pPr>
               <a:buFont typeface="Wingdings" pitchFamily="2" charset="2"/>
               <a:buNone/>
             </a:pPr>
-            <a:r>
-              <a:rPr lang="en-US" altLang="zh-CN" sz="2000" b="1">
-                <a:solidFill>
-                  <a:schemeClr val="folHlink"/>
-                </a:solidFill>
-                <a:latin typeface="Courier New" panose="02070309020205020404" pitchFamily="49" charset="0"/>
-              </a:rPr>
-              <a:t>struct node</a:t>
-            </a:r>
+            <a:endParaRPr lang="en-US" altLang="zh-CN" sz="2000" b="1" dirty="0">
+              <a:solidFill>
+                <a:schemeClr val="folHlink"/>
+              </a:solidFill>
+              <a:latin typeface="Courier New" panose="02070309020205020404" pitchFamily="49" charset="0"/>
+            </a:endParaRPr>
           </a:p>
           <a:p>
             <a:pPr>
@@ -18693,13 +19044,13 @@
               <a:buNone/>
             </a:pPr>
             <a:r>
-              <a:rPr lang="en-US" altLang="zh-CN" sz="2000" b="1">
-                <a:solidFill>
-                  <a:schemeClr val="folHlink"/>
-                </a:solidFill>
-                <a:latin typeface="Courier New" panose="02070309020205020404" pitchFamily="49" charset="0"/>
-              </a:rPr>
-              <a:t>{</a:t>
+              <a:rPr lang="en-US" altLang="zh-CN" sz="2000" b="1" dirty="0">
+                <a:solidFill>
+                  <a:schemeClr val="folHlink"/>
+                </a:solidFill>
+                <a:latin typeface="Courier New" panose="02070309020205020404" pitchFamily="49" charset="0"/>
+              </a:rPr>
+              <a:t>struct node{</a:t>
             </a:r>
           </a:p>
           <a:p>
@@ -18708,7 +19059,7 @@
               <a:buNone/>
             </a:pPr>
             <a:r>
-              <a:rPr lang="en-US" altLang="zh-CN" sz="2000" b="1">
+              <a:rPr lang="en-US" altLang="zh-CN" sz="2000" b="1" dirty="0">
                 <a:solidFill>
                   <a:schemeClr val="folHlink"/>
                 </a:solidFill>
@@ -18723,7 +19074,7 @@
               <a:buNone/>
             </a:pPr>
             <a:r>
-              <a:rPr lang="en-US" altLang="zh-CN" sz="2000" b="1">
+              <a:rPr lang="en-US" altLang="zh-CN" sz="2000" b="1" dirty="0">
                 <a:solidFill>
                   <a:schemeClr val="folHlink"/>
                 </a:solidFill>
@@ -18738,7 +19089,7 @@
               <a:buNone/>
             </a:pPr>
             <a:r>
-              <a:rPr lang="en-US" altLang="zh-CN" sz="2000" b="1">
+              <a:rPr lang="en-US" altLang="zh-CN" sz="2000" b="1" dirty="0">
                 <a:solidFill>
                   <a:schemeClr val="folHlink"/>
                 </a:solidFill>
@@ -20507,17 +20858,22 @@
               </a:lnSpc>
             </a:pPr>
             <a:r>
-              <a:rPr lang="en-US" altLang="zh-CN"/>
+              <a:rPr lang="en-US" altLang="zh-CN" dirty="0"/>
               <a:t>Abstract data type: </a:t>
             </a:r>
             <a:r>
-              <a:rPr lang="en-US" altLang="zh-CN">
+              <a:rPr lang="en-US" altLang="zh-CN" dirty="0" err="1">
                 <a:solidFill>
                   <a:schemeClr val="folHlink"/>
                 </a:solidFill>
               </a:rPr>
               <a:t>Polyn_t</a:t>
             </a:r>
+            <a:endParaRPr lang="en-US" altLang="zh-CN" dirty="0">
+              <a:solidFill>
+                <a:schemeClr val="folHlink"/>
+              </a:solidFill>
+            </a:endParaRPr>
           </a:p>
           <a:p>
             <a:pPr lvl="1">
@@ -20526,7 +20882,7 @@
               </a:lnSpc>
             </a:pPr>
             <a:r>
-              <a:rPr lang="en-US" altLang="zh-CN"/>
+              <a:rPr lang="en-US" altLang="zh-CN" dirty="0"/>
               <a:t>represent the polynomial data type</a:t>
             </a:r>
           </a:p>
@@ -20537,7 +20893,7 @@
               </a:lnSpc>
             </a:pPr>
             <a:r>
-              <a:rPr lang="en-US" altLang="zh-CN"/>
+              <a:rPr lang="en-US" altLang="zh-CN" dirty="0"/>
               <a:t>operations:</a:t>
             </a:r>
           </a:p>
@@ -20550,20 +20906,56 @@
               <a:buNone/>
             </a:pPr>
             <a:r>
-              <a:rPr lang="en-US" altLang="zh-CN" sz="2000" b="1">
-                <a:solidFill>
-                  <a:schemeClr val="folHlink"/>
-                </a:solidFill>
-                <a:latin typeface="Courier New" panose="02070309020205020404" pitchFamily="49" charset="0"/>
-              </a:rPr>
-              <a:t>Polyn_t Polyn_new ();          </a:t>
-            </a:r>
-            <a:r>
-              <a:rPr lang="en-US" altLang="zh-CN" sz="2000" b="1">
-                <a:latin typeface="Courier New" panose="02070309020205020404" pitchFamily="49" charset="0"/>
-              </a:rPr>
-              <a:t>// an empty polyn</a:t>
-            </a:r>
+              <a:rPr lang="en-US" altLang="zh-CN" sz="2000" b="1" dirty="0" err="1">
+                <a:solidFill>
+                  <a:schemeClr val="folHlink"/>
+                </a:solidFill>
+                <a:latin typeface="Courier New" panose="02070309020205020404" pitchFamily="49" charset="0"/>
+              </a:rPr>
+              <a:t>Polyn_t</a:t>
+            </a:r>
+            <a:r>
+              <a:rPr lang="en-US" altLang="zh-CN" sz="2000" b="1" dirty="0">
+                <a:solidFill>
+                  <a:schemeClr val="folHlink"/>
+                </a:solidFill>
+                <a:latin typeface="Courier New" panose="02070309020205020404" pitchFamily="49" charset="0"/>
+              </a:rPr>
+              <a:t> </a:t>
+            </a:r>
+            <a:r>
+              <a:rPr lang="en-US" altLang="zh-CN" sz="2000" b="1" dirty="0" err="1">
+                <a:solidFill>
+                  <a:schemeClr val="folHlink"/>
+                </a:solidFill>
+                <a:latin typeface="Courier New" panose="02070309020205020404" pitchFamily="49" charset="0"/>
+              </a:rPr>
+              <a:t>Polyn_new</a:t>
+            </a:r>
+            <a:r>
+              <a:rPr lang="en-US" altLang="zh-CN" sz="2000" b="1" dirty="0">
+                <a:solidFill>
+                  <a:schemeClr val="folHlink"/>
+                </a:solidFill>
+                <a:latin typeface="Courier New" panose="02070309020205020404" pitchFamily="49" charset="0"/>
+              </a:rPr>
+              <a:t>();          </a:t>
+            </a:r>
+            <a:r>
+              <a:rPr lang="en-US" altLang="zh-CN" sz="2000" b="1" dirty="0">
+                <a:latin typeface="Courier New" panose="02070309020205020404" pitchFamily="49" charset="0"/>
+              </a:rPr>
+              <a:t>// an empty </a:t>
+            </a:r>
+            <a:r>
+              <a:rPr lang="en-US" altLang="zh-CN" sz="2000" b="1" dirty="0" err="1">
+                <a:latin typeface="Courier New" panose="02070309020205020404" pitchFamily="49" charset="0"/>
+              </a:rPr>
+              <a:t>polyn</a:t>
+            </a:r>
+            <a:endParaRPr lang="en-US" altLang="zh-CN" sz="2000" b="1" dirty="0">
+              <a:latin typeface="Courier New" panose="02070309020205020404" pitchFamily="49" charset="0"/>
+            </a:endParaRPr>
           </a:p>
           <a:p>
             <a:pPr>
@@ -20574,13 +20966,76 @@
               <a:buNone/>
             </a:pPr>
             <a:r>
-              <a:rPr lang="en-US" altLang="zh-CN" sz="2000" b="1">
-                <a:solidFill>
-                  <a:schemeClr val="folHlink"/>
-                </a:solidFill>
-                <a:latin typeface="Courier New" panose="02070309020205020404" pitchFamily="49" charset="0"/>
-              </a:rPr>
-              <a:t>Polyn_t Polyn_add (Polyn_t p1, Polyn_t p2);</a:t>
+              <a:rPr lang="en-US" altLang="zh-CN" sz="2000" b="1" dirty="0" err="1">
+                <a:solidFill>
+                  <a:schemeClr val="folHlink"/>
+                </a:solidFill>
+                <a:latin typeface="Courier New" panose="02070309020205020404" pitchFamily="49" charset="0"/>
+              </a:rPr>
+              <a:t>Polyn_t</a:t>
+            </a:r>
+            <a:r>
+              <a:rPr lang="en-US" altLang="zh-CN" sz="2000" b="1" dirty="0">
+                <a:solidFill>
+                  <a:schemeClr val="folHlink"/>
+                </a:solidFill>
+                <a:latin typeface="Courier New" panose="02070309020205020404" pitchFamily="49" charset="0"/>
+              </a:rPr>
+              <a:t> </a:t>
+            </a:r>
+            <a:r>
+              <a:rPr lang="en-US" altLang="zh-CN" sz="2000" b="1" dirty="0" err="1">
+                <a:solidFill>
+                  <a:schemeClr val="folHlink"/>
+                </a:solidFill>
+                <a:latin typeface="Courier New" panose="02070309020205020404" pitchFamily="49" charset="0"/>
+              </a:rPr>
+              <a:t>Polyn_add</a:t>
+            </a:r>
+            <a:r>
+              <a:rPr lang="en-US" altLang="zh-CN" sz="2000" b="1" dirty="0">
+                <a:solidFill>
+                  <a:schemeClr val="folHlink"/>
+                </a:solidFill>
+                <a:latin typeface="Courier New" panose="02070309020205020404" pitchFamily="49" charset="0"/>
+              </a:rPr>
+              <a:t>(</a:t>
+            </a:r>
+            <a:r>
+              <a:rPr lang="en-US" altLang="zh-CN" sz="2000" b="1" dirty="0" err="1">
+                <a:solidFill>
+                  <a:schemeClr val="folHlink"/>
+                </a:solidFill>
+                <a:latin typeface="Courier New" panose="02070309020205020404" pitchFamily="49" charset="0"/>
+              </a:rPr>
+              <a:t>Polyn_t</a:t>
+            </a:r>
+            <a:r>
+              <a:rPr lang="en-US" altLang="zh-CN" sz="2000" b="1" dirty="0">
+                <a:solidFill>
+                  <a:schemeClr val="folHlink"/>
+                </a:solidFill>
+                <a:latin typeface="Courier New" panose="02070309020205020404" pitchFamily="49" charset="0"/>
+              </a:rPr>
+              <a:t> p1, </a:t>
+            </a:r>
+            <a:r>
+              <a:rPr lang="en-US" altLang="zh-CN" sz="2000" b="1" dirty="0" err="1">
+                <a:solidFill>
+                  <a:schemeClr val="folHlink"/>
+                </a:solidFill>
+                <a:latin typeface="Courier New" panose="02070309020205020404" pitchFamily="49" charset="0"/>
+              </a:rPr>
+              <a:t>Polyn_t</a:t>
+            </a:r>
+            <a:r>
+              <a:rPr lang="en-US" altLang="zh-CN" sz="2000" b="1" dirty="0">
+                <a:solidFill>
+                  <a:schemeClr val="folHlink"/>
+                </a:solidFill>
+                <a:latin typeface="Courier New" panose="02070309020205020404" pitchFamily="49" charset="0"/>
+              </a:rPr>
+              <a:t> p2);</a:t>
             </a:r>
           </a:p>
           <a:p>
@@ -20592,13 +21047,49 @@
               <a:buNone/>
             </a:pPr>
             <a:r>
-              <a:rPr lang="en-US" altLang="zh-CN" sz="2000" b="1">
-                <a:solidFill>
-                  <a:schemeClr val="folHlink"/>
-                </a:solidFill>
-                <a:latin typeface="Courier New" panose="02070309020205020404" pitchFamily="49" charset="0"/>
-              </a:rPr>
-              <a:t>real Polyn_value (Polyn_t p, real x0);  // p(x0)</a:t>
+              <a:rPr lang="en-US" altLang="zh-CN" sz="2000" b="1" dirty="0">
+                <a:solidFill>
+                  <a:schemeClr val="folHlink"/>
+                </a:solidFill>
+                <a:latin typeface="Courier New" panose="02070309020205020404" pitchFamily="49" charset="0"/>
+              </a:rPr>
+              <a:t>real </a:t>
+            </a:r>
+            <a:r>
+              <a:rPr lang="en-US" altLang="zh-CN" sz="2000" b="1" dirty="0" err="1">
+                <a:solidFill>
+                  <a:schemeClr val="folHlink"/>
+                </a:solidFill>
+                <a:latin typeface="Courier New" panose="02070309020205020404" pitchFamily="49" charset="0"/>
+              </a:rPr>
+              <a:t>Polyn_value</a:t>
+            </a:r>
+            <a:r>
+              <a:rPr lang="en-US" altLang="zh-CN" sz="2000" b="1" dirty="0">
+                <a:solidFill>
+                  <a:schemeClr val="folHlink"/>
+                </a:solidFill>
+                <a:latin typeface="Courier New" panose="02070309020205020404" pitchFamily="49" charset="0"/>
+              </a:rPr>
+              <a:t>(</a:t>
+            </a:r>
+            <a:r>
+              <a:rPr lang="en-US" altLang="zh-CN" sz="2000" b="1" dirty="0" err="1">
+                <a:solidFill>
+                  <a:schemeClr val="folHlink"/>
+                </a:solidFill>
+                <a:latin typeface="Courier New" panose="02070309020205020404" pitchFamily="49" charset="0"/>
+              </a:rPr>
+              <a:t>Polyn_t</a:t>
+            </a:r>
+            <a:r>
+              <a:rPr lang="en-US" altLang="zh-CN" sz="2000" b="1" dirty="0">
+                <a:solidFill>
+                  <a:schemeClr val="folHlink"/>
+                </a:solidFill>
+                <a:latin typeface="Courier New" panose="02070309020205020404" pitchFamily="49" charset="0"/>
+              </a:rPr>
+              <a:t> p, real x0);  // p(x0)</a:t>
             </a:r>
           </a:p>
           <a:p>
@@ -20610,13 +21101,76 @@
               <a:buNone/>
             </a:pPr>
             <a:r>
-              <a:rPr lang="en-US" altLang="zh-CN" sz="2000" b="1">
-                <a:solidFill>
-                  <a:schemeClr val="folHlink"/>
-                </a:solidFill>
-                <a:latin typeface="Courier New" panose="02070309020205020404" pitchFamily="49" charset="0"/>
-              </a:rPr>
-              <a:t>Polyn_t Polyn_mult (Polyn_t p1, Polyn_t p2);</a:t>
+              <a:rPr lang="en-US" altLang="zh-CN" sz="2000" b="1" dirty="0" err="1">
+                <a:solidFill>
+                  <a:schemeClr val="folHlink"/>
+                </a:solidFill>
+                <a:latin typeface="Courier New" panose="02070309020205020404" pitchFamily="49" charset="0"/>
+              </a:rPr>
+              <a:t>Polyn_t</a:t>
+            </a:r>
+            <a:r>
+              <a:rPr lang="en-US" altLang="zh-CN" sz="2000" b="1" dirty="0">
+                <a:solidFill>
+                  <a:schemeClr val="folHlink"/>
+                </a:solidFill>
+                <a:latin typeface="Courier New" panose="02070309020205020404" pitchFamily="49" charset="0"/>
+              </a:rPr>
+              <a:t> </a:t>
+            </a:r>
+            <a:r>
+              <a:rPr lang="en-US" altLang="zh-CN" sz="2000" b="1" dirty="0" err="1">
+                <a:solidFill>
+                  <a:schemeClr val="folHlink"/>
+                </a:solidFill>
+                <a:latin typeface="Courier New" panose="02070309020205020404" pitchFamily="49" charset="0"/>
+              </a:rPr>
+              <a:t>Polyn_mult</a:t>
+            </a:r>
+            <a:r>
+              <a:rPr lang="en-US" altLang="zh-CN" sz="2000" b="1" dirty="0">
+                <a:solidFill>
+                  <a:schemeClr val="folHlink"/>
+                </a:solidFill>
+                <a:latin typeface="Courier New" panose="02070309020205020404" pitchFamily="49" charset="0"/>
+              </a:rPr>
+              <a:t>(</a:t>
+            </a:r>
+            <a:r>
+              <a:rPr lang="en-US" altLang="zh-CN" sz="2000" b="1" dirty="0" err="1">
+                <a:solidFill>
+                  <a:schemeClr val="folHlink"/>
+                </a:solidFill>
+                <a:latin typeface="Courier New" panose="02070309020205020404" pitchFamily="49" charset="0"/>
+              </a:rPr>
+              <a:t>Polyn_t</a:t>
+            </a:r>
+            <a:r>
+              <a:rPr lang="en-US" altLang="zh-CN" sz="2000" b="1" dirty="0">
+                <a:solidFill>
+                  <a:schemeClr val="folHlink"/>
+                </a:solidFill>
+                <a:latin typeface="Courier New" panose="02070309020205020404" pitchFamily="49" charset="0"/>
+              </a:rPr>
+              <a:t> p1, </a:t>
+            </a:r>
+            <a:r>
+              <a:rPr lang="en-US" altLang="zh-CN" sz="2000" b="1" dirty="0" err="1">
+                <a:solidFill>
+                  <a:schemeClr val="folHlink"/>
+                </a:solidFill>
+                <a:latin typeface="Courier New" panose="02070309020205020404" pitchFamily="49" charset="0"/>
+              </a:rPr>
+              <a:t>Polyn_t</a:t>
+            </a:r>
+            <a:r>
+              <a:rPr lang="en-US" altLang="zh-CN" sz="2000" b="1" dirty="0">
+                <a:solidFill>
+                  <a:schemeClr val="folHlink"/>
+                </a:solidFill>
+                <a:latin typeface="Courier New" panose="02070309020205020404" pitchFamily="49" charset="0"/>
+              </a:rPr>
+              <a:t> p2);</a:t>
             </a:r>
           </a:p>
           <a:p>
@@ -20628,10 +21182,22 @@
               <a:buNone/>
             </a:pPr>
             <a:r>
-              <a:rPr lang="en-US" altLang="zh-CN" sz="2000" b="1">
-                <a:latin typeface="Courier New" panose="02070309020205020404" pitchFamily="49" charset="0"/>
-              </a:rPr>
-              <a:t>// add an item c*x^n, which does not appear in p</a:t>
+              <a:rPr lang="en-US" altLang="zh-CN" sz="2000" b="1" dirty="0">
+                <a:latin typeface="Courier New" panose="02070309020205020404" pitchFamily="49" charset="0"/>
+              </a:rPr>
+              <a:t>// add an item c*</a:t>
+            </a:r>
+            <a:r>
+              <a:rPr lang="en-US" altLang="zh-CN" sz="2000" b="1" dirty="0" err="1">
+                <a:latin typeface="Courier New" panose="02070309020205020404" pitchFamily="49" charset="0"/>
+              </a:rPr>
+              <a:t>x^n</a:t>
+            </a:r>
+            <a:r>
+              <a:rPr lang="en-US" altLang="zh-CN" sz="2000" b="1" dirty="0">
+                <a:latin typeface="Courier New" panose="02070309020205020404" pitchFamily="49" charset="0"/>
+              </a:rPr>
+              <a:t>, which does not appear in p</a:t>
             </a:r>
           </a:p>
           <a:p>
@@ -20643,13 +21209,49 @@
               <a:buNone/>
             </a:pPr>
             <a:r>
-              <a:rPr lang="en-US" altLang="zh-CN" sz="2000" b="1">
-                <a:solidFill>
-                  <a:schemeClr val="folHlink"/>
-                </a:solidFill>
-                <a:latin typeface="Courier New" panose="02070309020205020404" pitchFamily="49" charset="0"/>
-              </a:rPr>
-              <a:t>void Polyn_insert (Polyn_t p, real c, int n);</a:t>
+              <a:rPr lang="en-US" altLang="zh-CN" sz="2000" b="1" dirty="0">
+                <a:solidFill>
+                  <a:schemeClr val="folHlink"/>
+                </a:solidFill>
+                <a:latin typeface="Courier New" panose="02070309020205020404" pitchFamily="49" charset="0"/>
+              </a:rPr>
+              <a:t>void </a:t>
+            </a:r>
+            <a:r>
+              <a:rPr lang="en-US" altLang="zh-CN" sz="2000" b="1" dirty="0" err="1">
+                <a:solidFill>
+                  <a:schemeClr val="folHlink"/>
+                </a:solidFill>
+                <a:latin typeface="Courier New" panose="02070309020205020404" pitchFamily="49" charset="0"/>
+              </a:rPr>
+              <a:t>Polyn_insert</a:t>
+            </a:r>
+            <a:r>
+              <a:rPr lang="en-US" altLang="zh-CN" sz="2000" b="1" dirty="0">
+                <a:solidFill>
+                  <a:schemeClr val="folHlink"/>
+                </a:solidFill>
+                <a:latin typeface="Courier New" panose="02070309020205020404" pitchFamily="49" charset="0"/>
+              </a:rPr>
+              <a:t>(</a:t>
+            </a:r>
+            <a:r>
+              <a:rPr lang="en-US" altLang="zh-CN" sz="2000" b="1" dirty="0" err="1">
+                <a:solidFill>
+                  <a:schemeClr val="folHlink"/>
+                </a:solidFill>
+                <a:latin typeface="Courier New" panose="02070309020205020404" pitchFamily="49" charset="0"/>
+              </a:rPr>
+              <a:t>Polyn_t</a:t>
+            </a:r>
+            <a:r>
+              <a:rPr lang="en-US" altLang="zh-CN" sz="2000" b="1" dirty="0">
+                <a:solidFill>
+                  <a:schemeClr val="folHlink"/>
+                </a:solidFill>
+                <a:latin typeface="Courier New" panose="02070309020205020404" pitchFamily="49" charset="0"/>
+              </a:rPr>
+              <a:t> p, real c, int n);</a:t>
             </a:r>
           </a:p>
         </p:txBody>
@@ -20736,10 +21338,22 @@
               <a:buNone/>
             </a:pPr>
             <a:r>
-              <a:rPr lang="en-US" altLang="zh-CN" sz="2000" b="1">
-                <a:latin typeface="Courier New" panose="02070309020205020404" pitchFamily="49" charset="0"/>
-              </a:rPr>
-              <a:t>// in file “polyn.h”</a:t>
+              <a:rPr lang="en-US" altLang="zh-CN" sz="2000" b="1" dirty="0">
+                <a:latin typeface="Courier New" panose="02070309020205020404" pitchFamily="49" charset="0"/>
+              </a:rPr>
+              <a:t>// in file “</a:t>
+            </a:r>
+            <a:r>
+              <a:rPr lang="en-US" altLang="zh-CN" sz="2000" b="1" dirty="0" err="1">
+                <a:latin typeface="Courier New" panose="02070309020205020404" pitchFamily="49" charset="0"/>
+              </a:rPr>
+              <a:t>polyn.h</a:t>
+            </a:r>
+            <a:r>
+              <a:rPr lang="en-US" altLang="zh-CN" sz="2000" b="1" dirty="0">
+                <a:latin typeface="Courier New" panose="02070309020205020404" pitchFamily="49" charset="0"/>
+              </a:rPr>
+              <a:t>”</a:t>
             </a:r>
           </a:p>
           <a:p>
@@ -20751,13 +21365,31 @@
               <a:buNone/>
             </a:pPr>
             <a:r>
-              <a:rPr lang="en-US" altLang="zh-CN" sz="2000" b="1">
-                <a:solidFill>
-                  <a:schemeClr val="folHlink"/>
-                </a:solidFill>
-                <a:latin typeface="Courier New" panose="02070309020205020404" pitchFamily="49" charset="0"/>
-              </a:rPr>
-              <a:t>#ifndef POLYN_H</a:t>
+              <a:rPr lang="en-US" altLang="zh-CN" sz="2000" b="1" dirty="0">
+                <a:solidFill>
+                  <a:schemeClr val="folHlink"/>
+                </a:solidFill>
+                <a:latin typeface="Courier New" panose="02070309020205020404" pitchFamily="49" charset="0"/>
+              </a:rPr>
+              <a:t>#</a:t>
+            </a:r>
+            <a:r>
+              <a:rPr lang="en-US" altLang="zh-CN" sz="2000" b="1" dirty="0" err="1">
+                <a:solidFill>
+                  <a:schemeClr val="folHlink"/>
+                </a:solidFill>
+                <a:latin typeface="Courier New" panose="02070309020205020404" pitchFamily="49" charset="0"/>
+              </a:rPr>
+              <a:t>ifndef</a:t>
+            </a:r>
+            <a:r>
+              <a:rPr lang="en-US" altLang="zh-CN" sz="2000" b="1" dirty="0">
+                <a:solidFill>
+                  <a:schemeClr val="folHlink"/>
+                </a:solidFill>
+                <a:latin typeface="Courier New" panose="02070309020205020404" pitchFamily="49" charset="0"/>
+              </a:rPr>
+              <a:t> POLYN_H</a:t>
             </a:r>
           </a:p>
           <a:p>
@@ -20769,7 +21401,7 @@
               <a:buNone/>
             </a:pPr>
             <a:r>
-              <a:rPr lang="en-US" altLang="zh-CN" sz="2000" b="1">
+              <a:rPr lang="en-US" altLang="zh-CN" sz="2000" b="1" dirty="0">
                 <a:solidFill>
                   <a:schemeClr val="folHlink"/>
                 </a:solidFill>
@@ -20786,7 +21418,7 @@
               <a:buFont typeface="Wingdings" pitchFamily="2" charset="2"/>
               <a:buNone/>
             </a:pPr>
-            <a:endParaRPr lang="en-US" altLang="zh-CN" sz="2000" b="1">
+            <a:endParaRPr lang="en-US" altLang="zh-CN" sz="2000" b="1" dirty="0">
               <a:solidFill>
                 <a:schemeClr val="folHlink"/>
               </a:solidFill>
@@ -20802,13 +21434,49 @@
               <a:buNone/>
             </a:pPr>
             <a:r>
-              <a:rPr lang="en-US" altLang="zh-CN" sz="2000" b="1">
-                <a:solidFill>
-                  <a:schemeClr val="folHlink"/>
-                </a:solidFill>
-                <a:latin typeface="Courier New" panose="02070309020205020404" pitchFamily="49" charset="0"/>
-              </a:rPr>
-              <a:t>typedef struct Polyn_t * Polyn_t;</a:t>
+              <a:rPr lang="en-US" altLang="zh-CN" sz="2000" b="1" dirty="0">
+                <a:solidFill>
+                  <a:schemeClr val="folHlink"/>
+                </a:solidFill>
+                <a:latin typeface="Courier New" panose="02070309020205020404" pitchFamily="49" charset="0"/>
+              </a:rPr>
+              <a:t>typedef struct </a:t>
+            </a:r>
+            <a:r>
+              <a:rPr lang="en-US" altLang="zh-CN" sz="2000" b="1" dirty="0" err="1">
+                <a:solidFill>
+                  <a:schemeClr val="folHlink"/>
+                </a:solidFill>
+                <a:latin typeface="Courier New" panose="02070309020205020404" pitchFamily="49" charset="0"/>
+              </a:rPr>
+              <a:t>Polyn_t</a:t>
+            </a:r>
+            <a:r>
+              <a:rPr lang="en-US" altLang="zh-CN" sz="2000" b="1" dirty="0">
+                <a:solidFill>
+                  <a:schemeClr val="folHlink"/>
+                </a:solidFill>
+                <a:latin typeface="Courier New" panose="02070309020205020404" pitchFamily="49" charset="0"/>
+              </a:rPr>
+              <a:t> *</a:t>
+            </a:r>
+            <a:r>
+              <a:rPr lang="en-US" altLang="zh-CN" sz="2000" b="1" dirty="0" err="1">
+                <a:solidFill>
+                  <a:schemeClr val="folHlink"/>
+                </a:solidFill>
+                <a:latin typeface="Courier New" panose="02070309020205020404" pitchFamily="49" charset="0"/>
+              </a:rPr>
+              <a:t>Polyn_t</a:t>
+            </a:r>
+            <a:r>
+              <a:rPr lang="en-US" altLang="zh-CN" sz="2000" b="1" dirty="0">
+                <a:solidFill>
+                  <a:schemeClr val="folHlink"/>
+                </a:solidFill>
+                <a:latin typeface="Courier New" panose="02070309020205020404" pitchFamily="49" charset="0"/>
+              </a:rPr>
+              <a:t>;</a:t>
             </a:r>
           </a:p>
           <a:p>
@@ -20819,7 +21487,7 @@
               <a:buFont typeface="Wingdings" pitchFamily="2" charset="2"/>
               <a:buNone/>
             </a:pPr>
-            <a:endParaRPr lang="en-US" altLang="zh-CN" sz="2000" b="1">
+            <a:endParaRPr lang="en-US" altLang="zh-CN" sz="2000" b="1" dirty="0">
               <a:solidFill>
                 <a:schemeClr val="folHlink"/>
               </a:solidFill>
@@ -20835,13 +21503,40 @@
               <a:buNone/>
             </a:pPr>
             <a:r>
-              <a:rPr lang="en-US" altLang="zh-CN" sz="2000" b="1">
-                <a:solidFill>
-                  <a:schemeClr val="folHlink"/>
-                </a:solidFill>
-                <a:latin typeface="Courier New" panose="02070309020205020404" pitchFamily="49" charset="0"/>
-              </a:rPr>
-              <a:t>Polyn_t Polyn_new ();                   </a:t>
+              <a:rPr lang="en-US" altLang="zh-CN" sz="2000" b="1" dirty="0" err="1">
+                <a:solidFill>
+                  <a:schemeClr val="folHlink"/>
+                </a:solidFill>
+                <a:latin typeface="Courier New" panose="02070309020205020404" pitchFamily="49" charset="0"/>
+              </a:rPr>
+              <a:t>Polyn_t</a:t>
+            </a:r>
+            <a:r>
+              <a:rPr lang="en-US" altLang="zh-CN" sz="2000" b="1" dirty="0">
+                <a:solidFill>
+                  <a:schemeClr val="folHlink"/>
+                </a:solidFill>
+                <a:latin typeface="Courier New" panose="02070309020205020404" pitchFamily="49" charset="0"/>
+              </a:rPr>
+              <a:t> </a:t>
+            </a:r>
+            <a:r>
+              <a:rPr lang="en-US" altLang="zh-CN" sz="2000" b="1" dirty="0" err="1">
+                <a:solidFill>
+                  <a:schemeClr val="folHlink"/>
+                </a:solidFill>
+                <a:latin typeface="Courier New" panose="02070309020205020404" pitchFamily="49" charset="0"/>
+              </a:rPr>
+              <a:t>Polyn_new</a:t>
+            </a:r>
+            <a:r>
+              <a:rPr lang="en-US" altLang="zh-CN" sz="2000" b="1" dirty="0">
+                <a:solidFill>
+                  <a:schemeClr val="folHlink"/>
+                </a:solidFill>
+                <a:latin typeface="Courier New" panose="02070309020205020404" pitchFamily="49" charset="0"/>
+              </a:rPr>
+              <a:t>();                   </a:t>
             </a:r>
           </a:p>
           <a:p>
@@ -20853,13 +21548,76 @@
               <a:buNone/>
             </a:pPr>
             <a:r>
-              <a:rPr lang="en-US" altLang="zh-CN" sz="2000" b="1">
-                <a:solidFill>
-                  <a:schemeClr val="folHlink"/>
-                </a:solidFill>
-                <a:latin typeface="Courier New" panose="02070309020205020404" pitchFamily="49" charset="0"/>
-              </a:rPr>
-              <a:t>Polyn_t Polyn_add (Polyn_t p1, Polyn_t p2);</a:t>
+              <a:rPr lang="en-US" altLang="zh-CN" sz="2000" b="1" dirty="0" err="1">
+                <a:solidFill>
+                  <a:schemeClr val="folHlink"/>
+                </a:solidFill>
+                <a:latin typeface="Courier New" panose="02070309020205020404" pitchFamily="49" charset="0"/>
+              </a:rPr>
+              <a:t>Polyn_t</a:t>
+            </a:r>
+            <a:r>
+              <a:rPr lang="en-US" altLang="zh-CN" sz="2000" b="1" dirty="0">
+                <a:solidFill>
+                  <a:schemeClr val="folHlink"/>
+                </a:solidFill>
+                <a:latin typeface="Courier New" panose="02070309020205020404" pitchFamily="49" charset="0"/>
+              </a:rPr>
+              <a:t> </a:t>
+            </a:r>
+            <a:r>
+              <a:rPr lang="en-US" altLang="zh-CN" sz="2000" b="1" dirty="0" err="1">
+                <a:solidFill>
+                  <a:schemeClr val="folHlink"/>
+                </a:solidFill>
+                <a:latin typeface="Courier New" panose="02070309020205020404" pitchFamily="49" charset="0"/>
+              </a:rPr>
+              <a:t>Polyn_add</a:t>
+            </a:r>
+            <a:r>
+              <a:rPr lang="en-US" altLang="zh-CN" sz="2000" b="1" dirty="0">
+                <a:solidFill>
+                  <a:schemeClr val="folHlink"/>
+                </a:solidFill>
+                <a:latin typeface="Courier New" panose="02070309020205020404" pitchFamily="49" charset="0"/>
+              </a:rPr>
+              <a:t>(</a:t>
+            </a:r>
+            <a:r>
+              <a:rPr lang="en-US" altLang="zh-CN" sz="2000" b="1" dirty="0" err="1">
+                <a:solidFill>
+                  <a:schemeClr val="folHlink"/>
+                </a:solidFill>
+                <a:latin typeface="Courier New" panose="02070309020205020404" pitchFamily="49" charset="0"/>
+              </a:rPr>
+              <a:t>Polyn_t</a:t>
+            </a:r>
+            <a:r>
+              <a:rPr lang="en-US" altLang="zh-CN" sz="2000" b="1" dirty="0">
+                <a:solidFill>
+                  <a:schemeClr val="folHlink"/>
+                </a:solidFill>
+                <a:latin typeface="Courier New" panose="02070309020205020404" pitchFamily="49" charset="0"/>
+              </a:rPr>
+              <a:t> p1, </a:t>
+            </a:r>
+            <a:r>
+              <a:rPr lang="en-US" altLang="zh-CN" sz="2000" b="1" dirty="0" err="1">
+                <a:solidFill>
+                  <a:schemeClr val="folHlink"/>
+                </a:solidFill>
+                <a:latin typeface="Courier New" panose="02070309020205020404" pitchFamily="49" charset="0"/>
+              </a:rPr>
+              <a:t>Polyn_t</a:t>
+            </a:r>
+            <a:r>
+              <a:rPr lang="en-US" altLang="zh-CN" sz="2000" b="1" dirty="0">
+                <a:solidFill>
+                  <a:schemeClr val="folHlink"/>
+                </a:solidFill>
+                <a:latin typeface="Courier New" panose="02070309020205020404" pitchFamily="49" charset="0"/>
+              </a:rPr>
+              <a:t> p2);</a:t>
             </a:r>
           </a:p>
           <a:p>
@@ -20871,13 +21629,58 @@
               <a:buNone/>
             </a:pPr>
             <a:r>
-              <a:rPr lang="en-US" altLang="zh-CN" sz="2000" b="1">
-                <a:solidFill>
-                  <a:schemeClr val="folHlink"/>
-                </a:solidFill>
-                <a:latin typeface="Courier New" panose="02070309020205020404" pitchFamily="49" charset="0"/>
-              </a:rPr>
-              <a:t>Polyn_t Polyn_value (Polyn_t p, real x0);  </a:t>
+              <a:rPr lang="en-US" altLang="zh-CN" sz="2000" b="1" dirty="0" err="1">
+                <a:solidFill>
+                  <a:schemeClr val="folHlink"/>
+                </a:solidFill>
+                <a:latin typeface="Courier New" panose="02070309020205020404" pitchFamily="49" charset="0"/>
+              </a:rPr>
+              <a:t>Polyn_t</a:t>
+            </a:r>
+            <a:r>
+              <a:rPr lang="en-US" altLang="zh-CN" sz="2000" b="1" dirty="0">
+                <a:solidFill>
+                  <a:schemeClr val="folHlink"/>
+                </a:solidFill>
+                <a:latin typeface="Courier New" panose="02070309020205020404" pitchFamily="49" charset="0"/>
+              </a:rPr>
+              <a:t> </a:t>
+            </a:r>
+            <a:r>
+              <a:rPr lang="en-US" altLang="zh-CN" sz="2000" b="1" dirty="0" err="1">
+                <a:solidFill>
+                  <a:schemeClr val="folHlink"/>
+                </a:solidFill>
+                <a:latin typeface="Courier New" panose="02070309020205020404" pitchFamily="49" charset="0"/>
+              </a:rPr>
+              <a:t>Polyn_value</a:t>
+            </a:r>
+            <a:r>
+              <a:rPr lang="en-US" altLang="zh-CN" sz="2000" b="1" dirty="0">
+                <a:solidFill>
+                  <a:schemeClr val="folHlink"/>
+                </a:solidFill>
+                <a:latin typeface="Courier New" panose="02070309020205020404" pitchFamily="49" charset="0"/>
+              </a:rPr>
+              <a:t>(</a:t>
+            </a:r>
+            <a:r>
+              <a:rPr lang="en-US" altLang="zh-CN" sz="2000" b="1" dirty="0" err="1">
+                <a:solidFill>
+                  <a:schemeClr val="folHlink"/>
+                </a:solidFill>
+                <a:latin typeface="Courier New" panose="02070309020205020404" pitchFamily="49" charset="0"/>
+              </a:rPr>
+              <a:t>Polyn_t</a:t>
+            </a:r>
+            <a:r>
+              <a:rPr lang="en-US" altLang="zh-CN" sz="2000" b="1" dirty="0">
+                <a:solidFill>
+                  <a:schemeClr val="folHlink"/>
+                </a:solidFill>
+                <a:latin typeface="Courier New" panose="02070309020205020404" pitchFamily="49" charset="0"/>
+              </a:rPr>
+              <a:t> p, real x0);  </a:t>
             </a:r>
           </a:p>
           <a:p>
@@ -20889,13 +21692,76 @@
               <a:buNone/>
             </a:pPr>
             <a:r>
-              <a:rPr lang="en-US" altLang="zh-CN" sz="2000" b="1">
-                <a:solidFill>
-                  <a:schemeClr val="folHlink"/>
-                </a:solidFill>
-                <a:latin typeface="Courier New" panose="02070309020205020404" pitchFamily="49" charset="0"/>
-              </a:rPr>
-              <a:t>Polyn_t Polyn_mult (Polyn_t p1, Polyn_t p2);</a:t>
+              <a:rPr lang="en-US" altLang="zh-CN" sz="2000" b="1" dirty="0" err="1">
+                <a:solidFill>
+                  <a:schemeClr val="folHlink"/>
+                </a:solidFill>
+                <a:latin typeface="Courier New" panose="02070309020205020404" pitchFamily="49" charset="0"/>
+              </a:rPr>
+              <a:t>Polyn_t</a:t>
+            </a:r>
+            <a:r>
+              <a:rPr lang="en-US" altLang="zh-CN" sz="2000" b="1" dirty="0">
+                <a:solidFill>
+                  <a:schemeClr val="folHlink"/>
+                </a:solidFill>
+                <a:latin typeface="Courier New" panose="02070309020205020404" pitchFamily="49" charset="0"/>
+              </a:rPr>
+              <a:t> </a:t>
+            </a:r>
+            <a:r>
+              <a:rPr lang="en-US" altLang="zh-CN" sz="2000" b="1" dirty="0" err="1">
+                <a:solidFill>
+                  <a:schemeClr val="folHlink"/>
+                </a:solidFill>
+                <a:latin typeface="Courier New" panose="02070309020205020404" pitchFamily="49" charset="0"/>
+              </a:rPr>
+              <a:t>Polyn_mult</a:t>
+            </a:r>
+            <a:r>
+              <a:rPr lang="en-US" altLang="zh-CN" sz="2000" b="1" dirty="0">
+                <a:solidFill>
+                  <a:schemeClr val="folHlink"/>
+                </a:solidFill>
+                <a:latin typeface="Courier New" panose="02070309020205020404" pitchFamily="49" charset="0"/>
+              </a:rPr>
+              <a:t>(</a:t>
+            </a:r>
+            <a:r>
+              <a:rPr lang="en-US" altLang="zh-CN" sz="2000" b="1" dirty="0" err="1">
+                <a:solidFill>
+                  <a:schemeClr val="folHlink"/>
+                </a:solidFill>
+                <a:latin typeface="Courier New" panose="02070309020205020404" pitchFamily="49" charset="0"/>
+              </a:rPr>
+              <a:t>Polyn_t</a:t>
+            </a:r>
+            <a:r>
+              <a:rPr lang="en-US" altLang="zh-CN" sz="2000" b="1" dirty="0">
+                <a:solidFill>
+                  <a:schemeClr val="folHlink"/>
+                </a:solidFill>
+                <a:latin typeface="Courier New" panose="02070309020205020404" pitchFamily="49" charset="0"/>
+              </a:rPr>
+              <a:t> p1, </a:t>
+            </a:r>
+            <a:r>
+              <a:rPr lang="en-US" altLang="zh-CN" sz="2000" b="1" dirty="0" err="1">
+                <a:solidFill>
+                  <a:schemeClr val="folHlink"/>
+                </a:solidFill>
+                <a:latin typeface="Courier New" panose="02070309020205020404" pitchFamily="49" charset="0"/>
+              </a:rPr>
+              <a:t>Polyn_t</a:t>
+            </a:r>
+            <a:r>
+              <a:rPr lang="en-US" altLang="zh-CN" sz="2000" b="1" dirty="0">
+                <a:solidFill>
+                  <a:schemeClr val="folHlink"/>
+                </a:solidFill>
+                <a:latin typeface="Courier New" panose="02070309020205020404" pitchFamily="49" charset="0"/>
+              </a:rPr>
+              <a:t> p2);</a:t>
             </a:r>
           </a:p>
           <a:p>
@@ -20907,13 +21773,49 @@
               <a:buNone/>
             </a:pPr>
             <a:r>
-              <a:rPr lang="en-US" altLang="zh-CN" sz="2000" b="1">
-                <a:solidFill>
-                  <a:schemeClr val="folHlink"/>
-                </a:solidFill>
-                <a:latin typeface="Courier New" panose="02070309020205020404" pitchFamily="49" charset="0"/>
-              </a:rPr>
-              <a:t>void Polyn_insert (Polyn_t p, real c, int n);</a:t>
+              <a:rPr lang="en-US" altLang="zh-CN" sz="2000" b="1" dirty="0">
+                <a:solidFill>
+                  <a:schemeClr val="folHlink"/>
+                </a:solidFill>
+                <a:latin typeface="Courier New" panose="02070309020205020404" pitchFamily="49" charset="0"/>
+              </a:rPr>
+              <a:t>void </a:t>
+            </a:r>
+            <a:r>
+              <a:rPr lang="en-US" altLang="zh-CN" sz="2000" b="1" dirty="0" err="1">
+                <a:solidFill>
+                  <a:schemeClr val="folHlink"/>
+                </a:solidFill>
+                <a:latin typeface="Courier New" panose="02070309020205020404" pitchFamily="49" charset="0"/>
+              </a:rPr>
+              <a:t>Polyn_insert</a:t>
+            </a:r>
+            <a:r>
+              <a:rPr lang="en-US" altLang="zh-CN" sz="2000" b="1" dirty="0">
+                <a:solidFill>
+                  <a:schemeClr val="folHlink"/>
+                </a:solidFill>
+                <a:latin typeface="Courier New" panose="02070309020205020404" pitchFamily="49" charset="0"/>
+              </a:rPr>
+              <a:t>(</a:t>
+            </a:r>
+            <a:r>
+              <a:rPr lang="en-US" altLang="zh-CN" sz="2000" b="1" dirty="0" err="1">
+                <a:solidFill>
+                  <a:schemeClr val="folHlink"/>
+                </a:solidFill>
+                <a:latin typeface="Courier New" panose="02070309020205020404" pitchFamily="49" charset="0"/>
+              </a:rPr>
+              <a:t>Polyn_t</a:t>
+            </a:r>
+            <a:r>
+              <a:rPr lang="en-US" altLang="zh-CN" sz="2000" b="1" dirty="0">
+                <a:solidFill>
+                  <a:schemeClr val="folHlink"/>
+                </a:solidFill>
+                <a:latin typeface="Courier New" panose="02070309020205020404" pitchFamily="49" charset="0"/>
+              </a:rPr>
+              <a:t> p, real c, int n);</a:t>
             </a:r>
           </a:p>
           <a:p>
@@ -20924,7 +21826,7 @@
               <a:buFont typeface="Wingdings" pitchFamily="2" charset="2"/>
               <a:buNone/>
             </a:pPr>
-            <a:endParaRPr lang="en-US" altLang="zh-CN" sz="2000" b="1">
+            <a:endParaRPr lang="en-US" altLang="zh-CN" sz="2000" b="1" dirty="0">
               <a:solidFill>
                 <a:schemeClr val="folHlink"/>
               </a:solidFill>
@@ -20940,7 +21842,7 @@
               <a:buNone/>
             </a:pPr>
             <a:r>
-              <a:rPr lang="en-US" altLang="zh-CN" sz="2000" b="1">
+              <a:rPr lang="en-US" altLang="zh-CN" sz="2000" b="1" dirty="0">
                 <a:solidFill>
                   <a:schemeClr val="folHlink"/>
                 </a:solidFill>
@@ -21033,10 +21935,22 @@
               <a:buNone/>
             </a:pPr>
             <a:r>
-              <a:rPr lang="en-US" altLang="zh-CN" sz="2000" b="1">
-                <a:latin typeface="Courier New" panose="02070309020205020404" pitchFamily="49" charset="0"/>
-              </a:rPr>
-              <a:t>// in file “polyn.c”</a:t>
+              <a:rPr lang="en-US" altLang="zh-CN" sz="2000" b="1" dirty="0">
+                <a:latin typeface="Courier New" panose="02070309020205020404" pitchFamily="49" charset="0"/>
+              </a:rPr>
+              <a:t>// in file “</a:t>
+            </a:r>
+            <a:r>
+              <a:rPr lang="en-US" altLang="zh-CN" sz="2000" b="1" dirty="0" err="1">
+                <a:latin typeface="Courier New" panose="02070309020205020404" pitchFamily="49" charset="0"/>
+              </a:rPr>
+              <a:t>polyn.c</a:t>
+            </a:r>
+            <a:r>
+              <a:rPr lang="en-US" altLang="zh-CN" sz="2000" b="1" dirty="0">
+                <a:latin typeface="Courier New" panose="02070309020205020404" pitchFamily="49" charset="0"/>
+              </a:rPr>
+              <a:t>”</a:t>
             </a:r>
           </a:p>
           <a:p>
@@ -21048,13 +21962,31 @@
               <a:buNone/>
             </a:pPr>
             <a:r>
-              <a:rPr lang="en-US" altLang="zh-CN" sz="2000" b="1">
-                <a:solidFill>
-                  <a:schemeClr val="folHlink"/>
-                </a:solidFill>
-                <a:latin typeface="Courier New" panose="02070309020205020404" pitchFamily="49" charset="0"/>
-              </a:rPr>
-              <a:t>#include “linkedList.h”</a:t>
+              <a:rPr lang="en-US" altLang="zh-CN" sz="2000" b="1" dirty="0">
+                <a:solidFill>
+                  <a:schemeClr val="folHlink"/>
+                </a:solidFill>
+                <a:latin typeface="Courier New" panose="02070309020205020404" pitchFamily="49" charset="0"/>
+              </a:rPr>
+              <a:t>#include “</a:t>
+            </a:r>
+            <a:r>
+              <a:rPr lang="en-US" altLang="zh-CN" sz="2000" b="1" dirty="0" err="1">
+                <a:solidFill>
+                  <a:schemeClr val="folHlink"/>
+                </a:solidFill>
+                <a:latin typeface="Courier New" panose="02070309020205020404" pitchFamily="49" charset="0"/>
+              </a:rPr>
+              <a:t>linkedList.h</a:t>
+            </a:r>
+            <a:r>
+              <a:rPr lang="en-US" altLang="zh-CN" sz="2000" b="1" dirty="0">
+                <a:solidFill>
+                  <a:schemeClr val="folHlink"/>
+                </a:solidFill>
+                <a:latin typeface="Courier New" panose="02070309020205020404" pitchFamily="49" charset="0"/>
+              </a:rPr>
+              <a:t>”</a:t>
             </a:r>
           </a:p>
           <a:p>
@@ -21066,13 +21998,31 @@
               <a:buNone/>
             </a:pPr>
             <a:r>
-              <a:rPr lang="en-US" altLang="zh-CN" sz="2000" b="1">
-                <a:solidFill>
-                  <a:schemeClr val="folHlink"/>
-                </a:solidFill>
-                <a:latin typeface="Courier New" panose="02070309020205020404" pitchFamily="49" charset="0"/>
-              </a:rPr>
-              <a:t>#include “polyn.h”</a:t>
+              <a:rPr lang="en-US" altLang="zh-CN" sz="2000" b="1" dirty="0">
+                <a:solidFill>
+                  <a:schemeClr val="folHlink"/>
+                </a:solidFill>
+                <a:latin typeface="Courier New" panose="02070309020205020404" pitchFamily="49" charset="0"/>
+              </a:rPr>
+              <a:t>#include “</a:t>
+            </a:r>
+            <a:r>
+              <a:rPr lang="en-US" altLang="zh-CN" sz="2000" b="1" dirty="0" err="1">
+                <a:solidFill>
+                  <a:schemeClr val="folHlink"/>
+                </a:solidFill>
+                <a:latin typeface="Courier New" panose="02070309020205020404" pitchFamily="49" charset="0"/>
+              </a:rPr>
+              <a:t>polyn.h</a:t>
+            </a:r>
+            <a:r>
+              <a:rPr lang="en-US" altLang="zh-CN" sz="2000" b="1" dirty="0">
+                <a:solidFill>
+                  <a:schemeClr val="folHlink"/>
+                </a:solidFill>
+                <a:latin typeface="Courier New" panose="02070309020205020404" pitchFamily="49" charset="0"/>
+              </a:rPr>
+              <a:t>”</a:t>
             </a:r>
           </a:p>
           <a:p>
@@ -21083,7 +22033,7 @@
               <a:buFont typeface="Wingdings" pitchFamily="2" charset="2"/>
               <a:buNone/>
             </a:pPr>
-            <a:endParaRPr lang="en-US" altLang="zh-CN" sz="2000" b="1">
+            <a:endParaRPr lang="en-US" altLang="zh-CN" sz="2000" b="1" dirty="0">
               <a:solidFill>
                 <a:schemeClr val="folHlink"/>
               </a:solidFill>
@@ -21099,13 +22049,31 @@
               <a:buNone/>
             </a:pPr>
             <a:r>
-              <a:rPr lang="en-US" altLang="zh-CN" sz="2000" b="1">
-                <a:solidFill>
-                  <a:schemeClr val="folHlink"/>
-                </a:solidFill>
-                <a:latin typeface="Courier New" panose="02070309020205020404" pitchFamily="49" charset="0"/>
-              </a:rPr>
-              <a:t>struct Polyn_t</a:t>
+              <a:rPr lang="en-US" altLang="zh-CN" sz="2000" b="1" dirty="0">
+                <a:solidFill>
+                  <a:schemeClr val="folHlink"/>
+                </a:solidFill>
+                <a:latin typeface="Courier New" panose="02070309020205020404" pitchFamily="49" charset="0"/>
+              </a:rPr>
+              <a:t>struct </a:t>
+            </a:r>
+            <a:r>
+              <a:rPr lang="en-US" altLang="zh-CN" sz="2000" b="1" dirty="0" err="1">
+                <a:solidFill>
+                  <a:schemeClr val="folHlink"/>
+                </a:solidFill>
+                <a:latin typeface="Courier New" panose="02070309020205020404" pitchFamily="49" charset="0"/>
+              </a:rPr>
+              <a:t>Polyn_t</a:t>
+            </a:r>
+            <a:r>
+              <a:rPr lang="en-US" altLang="zh-CN" sz="2000" b="1" dirty="0">
+                <a:solidFill>
+                  <a:schemeClr val="folHlink"/>
+                </a:solidFill>
+                <a:latin typeface="Courier New" panose="02070309020205020404" pitchFamily="49" charset="0"/>
+              </a:rPr>
+              <a:t>{</a:t>
             </a:r>
           </a:p>
           <a:p>
@@ -21117,13 +22085,49 @@
               <a:buNone/>
             </a:pPr>
             <a:r>
-              <a:rPr lang="en-US" altLang="zh-CN" sz="2000" b="1">
-                <a:solidFill>
-                  <a:schemeClr val="folHlink"/>
-                </a:solidFill>
-                <a:latin typeface="Courier New" panose="02070309020205020404" pitchFamily="49" charset="0"/>
-              </a:rPr>
-              <a:t>{</a:t>
+              <a:rPr lang="en-US" altLang="zh-CN" sz="2000" b="1" dirty="0">
+                <a:solidFill>
+                  <a:schemeClr val="folHlink"/>
+                </a:solidFill>
+                <a:latin typeface="Courier New" panose="02070309020205020404" pitchFamily="49" charset="0"/>
+              </a:rPr>
+              <a:t>  </a:t>
+            </a:r>
+            <a:r>
+              <a:rPr lang="en-US" altLang="zh-CN" sz="2000" b="1" dirty="0" err="1">
+                <a:solidFill>
+                  <a:schemeClr val="folHlink"/>
+                </a:solidFill>
+                <a:latin typeface="Courier New" panose="02070309020205020404" pitchFamily="49" charset="0"/>
+              </a:rPr>
+              <a:t>List_t</a:t>
+            </a:r>
+            <a:r>
+              <a:rPr lang="en-US" altLang="zh-CN" sz="2000" b="1" dirty="0">
+                <a:solidFill>
+                  <a:schemeClr val="folHlink"/>
+                </a:solidFill>
+                <a:latin typeface="Courier New" panose="02070309020205020404" pitchFamily="49" charset="0"/>
+              </a:rPr>
+              <a:t> </a:t>
+            </a:r>
+            <a:r>
+              <a:rPr lang="en-US" altLang="zh-CN" sz="2000" b="1" dirty="0" err="1">
+                <a:solidFill>
+                  <a:schemeClr val="folHlink"/>
+                </a:solidFill>
+                <a:latin typeface="Courier New" panose="02070309020205020404" pitchFamily="49" charset="0"/>
+              </a:rPr>
+              <a:t>coefExps</a:t>
+            </a:r>
+            <a:r>
+              <a:rPr lang="en-US" altLang="zh-CN" sz="2000" b="1" dirty="0">
+                <a:solidFill>
+                  <a:schemeClr val="folHlink"/>
+                </a:solidFill>
+                <a:latin typeface="Courier New" panose="02070309020205020404" pitchFamily="49" charset="0"/>
+              </a:rPr>
+              <a:t>;</a:t>
             </a:r>
           </a:p>
           <a:p>
@@ -21135,13 +22139,13 @@
               <a:buNone/>
             </a:pPr>
             <a:r>
-              <a:rPr lang="en-US" altLang="zh-CN" sz="2000" b="1">
-                <a:solidFill>
-                  <a:schemeClr val="folHlink"/>
-                </a:solidFill>
-                <a:latin typeface="Courier New" panose="02070309020205020404" pitchFamily="49" charset="0"/>
-              </a:rPr>
-              <a:t>  List_t coefExps;</a:t>
+              <a:rPr lang="en-US" altLang="zh-CN" sz="2000" b="1" dirty="0">
+                <a:solidFill>
+                  <a:schemeClr val="folHlink"/>
+                </a:solidFill>
+                <a:latin typeface="Courier New" panose="02070309020205020404" pitchFamily="49" charset="0"/>
+              </a:rPr>
+              <a:t>};</a:t>
             </a:r>
           </a:p>
           <a:p>
@@ -21153,13 +22157,22 @@
               <a:buNone/>
             </a:pPr>
             <a:r>
-              <a:rPr lang="en-US" altLang="zh-CN" sz="2000" b="1">
-                <a:solidFill>
-                  <a:schemeClr val="folHlink"/>
-                </a:solidFill>
-                <a:latin typeface="Courier New" panose="02070309020205020404" pitchFamily="49" charset="0"/>
-              </a:rPr>
-              <a:t>};</a:t>
+              <a:rPr lang="en-US" altLang="zh-CN" sz="2000" b="1" dirty="0">
+                <a:latin typeface="Courier New" panose="02070309020205020404" pitchFamily="49" charset="0"/>
+              </a:rPr>
+              <a:t>// where “</a:t>
+            </a:r>
+            <a:r>
+              <a:rPr lang="en-US" altLang="zh-CN" sz="2000" b="1" dirty="0" err="1">
+                <a:latin typeface="Courier New" panose="02070309020205020404" pitchFamily="49" charset="0"/>
+              </a:rPr>
+              <a:t>coefExps</a:t>
+            </a:r>
+            <a:r>
+              <a:rPr lang="en-US" altLang="zh-CN" sz="2000" b="1" dirty="0">
+                <a:latin typeface="Courier New" panose="02070309020205020404" pitchFamily="49" charset="0"/>
+              </a:rPr>
+              <a:t>” is a list of tuples: (c, n)</a:t>
             </a:r>
           </a:p>
           <a:p>
@@ -21171,10 +22184,22 @@
               <a:buNone/>
             </a:pPr>
             <a:r>
-              <a:rPr lang="en-US" altLang="zh-CN" sz="2000" b="1">
-                <a:latin typeface="Courier New" panose="02070309020205020404" pitchFamily="49" charset="0"/>
-              </a:rPr>
-              <a:t>// where “coefExps” is a list of tuples: (c, n)</a:t>
+              <a:rPr lang="en-US" altLang="zh-CN" sz="2000" b="1" dirty="0">
+                <a:latin typeface="Courier New" panose="02070309020205020404" pitchFamily="49" charset="0"/>
+              </a:rPr>
+              <a:t>// one way to read “list </a:t>
+            </a:r>
+            <a:r>
+              <a:rPr lang="en-US" altLang="zh-CN" sz="2000" b="1" dirty="0" err="1">
+                <a:latin typeface="Courier New" panose="02070309020205020404" pitchFamily="49" charset="0"/>
+              </a:rPr>
+              <a:t>coefExps</a:t>
+            </a:r>
+            <a:r>
+              <a:rPr lang="en-US" altLang="zh-CN" sz="2000" b="1" dirty="0">
+                <a:latin typeface="Courier New" panose="02070309020205020404" pitchFamily="49" charset="0"/>
+              </a:rPr>
+              <a:t>” is:</a:t>
             </a:r>
           </a:p>
           <a:p>
@@ -21186,11 +22211,53 @@
               <a:buNone/>
             </a:pPr>
             <a:r>
-              <a:rPr lang="en-US" altLang="zh-CN" sz="2000" b="1">
-                <a:latin typeface="Courier New" panose="02070309020205020404" pitchFamily="49" charset="0"/>
-              </a:rPr>
-              <a:t>// one way to read “list coefExps” is:</a:t>
-            </a:r>
+              <a:rPr lang="en-US" altLang="zh-CN" sz="2000" b="1" dirty="0">
+                <a:latin typeface="Courier New" panose="02070309020205020404" pitchFamily="49" charset="0"/>
+              </a:rPr>
+              <a:t>//   </a:t>
+            </a:r>
+            <a:r>
+              <a:rPr lang="en-US" altLang="zh-CN" sz="2000" b="1" dirty="0">
+                <a:solidFill>
+                  <a:schemeClr val="hlink"/>
+                </a:solidFill>
+                <a:latin typeface="Courier New" panose="02070309020205020404" pitchFamily="49" charset="0"/>
+              </a:rPr>
+              <a:t>list&lt;tuple&lt;double, </a:t>
+            </a:r>
+            <a:r>
+              <a:rPr lang="en-US" altLang="zh-CN" sz="2000" b="1" dirty="0" err="1">
+                <a:solidFill>
+                  <a:schemeClr val="hlink"/>
+                </a:solidFill>
+                <a:latin typeface="Courier New" panose="02070309020205020404" pitchFamily="49" charset="0"/>
+              </a:rPr>
+              <a:t>nat</a:t>
+            </a:r>
+            <a:r>
+              <a:rPr lang="en-US" altLang="zh-CN" sz="2000" b="1" dirty="0">
+                <a:solidFill>
+                  <a:schemeClr val="hlink"/>
+                </a:solidFill>
+                <a:latin typeface="Courier New" panose="02070309020205020404" pitchFamily="49" charset="0"/>
+              </a:rPr>
+              <a:t>&gt;&gt; </a:t>
+            </a:r>
+            <a:r>
+              <a:rPr lang="en-US" altLang="zh-CN" sz="2000" b="1" dirty="0" err="1">
+                <a:solidFill>
+                  <a:schemeClr val="hlink"/>
+                </a:solidFill>
+                <a:latin typeface="Courier New" panose="02070309020205020404" pitchFamily="49" charset="0"/>
+              </a:rPr>
+              <a:t>coefExps</a:t>
+            </a:r>
+            <a:endParaRPr lang="en-US" altLang="zh-CN" sz="2000" b="1" dirty="0">
+              <a:solidFill>
+                <a:schemeClr val="hlink"/>
+              </a:solidFill>
+              <a:latin typeface="Courier New" panose="02070309020205020404" pitchFamily="49" charset="0"/>
+            </a:endParaRPr>
           </a:p>
           <a:p>
             <a:pPr>
@@ -21201,19 +22268,10 @@
               <a:buNone/>
             </a:pPr>
             <a:r>
-              <a:rPr lang="en-US" altLang="zh-CN" sz="2000" b="1">
-                <a:latin typeface="Courier New" panose="02070309020205020404" pitchFamily="49" charset="0"/>
-              </a:rPr>
-              <a:t>//   </a:t>
-            </a:r>
-            <a:r>
-              <a:rPr lang="en-US" altLang="zh-CN" sz="2000" b="1">
-                <a:solidFill>
-                  <a:schemeClr val="hlink"/>
-                </a:solidFill>
-                <a:latin typeface="Courier New" panose="02070309020205020404" pitchFamily="49" charset="0"/>
-              </a:rPr>
-              <a:t>list&lt;tuple&lt;double, nat&gt;&gt; coefExps</a:t>
+              <a:rPr lang="en-US" altLang="zh-CN" sz="2000" b="1" dirty="0">
+                <a:latin typeface="Courier New" panose="02070309020205020404" pitchFamily="49" charset="0"/>
+              </a:rPr>
+              <a:t>// However, C does not support this style of</a:t>
             </a:r>
           </a:p>
           <a:p>
@@ -21225,22 +22283,7 @@
               <a:buNone/>
             </a:pPr>
             <a:r>
-              <a:rPr lang="en-US" altLang="zh-CN" sz="2000" b="1">
-                <a:latin typeface="Courier New" panose="02070309020205020404" pitchFamily="49" charset="0"/>
-              </a:rPr>
-              <a:t>// However, C does not support this style of</a:t>
-            </a:r>
-          </a:p>
-          <a:p>
-            <a:pPr>
-              <a:lnSpc>
-                <a:spcPct val="80000"/>
-              </a:lnSpc>
-              <a:buFont typeface="Wingdings" pitchFamily="2" charset="2"/>
-              <a:buNone/>
-            </a:pPr>
-            <a:r>
-              <a:rPr lang="en-US" altLang="zh-CN" sz="2000" b="1">
+              <a:rPr lang="en-US" altLang="zh-CN" sz="2000" b="1" dirty="0">
                 <a:latin typeface="Courier New" panose="02070309020205020404" pitchFamily="49" charset="0"/>
               </a:rPr>
               <a:t>// declaration… :-(</a:t>
@@ -21344,13 +22387,40 @@
               <a:buNone/>
             </a:pPr>
             <a:r>
-              <a:rPr lang="en-US" altLang="zh-CN" sz="2000" b="1">
-                <a:solidFill>
-                  <a:schemeClr val="folHlink"/>
-                </a:solidFill>
-                <a:latin typeface="Courier New" panose="02070309020205020404" pitchFamily="49" charset="0"/>
-              </a:rPr>
-              <a:t>Polyn_t Polyn_new ()</a:t>
+              <a:rPr lang="en-US" altLang="zh-CN" sz="2000" b="1" dirty="0" err="1">
+                <a:solidFill>
+                  <a:schemeClr val="folHlink"/>
+                </a:solidFill>
+                <a:latin typeface="Courier New" panose="02070309020205020404" pitchFamily="49" charset="0"/>
+              </a:rPr>
+              <a:t>Polyn_t</a:t>
+            </a:r>
+            <a:r>
+              <a:rPr lang="en-US" altLang="zh-CN" sz="2000" b="1" dirty="0">
+                <a:solidFill>
+                  <a:schemeClr val="folHlink"/>
+                </a:solidFill>
+                <a:latin typeface="Courier New" panose="02070309020205020404" pitchFamily="49" charset="0"/>
+              </a:rPr>
+              <a:t> </a:t>
+            </a:r>
+            <a:r>
+              <a:rPr lang="en-US" altLang="zh-CN" sz="2000" b="1" dirty="0" err="1">
+                <a:solidFill>
+                  <a:schemeClr val="folHlink"/>
+                </a:solidFill>
+                <a:latin typeface="Courier New" panose="02070309020205020404" pitchFamily="49" charset="0"/>
+              </a:rPr>
+              <a:t>Polyn_new</a:t>
+            </a:r>
+            <a:r>
+              <a:rPr lang="en-US" altLang="zh-CN" sz="2000" b="1" dirty="0">
+                <a:solidFill>
+                  <a:schemeClr val="folHlink"/>
+                </a:solidFill>
+                <a:latin typeface="Courier New" panose="02070309020205020404" pitchFamily="49" charset="0"/>
+              </a:rPr>
+              <a:t>(){</a:t>
             </a:r>
           </a:p>
           <a:p>
@@ -21359,13 +22429,49 @@
               <a:buNone/>
             </a:pPr>
             <a:r>
-              <a:rPr lang="en-US" altLang="zh-CN" sz="2000" b="1">
-                <a:solidFill>
-                  <a:schemeClr val="folHlink"/>
-                </a:solidFill>
-                <a:latin typeface="Courier New" panose="02070309020205020404" pitchFamily="49" charset="0"/>
-              </a:rPr>
-              <a:t>{</a:t>
+              <a:rPr lang="en-US" altLang="zh-CN" sz="2000" b="1" dirty="0">
+                <a:solidFill>
+                  <a:schemeClr val="folHlink"/>
+                </a:solidFill>
+                <a:latin typeface="Courier New" panose="02070309020205020404" pitchFamily="49" charset="0"/>
+              </a:rPr>
+              <a:t>  </a:t>
+            </a:r>
+            <a:r>
+              <a:rPr lang="en-US" altLang="zh-CN" sz="2000" b="1" dirty="0" err="1">
+                <a:solidFill>
+                  <a:schemeClr val="folHlink"/>
+                </a:solidFill>
+                <a:latin typeface="Courier New" panose="02070309020205020404" pitchFamily="49" charset="0"/>
+              </a:rPr>
+              <a:t>Polyn_t</a:t>
+            </a:r>
+            <a:r>
+              <a:rPr lang="en-US" altLang="zh-CN" sz="2000" b="1" dirty="0">
+                <a:solidFill>
+                  <a:schemeClr val="folHlink"/>
+                </a:solidFill>
+                <a:latin typeface="Courier New" panose="02070309020205020404" pitchFamily="49" charset="0"/>
+              </a:rPr>
+              <a:t> p = malloc(</a:t>
+            </a:r>
+            <a:r>
+              <a:rPr lang="en-US" altLang="zh-CN" sz="2000" b="1" dirty="0" err="1">
+                <a:solidFill>
+                  <a:schemeClr val="folHlink"/>
+                </a:solidFill>
+                <a:latin typeface="Courier New" panose="02070309020205020404" pitchFamily="49" charset="0"/>
+              </a:rPr>
+              <a:t>sizeof</a:t>
+            </a:r>
+            <a:r>
+              <a:rPr lang="en-US" altLang="zh-CN" sz="2000" b="1" dirty="0">
+                <a:solidFill>
+                  <a:schemeClr val="folHlink"/>
+                </a:solidFill>
+                <a:latin typeface="Courier New" panose="02070309020205020404" pitchFamily="49" charset="0"/>
+              </a:rPr>
+              <a:t>(*p));</a:t>
             </a:r>
           </a:p>
           <a:p>
@@ -21374,13 +22480,19 @@
               <a:buNone/>
             </a:pPr>
             <a:r>
-              <a:rPr lang="en-US" altLang="zh-CN" sz="2000" b="1">
-                <a:solidFill>
-                  <a:schemeClr val="folHlink"/>
-                </a:solidFill>
-                <a:latin typeface="Courier New" panose="02070309020205020404" pitchFamily="49" charset="0"/>
-              </a:rPr>
-              <a:t>  Polyn_t p = malloc (sizeof (*p));</a:t>
+              <a:rPr lang="en-US" altLang="zh-CN" sz="2000" b="1" dirty="0">
+                <a:solidFill>
+                  <a:schemeClr val="folHlink"/>
+                </a:solidFill>
+                <a:latin typeface="Courier New" panose="02070309020205020404" pitchFamily="49" charset="0"/>
+              </a:rPr>
+              <a:t>  </a:t>
+            </a:r>
+            <a:r>
+              <a:rPr lang="en-US" altLang="zh-CN" sz="2000" b="1" dirty="0">
+                <a:latin typeface="Courier New" panose="02070309020205020404" pitchFamily="49" charset="0"/>
+              </a:rPr>
+              <a:t>// use a linked list internally</a:t>
             </a:r>
           </a:p>
           <a:p>
@@ -21389,19 +22501,49 @@
               <a:buNone/>
             </a:pPr>
             <a:r>
-              <a:rPr lang="en-US" altLang="zh-CN" sz="2000" b="1">
-                <a:solidFill>
-                  <a:schemeClr val="folHlink"/>
-                </a:solidFill>
-                <a:latin typeface="Courier New" panose="02070309020205020404" pitchFamily="49" charset="0"/>
-              </a:rPr>
-              <a:t>  </a:t>
-            </a:r>
-            <a:r>
-              <a:rPr lang="en-US" altLang="zh-CN" sz="2000" b="1">
-                <a:latin typeface="Courier New" panose="02070309020205020404" pitchFamily="49" charset="0"/>
-              </a:rPr>
-              <a:t>// use a linked list internally</a:t>
+              <a:rPr lang="en-US" altLang="zh-CN" sz="2000" b="1" dirty="0">
+                <a:solidFill>
+                  <a:schemeClr val="folHlink"/>
+                </a:solidFill>
+                <a:latin typeface="Courier New" panose="02070309020205020404" pitchFamily="49" charset="0"/>
+              </a:rPr>
+              <a:t>  p-&gt;</a:t>
+            </a:r>
+            <a:r>
+              <a:rPr lang="en-US" altLang="zh-CN" sz="2000" b="1" dirty="0" err="1">
+                <a:solidFill>
+                  <a:schemeClr val="folHlink"/>
+                </a:solidFill>
+                <a:latin typeface="Courier New" panose="02070309020205020404" pitchFamily="49" charset="0"/>
+              </a:rPr>
+              <a:t>coefExps</a:t>
+            </a:r>
+            <a:r>
+              <a:rPr lang="en-US" altLang="zh-CN" sz="2000" b="1" dirty="0">
+                <a:solidFill>
+                  <a:schemeClr val="folHlink"/>
+                </a:solidFill>
+                <a:latin typeface="Courier New" panose="02070309020205020404" pitchFamily="49" charset="0"/>
+              </a:rPr>
+              <a:t> = </a:t>
+            </a:r>
+            <a:r>
+              <a:rPr lang="en-US" altLang="zh-CN" sz="2000" b="1" dirty="0" err="1">
+                <a:solidFill>
+                  <a:schemeClr val="folHlink"/>
+                </a:solidFill>
+                <a:latin typeface="Courier New" panose="02070309020205020404" pitchFamily="49" charset="0"/>
+              </a:rPr>
+              <a:t>List_new</a:t>
+            </a:r>
+            <a:r>
+              <a:rPr lang="en-US" altLang="zh-CN" sz="2000" b="1" dirty="0">
+                <a:solidFill>
+                  <a:schemeClr val="folHlink"/>
+                </a:solidFill>
+                <a:latin typeface="Courier New" panose="02070309020205020404" pitchFamily="49" charset="0"/>
+              </a:rPr>
+              <a:t>();</a:t>
             </a:r>
           </a:p>
           <a:p>
@@ -21410,13 +22552,13 @@
               <a:buNone/>
             </a:pPr>
             <a:r>
-              <a:rPr lang="en-US" altLang="zh-CN" sz="2000" b="1">
-                <a:solidFill>
-                  <a:schemeClr val="folHlink"/>
-                </a:solidFill>
-                <a:latin typeface="Courier New" panose="02070309020205020404" pitchFamily="49" charset="0"/>
-              </a:rPr>
-              <a:t>  p-&gt;coefExps = List_new ();</a:t>
+              <a:rPr lang="en-US" altLang="zh-CN" sz="2000" b="1" dirty="0">
+                <a:solidFill>
+                  <a:schemeClr val="folHlink"/>
+                </a:solidFill>
+                <a:latin typeface="Courier New" panose="02070309020205020404" pitchFamily="49" charset="0"/>
+              </a:rPr>
+              <a:t>  return p;</a:t>
             </a:r>
           </a:p>
           <a:p>
@@ -21425,22 +22567,7 @@
               <a:buNone/>
             </a:pPr>
             <a:r>
-              <a:rPr lang="en-US" altLang="zh-CN" sz="2000" b="1">
-                <a:solidFill>
-                  <a:schemeClr val="folHlink"/>
-                </a:solidFill>
-                <a:latin typeface="Courier New" panose="02070309020205020404" pitchFamily="49" charset="0"/>
-              </a:rPr>
-              <a:t>  return p;</a:t>
-            </a:r>
-          </a:p>
-          <a:p>
-            <a:pPr>
-              <a:buFont typeface="Wingdings" pitchFamily="2" charset="2"/>
-              <a:buNone/>
-            </a:pPr>
-            <a:r>
-              <a:rPr lang="en-US" altLang="zh-CN" sz="2000" b="1">
+              <a:rPr lang="en-US" altLang="zh-CN" sz="2000" b="1" dirty="0">
                 <a:solidFill>
                   <a:schemeClr val="folHlink"/>
                 </a:solidFill>
@@ -21547,13 +22674,67 @@
               <a:buNone/>
             </a:pPr>
             <a:r>
-              <a:rPr lang="en-US" altLang="zh-CN" sz="2000" b="1">
-                <a:solidFill>
-                  <a:schemeClr val="folHlink"/>
-                </a:solidFill>
-                <a:latin typeface="Courier New" panose="02070309020205020404" pitchFamily="49" charset="0"/>
-              </a:rPr>
-              <a:t>void Polyn_insert (Polyn_t p, real c, nat n)</a:t>
+              <a:rPr lang="en-US" altLang="zh-CN" sz="2000" b="1" dirty="0">
+                <a:solidFill>
+                  <a:schemeClr val="folHlink"/>
+                </a:solidFill>
+                <a:latin typeface="Courier New" panose="02070309020205020404" pitchFamily="49" charset="0"/>
+              </a:rPr>
+              <a:t>void </a:t>
+            </a:r>
+            <a:r>
+              <a:rPr lang="en-US" altLang="zh-CN" sz="2000" b="1" dirty="0" err="1">
+                <a:solidFill>
+                  <a:schemeClr val="folHlink"/>
+                </a:solidFill>
+                <a:latin typeface="Courier New" panose="02070309020205020404" pitchFamily="49" charset="0"/>
+              </a:rPr>
+              <a:t>Polyn_insert</a:t>
+            </a:r>
+            <a:r>
+              <a:rPr lang="en-US" altLang="zh-CN" sz="2000" b="1" dirty="0">
+                <a:solidFill>
+                  <a:schemeClr val="folHlink"/>
+                </a:solidFill>
+                <a:latin typeface="Courier New" panose="02070309020205020404" pitchFamily="49" charset="0"/>
+              </a:rPr>
+              <a:t>(</a:t>
+            </a:r>
+            <a:r>
+              <a:rPr lang="en-US" altLang="zh-CN" sz="2000" b="1" dirty="0" err="1">
+                <a:solidFill>
+                  <a:schemeClr val="folHlink"/>
+                </a:solidFill>
+                <a:latin typeface="Courier New" panose="02070309020205020404" pitchFamily="49" charset="0"/>
+              </a:rPr>
+              <a:t>Polyn_t</a:t>
+            </a:r>
+            <a:r>
+              <a:rPr lang="en-US" altLang="zh-CN" sz="2000" b="1" dirty="0">
+                <a:solidFill>
+                  <a:schemeClr val="folHlink"/>
+                </a:solidFill>
+                <a:latin typeface="Courier New" panose="02070309020205020404" pitchFamily="49" charset="0"/>
+              </a:rPr>
+              <a:t> p, real c, </a:t>
+            </a:r>
+            <a:r>
+              <a:rPr lang="en-US" altLang="zh-CN" sz="2000" b="1" dirty="0" err="1">
+                <a:solidFill>
+                  <a:schemeClr val="folHlink"/>
+                </a:solidFill>
+                <a:latin typeface="Courier New" panose="02070309020205020404" pitchFamily="49" charset="0"/>
+              </a:rPr>
+              <a:t>nat</a:t>
+            </a:r>
+            <a:r>
+              <a:rPr lang="en-US" altLang="zh-CN" sz="2000" b="1" dirty="0">
+                <a:solidFill>
+                  <a:schemeClr val="folHlink"/>
+                </a:solidFill>
+                <a:latin typeface="Courier New" panose="02070309020205020404" pitchFamily="49" charset="0"/>
+              </a:rPr>
+              <a:t> n){</a:t>
             </a:r>
           </a:p>
           <a:p>
@@ -21562,13 +22743,10 @@
               <a:buNone/>
             </a:pPr>
             <a:r>
-              <a:rPr lang="en-US" altLang="zh-CN" sz="2000" b="1">
-                <a:solidFill>
-                  <a:schemeClr val="folHlink"/>
-                </a:solidFill>
-                <a:latin typeface="Courier New" panose="02070309020205020404" pitchFamily="49" charset="0"/>
-              </a:rPr>
-              <a:t>{</a:t>
+              <a:rPr lang="en-US" altLang="zh-CN" sz="2000" b="1" dirty="0">
+                <a:latin typeface="Courier New" panose="02070309020205020404" pitchFamily="49" charset="0"/>
+              </a:rPr>
+              <a:t>  // could we use “double” and “int”, instead of</a:t>
             </a:r>
           </a:p>
           <a:p>
@@ -21577,10 +22755,22 @@
               <a:buNone/>
             </a:pPr>
             <a:r>
-              <a:rPr lang="en-US" altLang="zh-CN" sz="2000" b="1">
-                <a:latin typeface="Courier New" panose="02070309020205020404" pitchFamily="49" charset="0"/>
-              </a:rPr>
-              <a:t>  // could we use “double” and “int”, instead of</a:t>
+              <a:rPr lang="en-US" altLang="zh-CN" sz="2000" b="1" dirty="0">
+                <a:latin typeface="Courier New" panose="02070309020205020404" pitchFamily="49" charset="0"/>
+              </a:rPr>
+              <a:t>  // “real” and “</a:t>
+            </a:r>
+            <a:r>
+              <a:rPr lang="en-US" altLang="zh-CN" sz="2000" b="1" dirty="0" err="1">
+                <a:latin typeface="Courier New" panose="02070309020205020404" pitchFamily="49" charset="0"/>
+              </a:rPr>
+              <a:t>nat</a:t>
+            </a:r>
+            <a:r>
+              <a:rPr lang="en-US" altLang="zh-CN" sz="2000" b="1" dirty="0">
+                <a:latin typeface="Courier New" panose="02070309020205020404" pitchFamily="49" charset="0"/>
+              </a:rPr>
+              <a:t>”?</a:t>
             </a:r>
           </a:p>
           <a:p>
@@ -21589,10 +22779,46 @@
               <a:buNone/>
             </a:pPr>
             <a:r>
-              <a:rPr lang="en-US" altLang="zh-CN" sz="2000" b="1">
-                <a:latin typeface="Courier New" panose="02070309020205020404" pitchFamily="49" charset="0"/>
-              </a:rPr>
-              <a:t>  // “real” and “nat”?</a:t>
+              <a:rPr lang="en-US" altLang="zh-CN" sz="2000" b="1" dirty="0">
+                <a:latin typeface="Courier New" panose="02070309020205020404" pitchFamily="49" charset="0"/>
+              </a:rPr>
+              <a:t>  </a:t>
+            </a:r>
+            <a:r>
+              <a:rPr lang="en-US" altLang="zh-CN" sz="2000" b="1" dirty="0" err="1">
+                <a:solidFill>
+                  <a:schemeClr val="folHlink"/>
+                </a:solidFill>
+                <a:latin typeface="Courier New" panose="02070309020205020404" pitchFamily="49" charset="0"/>
+              </a:rPr>
+              <a:t>Tuple_t</a:t>
+            </a:r>
+            <a:r>
+              <a:rPr lang="en-US" altLang="zh-CN" sz="2000" b="1" dirty="0">
+                <a:solidFill>
+                  <a:schemeClr val="folHlink"/>
+                </a:solidFill>
+                <a:latin typeface="Courier New" panose="02070309020205020404" pitchFamily="49" charset="0"/>
+              </a:rPr>
+              <a:t> t = </a:t>
+            </a:r>
+            <a:r>
+              <a:rPr lang="en-US" altLang="zh-CN" sz="2000" b="1" dirty="0" err="1">
+                <a:solidFill>
+                  <a:schemeClr val="folHlink"/>
+                </a:solidFill>
+                <a:latin typeface="Courier New" panose="02070309020205020404" pitchFamily="49" charset="0"/>
+              </a:rPr>
+              <a:t>Tuple_new</a:t>
+            </a:r>
+            <a:r>
+              <a:rPr lang="en-US" altLang="zh-CN" sz="2000" b="1" dirty="0">
+                <a:solidFill>
+                  <a:schemeClr val="folHlink"/>
+                </a:solidFill>
+                <a:latin typeface="Courier New" panose="02070309020205020404" pitchFamily="49" charset="0"/>
+              </a:rPr>
+              <a:t>(c, n);</a:t>
             </a:r>
           </a:p>
           <a:p>
@@ -21601,19 +22827,49 @@
               <a:buNone/>
             </a:pPr>
             <a:r>
-              <a:rPr lang="en-US" altLang="zh-CN" sz="2000" b="1">
+              <a:rPr lang="en-US" altLang="zh-CN" sz="2000" b="1" dirty="0">
+                <a:solidFill>
+                  <a:schemeClr val="folHlink"/>
+                </a:solidFill>
                 <a:latin typeface="Courier New" panose="02070309020205020404" pitchFamily="49" charset="0"/>
               </a:rPr>
               <a:t>  </a:t>
             </a:r>
             <a:r>
-              <a:rPr lang="en-US" altLang="zh-CN" sz="2000" b="1">
-                <a:solidFill>
-                  <a:schemeClr val="folHlink"/>
-                </a:solidFill>
-                <a:latin typeface="Courier New" panose="02070309020205020404" pitchFamily="49" charset="0"/>
-              </a:rPr>
-              <a:t>Tuple_t t = Tuple_new (c, n);</a:t>
+              <a:rPr lang="en-US" altLang="zh-CN" sz="2000" b="1" dirty="0" err="1">
+                <a:solidFill>
+                  <a:schemeClr val="folHlink"/>
+                </a:solidFill>
+                <a:latin typeface="Courier New" panose="02070309020205020404" pitchFamily="49" charset="0"/>
+              </a:rPr>
+              <a:t>List_insertAtTail</a:t>
+            </a:r>
+            <a:r>
+              <a:rPr lang="en-US" altLang="zh-CN" sz="2000" b="1" dirty="0">
+                <a:solidFill>
+                  <a:schemeClr val="folHlink"/>
+                </a:solidFill>
+                <a:latin typeface="Courier New" panose="02070309020205020404" pitchFamily="49" charset="0"/>
+              </a:rPr>
+              <a:t>(p-&gt;</a:t>
+            </a:r>
+            <a:r>
+              <a:rPr lang="en-US" altLang="zh-CN" sz="2000" b="1" dirty="0" err="1">
+                <a:solidFill>
+                  <a:schemeClr val="folHlink"/>
+                </a:solidFill>
+                <a:latin typeface="Courier New" panose="02070309020205020404" pitchFamily="49" charset="0"/>
+              </a:rPr>
+              <a:t>coefExps</a:t>
+            </a:r>
+            <a:r>
+              <a:rPr lang="en-US" altLang="zh-CN" sz="2000" b="1" dirty="0">
+                <a:solidFill>
+                  <a:schemeClr val="folHlink"/>
+                </a:solidFill>
+                <a:latin typeface="Courier New" panose="02070309020205020404" pitchFamily="49" charset="0"/>
+              </a:rPr>
+              <a:t>, t);</a:t>
             </a:r>
           </a:p>
           <a:p>
@@ -21621,22 +22877,7 @@
               <a:buFont typeface="Wingdings" pitchFamily="2" charset="2"/>
               <a:buNone/>
             </a:pPr>
-            <a:r>
-              <a:rPr lang="en-US" altLang="zh-CN" sz="2000" b="1">
-                <a:solidFill>
-                  <a:schemeClr val="folHlink"/>
-                </a:solidFill>
-                <a:latin typeface="Courier New" panose="02070309020205020404" pitchFamily="49" charset="0"/>
-              </a:rPr>
-              <a:t>  List_insertAtTail (p-&gt;coefExps, t);</a:t>
-            </a:r>
-          </a:p>
-          <a:p>
-            <a:pPr>
-              <a:buFont typeface="Wingdings" pitchFamily="2" charset="2"/>
-              <a:buNone/>
-            </a:pPr>
-            <a:endParaRPr lang="en-US" altLang="zh-CN" sz="2000" b="1">
+            <a:endParaRPr lang="en-US" altLang="zh-CN" sz="2000" b="1" dirty="0">
               <a:solidFill>
                 <a:schemeClr val="folHlink"/>
               </a:solidFill>
@@ -21649,7 +22890,7 @@
               <a:buNone/>
             </a:pPr>
             <a:r>
-              <a:rPr lang="en-US" altLang="zh-CN" sz="2000" b="1">
+              <a:rPr lang="en-US" altLang="zh-CN" sz="2000" b="1" dirty="0">
                 <a:solidFill>
                   <a:schemeClr val="folHlink"/>
                 </a:solidFill>
@@ -21664,7 +22905,7 @@
               <a:buNone/>
             </a:pPr>
             <a:r>
-              <a:rPr lang="en-US" altLang="zh-CN" sz="2000" b="1">
+              <a:rPr lang="en-US" altLang="zh-CN" sz="2000" b="1" dirty="0">
                 <a:solidFill>
                   <a:schemeClr val="folHlink"/>
                 </a:solidFill>
@@ -21678,7 +22919,7 @@
               <a:buFont typeface="Wingdings" pitchFamily="2" charset="2"/>
               <a:buNone/>
             </a:pPr>
-            <a:endParaRPr lang="en-US" altLang="zh-CN" sz="2000" b="1">
+            <a:endParaRPr lang="en-US" altLang="zh-CN" sz="2000" b="1" dirty="0">
               <a:solidFill>
                 <a:schemeClr val="folHlink"/>
               </a:solidFill>
@@ -21691,7 +22932,7 @@
               <a:buNone/>
             </a:pPr>
             <a:r>
-              <a:rPr lang="en-US" altLang="zh-CN" sz="2000" b="1">
+              <a:rPr lang="en-US" altLang="zh-CN" sz="2000" b="1" dirty="0">
                 <a:latin typeface="Courier New" panose="02070309020205020404" pitchFamily="49" charset="0"/>
               </a:rPr>
               <a:t>// Leave other functions as exercises. </a:t>
@@ -21778,10 +23019,22 @@
               <a:buNone/>
             </a:pPr>
             <a:r>
-              <a:rPr lang="en-US" altLang="zh-CN" sz="2000" b="1">
-                <a:latin typeface="Courier New" panose="02070309020205020404" pitchFamily="49" charset="0"/>
-              </a:rPr>
-              <a:t>#include &lt;stdlib.h&gt;</a:t>
+              <a:rPr lang="en-US" altLang="zh-CN" sz="2000" b="1" dirty="0">
+                <a:latin typeface="Courier New" panose="02070309020205020404" pitchFamily="49" charset="0"/>
+              </a:rPr>
+              <a:t>#include &lt;</a:t>
+            </a:r>
+            <a:r>
+              <a:rPr lang="en-US" altLang="zh-CN" sz="2000" b="1" dirty="0" err="1">
+                <a:latin typeface="Courier New" panose="02070309020205020404" pitchFamily="49" charset="0"/>
+              </a:rPr>
+              <a:t>stdlib.h</a:t>
+            </a:r>
+            <a:r>
+              <a:rPr lang="en-US" altLang="zh-CN" sz="2000" b="1" dirty="0">
+                <a:latin typeface="Courier New" panose="02070309020205020404" pitchFamily="49" charset="0"/>
+              </a:rPr>
+              <a:t>&gt;</a:t>
             </a:r>
           </a:p>
           <a:p>
@@ -21790,10 +23043,22 @@
               <a:buNone/>
             </a:pPr>
             <a:r>
-              <a:rPr lang="en-US" altLang="zh-CN" sz="2000" b="1">
-                <a:latin typeface="Courier New" panose="02070309020205020404" pitchFamily="49" charset="0"/>
-              </a:rPr>
-              <a:t>#include “linkedList.h”</a:t>
+              <a:rPr lang="en-US" altLang="zh-CN" sz="2000" b="1" dirty="0">
+                <a:latin typeface="Courier New" panose="02070309020205020404" pitchFamily="49" charset="0"/>
+              </a:rPr>
+              <a:t>#include “</a:t>
+            </a:r>
+            <a:r>
+              <a:rPr lang="en-US" altLang="zh-CN" sz="2000" b="1" dirty="0" err="1">
+                <a:latin typeface="Courier New" panose="02070309020205020404" pitchFamily="49" charset="0"/>
+              </a:rPr>
+              <a:t>linkedList.h</a:t>
+            </a:r>
+            <a:r>
+              <a:rPr lang="en-US" altLang="zh-CN" sz="2000" b="1" dirty="0">
+                <a:latin typeface="Courier New" panose="02070309020205020404" pitchFamily="49" charset="0"/>
+              </a:rPr>
+              <a:t>”</a:t>
             </a:r>
           </a:p>
           <a:p>
@@ -21802,13 +23067,31 @@
               <a:buNone/>
             </a:pPr>
             <a:r>
-              <a:rPr lang="en-US" altLang="zh-CN" sz="2000" b="1">
+              <a:rPr lang="en-US" altLang="zh-CN" sz="2000" b="1" dirty="0">
                 <a:solidFill>
                   <a:schemeClr val="hlink"/>
                 </a:solidFill>
                 <a:latin typeface="Courier New" panose="02070309020205020404" pitchFamily="49" charset="0"/>
               </a:rPr>
-              <a:t>#include “tuple.h”</a:t>
+              <a:t>#include “</a:t>
+            </a:r>
+            <a:r>
+              <a:rPr lang="en-US" altLang="zh-CN" sz="2000" b="1" dirty="0" err="1">
+                <a:solidFill>
+                  <a:schemeClr val="hlink"/>
+                </a:solidFill>
+                <a:latin typeface="Courier New" panose="02070309020205020404" pitchFamily="49" charset="0"/>
+              </a:rPr>
+              <a:t>tuple.h</a:t>
+            </a:r>
+            <a:r>
+              <a:rPr lang="en-US" altLang="zh-CN" sz="2000" b="1" dirty="0">
+                <a:solidFill>
+                  <a:schemeClr val="hlink"/>
+                </a:solidFill>
+                <a:latin typeface="Courier New" panose="02070309020205020404" pitchFamily="49" charset="0"/>
+              </a:rPr>
+              <a:t>”</a:t>
             </a:r>
           </a:p>
           <a:p>
@@ -21817,10 +23100,22 @@
               <a:buNone/>
             </a:pPr>
             <a:r>
-              <a:rPr lang="en-US" altLang="zh-CN" sz="2000" b="1">
-                <a:latin typeface="Courier New" panose="02070309020205020404" pitchFamily="49" charset="0"/>
-              </a:rPr>
-              <a:t>#include “polyn.h”</a:t>
+              <a:rPr lang="en-US" altLang="zh-CN" sz="2000" b="1" dirty="0">
+                <a:latin typeface="Courier New" panose="02070309020205020404" pitchFamily="49" charset="0"/>
+              </a:rPr>
+              <a:t>#include “</a:t>
+            </a:r>
+            <a:r>
+              <a:rPr lang="en-US" altLang="zh-CN" sz="2000" b="1" dirty="0" err="1">
+                <a:latin typeface="Courier New" panose="02070309020205020404" pitchFamily="49" charset="0"/>
+              </a:rPr>
+              <a:t>polyn.h</a:t>
+            </a:r>
+            <a:r>
+              <a:rPr lang="en-US" altLang="zh-CN" sz="2000" b="1" dirty="0">
+                <a:latin typeface="Courier New" panose="02070309020205020404" pitchFamily="49" charset="0"/>
+              </a:rPr>
+              <a:t>”</a:t>
             </a:r>
           </a:p>
           <a:p>
@@ -21828,7 +23123,7 @@
               <a:buFont typeface="Wingdings" pitchFamily="2" charset="2"/>
               <a:buNone/>
             </a:pPr>
-            <a:endParaRPr lang="en-US" altLang="zh-CN" sz="2000" b="1">
+            <a:endParaRPr lang="en-US" altLang="zh-CN" sz="2000" b="1" dirty="0">
               <a:latin typeface="Courier New" panose="02070309020205020404" pitchFamily="49" charset="0"/>
             </a:endParaRPr>
           </a:p>
@@ -21838,10 +23133,22 @@
               <a:buNone/>
             </a:pPr>
             <a:r>
-              <a:rPr lang="en-US" altLang="zh-CN" sz="2000" b="1">
-                <a:latin typeface="Courier New" panose="02070309020205020404" pitchFamily="49" charset="0"/>
-              </a:rPr>
-              <a:t>struct Polyn_t</a:t>
+              <a:rPr lang="en-US" altLang="zh-CN" sz="2000" b="1" dirty="0">
+                <a:latin typeface="Courier New" panose="02070309020205020404" pitchFamily="49" charset="0"/>
+              </a:rPr>
+              <a:t>struct </a:t>
+            </a:r>
+            <a:r>
+              <a:rPr lang="en-US" altLang="zh-CN" sz="2000" b="1" dirty="0" err="1">
+                <a:latin typeface="Courier New" panose="02070309020205020404" pitchFamily="49" charset="0"/>
+              </a:rPr>
+              <a:t>Polyn_t</a:t>
+            </a:r>
+            <a:r>
+              <a:rPr lang="en-US" altLang="zh-CN" sz="2000" b="1" dirty="0">
+                <a:latin typeface="Courier New" panose="02070309020205020404" pitchFamily="49" charset="0"/>
+              </a:rPr>
+              <a:t>{</a:t>
             </a:r>
           </a:p>
           <a:p>
@@ -21850,10 +23157,34 @@
               <a:buNone/>
             </a:pPr>
             <a:r>
-              <a:rPr lang="en-US" altLang="zh-CN" sz="2000" b="1">
-                <a:latin typeface="Courier New" panose="02070309020205020404" pitchFamily="49" charset="0"/>
-              </a:rPr>
-              <a:t>{</a:t>
+              <a:rPr lang="en-US" altLang="zh-CN" sz="2000" b="1" dirty="0">
+                <a:latin typeface="Courier New" panose="02070309020205020404" pitchFamily="49" charset="0"/>
+              </a:rPr>
+              <a:t>  </a:t>
+            </a:r>
+            <a:r>
+              <a:rPr lang="en-US" altLang="zh-CN" sz="2000" b="1" dirty="0" err="1">
+                <a:latin typeface="Courier New" panose="02070309020205020404" pitchFamily="49" charset="0"/>
+              </a:rPr>
+              <a:t>List_t</a:t>
+            </a:r>
+            <a:r>
+              <a:rPr lang="en-US" altLang="zh-CN" sz="2000" b="1" dirty="0">
+                <a:latin typeface="Courier New" panose="02070309020205020404" pitchFamily="49" charset="0"/>
+              </a:rPr>
+              <a:t> </a:t>
+            </a:r>
+            <a:r>
+              <a:rPr lang="en-US" altLang="zh-CN" sz="2000" b="1" dirty="0" err="1">
+                <a:latin typeface="Courier New" panose="02070309020205020404" pitchFamily="49" charset="0"/>
+              </a:rPr>
+              <a:t>coefExps</a:t>
+            </a:r>
+            <a:r>
+              <a:rPr lang="en-US" altLang="zh-CN" sz="2000" b="1" dirty="0">
+                <a:latin typeface="Courier New" panose="02070309020205020404" pitchFamily="49" charset="0"/>
+              </a:rPr>
+              <a:t>;</a:t>
             </a:r>
           </a:p>
           <a:p>
@@ -21862,19 +23193,7 @@
               <a:buNone/>
             </a:pPr>
             <a:r>
-              <a:rPr lang="en-US" altLang="zh-CN" sz="2000" b="1">
-                <a:latin typeface="Courier New" panose="02070309020205020404" pitchFamily="49" charset="0"/>
-              </a:rPr>
-              <a:t>  List_t coefExps;</a:t>
-            </a:r>
-          </a:p>
-          <a:p>
-            <a:pPr>
-              <a:buFont typeface="Wingdings" pitchFamily="2" charset="2"/>
-              <a:buNone/>
-            </a:pPr>
-            <a:r>
-              <a:rPr lang="en-US" altLang="zh-CN" sz="2000" b="1">
+              <a:rPr lang="en-US" altLang="zh-CN" sz="2000" b="1" dirty="0">
                 <a:latin typeface="Courier New" panose="02070309020205020404" pitchFamily="49" charset="0"/>
               </a:rPr>
               <a:t>};</a:t>
@@ -22195,7 +23514,7 @@
               <a:buNone/>
             </a:pPr>
             <a:r>
-              <a:rPr lang="en-US" altLang="zh-CN" sz="2000" b="1">
+              <a:rPr lang="en-US" altLang="zh-CN" sz="2000" b="1" dirty="0">
                 <a:latin typeface="Courier New" panose="02070309020205020404" pitchFamily="49" charset="0"/>
               </a:rPr>
               <a:t>// recall the poly ADT:</a:t>
@@ -22210,13 +23529,31 @@
               <a:buNone/>
             </a:pPr>
             <a:r>
-              <a:rPr lang="en-US" altLang="zh-CN" sz="2000" b="1">
-                <a:solidFill>
-                  <a:schemeClr val="folHlink"/>
-                </a:solidFill>
-                <a:latin typeface="Courier New" panose="02070309020205020404" pitchFamily="49" charset="0"/>
-              </a:rPr>
-              <a:t>#ifndef LIST_H</a:t>
+              <a:rPr lang="en-US" altLang="zh-CN" sz="2000" b="1" dirty="0">
+                <a:solidFill>
+                  <a:schemeClr val="folHlink"/>
+                </a:solidFill>
+                <a:latin typeface="Courier New" panose="02070309020205020404" pitchFamily="49" charset="0"/>
+              </a:rPr>
+              <a:t>#</a:t>
+            </a:r>
+            <a:r>
+              <a:rPr lang="en-US" altLang="zh-CN" sz="2000" b="1" dirty="0" err="1">
+                <a:solidFill>
+                  <a:schemeClr val="folHlink"/>
+                </a:solidFill>
+                <a:latin typeface="Courier New" panose="02070309020205020404" pitchFamily="49" charset="0"/>
+              </a:rPr>
+              <a:t>ifndef</a:t>
+            </a:r>
+            <a:r>
+              <a:rPr lang="en-US" altLang="zh-CN" sz="2000" b="1" dirty="0">
+                <a:solidFill>
+                  <a:schemeClr val="folHlink"/>
+                </a:solidFill>
+                <a:latin typeface="Courier New" panose="02070309020205020404" pitchFamily="49" charset="0"/>
+              </a:rPr>
+              <a:t> LIST_H</a:t>
             </a:r>
           </a:p>
           <a:p>
@@ -22228,7 +23565,7 @@
               <a:buNone/>
             </a:pPr>
             <a:r>
-              <a:rPr lang="en-US" altLang="zh-CN" sz="2000" b="1">
+              <a:rPr lang="en-US" altLang="zh-CN" sz="2000" b="1" dirty="0">
                 <a:solidFill>
                   <a:schemeClr val="folHlink"/>
                 </a:solidFill>
@@ -22245,7 +23582,7 @@
               <a:buFont typeface="Wingdings" pitchFamily="2" charset="2"/>
               <a:buNone/>
             </a:pPr>
-            <a:endParaRPr lang="en-US" altLang="zh-CN" sz="2000" b="1">
+            <a:endParaRPr lang="en-US" altLang="zh-CN" sz="2000" b="1" dirty="0">
               <a:solidFill>
                 <a:schemeClr val="folHlink"/>
               </a:solidFill>
@@ -22261,7 +23598,7 @@
               <a:buNone/>
             </a:pPr>
             <a:r>
-              <a:rPr lang="en-US" altLang="zh-CN" sz="2000" b="1">
+              <a:rPr lang="en-US" altLang="zh-CN" sz="2000" b="1" dirty="0">
                 <a:solidFill>
                   <a:schemeClr val="folHlink"/>
                 </a:solidFill>
@@ -22279,13 +23616,49 @@
               <a:buNone/>
             </a:pPr>
             <a:r>
-              <a:rPr lang="en-US" altLang="zh-CN" sz="2000" b="1">
-                <a:solidFill>
-                  <a:schemeClr val="folHlink"/>
-                </a:solidFill>
-                <a:latin typeface="Courier New" panose="02070309020205020404" pitchFamily="49" charset="0"/>
-              </a:rPr>
-              <a:t>typedef struct List_t *List_t;</a:t>
+              <a:rPr lang="en-US" altLang="zh-CN" sz="2000" b="1" dirty="0">
+                <a:solidFill>
+                  <a:schemeClr val="folHlink"/>
+                </a:solidFill>
+                <a:latin typeface="Courier New" panose="02070309020205020404" pitchFamily="49" charset="0"/>
+              </a:rPr>
+              <a:t>typedef struct </a:t>
+            </a:r>
+            <a:r>
+              <a:rPr lang="en-US" altLang="zh-CN" sz="2000" b="1" dirty="0" err="1">
+                <a:solidFill>
+                  <a:schemeClr val="folHlink"/>
+                </a:solidFill>
+                <a:latin typeface="Courier New" panose="02070309020205020404" pitchFamily="49" charset="0"/>
+              </a:rPr>
+              <a:t>List_t</a:t>
+            </a:r>
+            <a:r>
+              <a:rPr lang="en-US" altLang="zh-CN" sz="2000" b="1" dirty="0">
+                <a:solidFill>
+                  <a:schemeClr val="folHlink"/>
+                </a:solidFill>
+                <a:latin typeface="Courier New" panose="02070309020205020404" pitchFamily="49" charset="0"/>
+              </a:rPr>
+              <a:t> *</a:t>
+            </a:r>
+            <a:r>
+              <a:rPr lang="en-US" altLang="zh-CN" sz="2000" b="1" dirty="0" err="1">
+                <a:solidFill>
+                  <a:schemeClr val="folHlink"/>
+                </a:solidFill>
+                <a:latin typeface="Courier New" panose="02070309020205020404" pitchFamily="49" charset="0"/>
+              </a:rPr>
+              <a:t>List_t</a:t>
+            </a:r>
+            <a:r>
+              <a:rPr lang="en-US" altLang="zh-CN" sz="2000" b="1" dirty="0">
+                <a:solidFill>
+                  <a:schemeClr val="folHlink"/>
+                </a:solidFill>
+                <a:latin typeface="Courier New" panose="02070309020205020404" pitchFamily="49" charset="0"/>
+              </a:rPr>
+              <a:t>;</a:t>
             </a:r>
           </a:p>
           <a:p>
@@ -22296,7 +23669,7 @@
               <a:buFont typeface="Wingdings" pitchFamily="2" charset="2"/>
               <a:buNone/>
             </a:pPr>
-            <a:endParaRPr lang="en-US" altLang="zh-CN" sz="2000" b="1">
+            <a:endParaRPr lang="en-US" altLang="zh-CN" sz="2000" b="1" dirty="0">
               <a:solidFill>
                 <a:schemeClr val="folHlink"/>
               </a:solidFill>
@@ -22312,13 +23685,40 @@
               <a:buNone/>
             </a:pPr>
             <a:r>
-              <a:rPr lang="en-US" altLang="zh-CN" sz="2000" b="1">
-                <a:solidFill>
-                  <a:schemeClr val="folHlink"/>
-                </a:solidFill>
-                <a:latin typeface="Courier New" panose="02070309020205020404" pitchFamily="49" charset="0"/>
-              </a:rPr>
-              <a:t>List_t List_new ();</a:t>
+              <a:rPr lang="en-US" altLang="zh-CN" sz="2000" b="1" dirty="0" err="1">
+                <a:solidFill>
+                  <a:schemeClr val="folHlink"/>
+                </a:solidFill>
+                <a:latin typeface="Courier New" panose="02070309020205020404" pitchFamily="49" charset="0"/>
+              </a:rPr>
+              <a:t>List_t</a:t>
+            </a:r>
+            <a:r>
+              <a:rPr lang="en-US" altLang="zh-CN" sz="2000" b="1" dirty="0">
+                <a:solidFill>
+                  <a:schemeClr val="folHlink"/>
+                </a:solidFill>
+                <a:latin typeface="Courier New" panose="02070309020205020404" pitchFamily="49" charset="0"/>
+              </a:rPr>
+              <a:t> </a:t>
+            </a:r>
+            <a:r>
+              <a:rPr lang="en-US" altLang="zh-CN" sz="2000" b="1" dirty="0" err="1">
+                <a:solidFill>
+                  <a:schemeClr val="folHlink"/>
+                </a:solidFill>
+                <a:latin typeface="Courier New" panose="02070309020205020404" pitchFamily="49" charset="0"/>
+              </a:rPr>
+              <a:t>List_new</a:t>
+            </a:r>
+            <a:r>
+              <a:rPr lang="en-US" altLang="zh-CN" sz="2000" b="1" dirty="0">
+                <a:solidFill>
+                  <a:schemeClr val="folHlink"/>
+                </a:solidFill>
+                <a:latin typeface="Courier New" panose="02070309020205020404" pitchFamily="49" charset="0"/>
+              </a:rPr>
+              <a:t>();</a:t>
             </a:r>
           </a:p>
           <a:p>
@@ -22330,13 +23730,49 @@
               <a:buNone/>
             </a:pPr>
             <a:r>
-              <a:rPr lang="en-US" altLang="zh-CN" sz="2000" b="1">
-                <a:solidFill>
-                  <a:schemeClr val="folHlink"/>
-                </a:solidFill>
-                <a:latin typeface="Courier New" panose="02070309020205020404" pitchFamily="49" charset="0"/>
-              </a:rPr>
-              <a:t>int List_length (List_t l);</a:t>
+              <a:rPr lang="en-US" altLang="zh-CN" sz="2000" b="1" dirty="0">
+                <a:solidFill>
+                  <a:schemeClr val="folHlink"/>
+                </a:solidFill>
+                <a:latin typeface="Courier New" panose="02070309020205020404" pitchFamily="49" charset="0"/>
+              </a:rPr>
+              <a:t>int </a:t>
+            </a:r>
+            <a:r>
+              <a:rPr lang="en-US" altLang="zh-CN" sz="2000" b="1" dirty="0" err="1">
+                <a:solidFill>
+                  <a:schemeClr val="folHlink"/>
+                </a:solidFill>
+                <a:latin typeface="Courier New" panose="02070309020205020404" pitchFamily="49" charset="0"/>
+              </a:rPr>
+              <a:t>List_length</a:t>
+            </a:r>
+            <a:r>
+              <a:rPr lang="en-US" altLang="zh-CN" sz="2000" b="1" dirty="0">
+                <a:solidFill>
+                  <a:schemeClr val="folHlink"/>
+                </a:solidFill>
+                <a:latin typeface="Courier New" panose="02070309020205020404" pitchFamily="49" charset="0"/>
+              </a:rPr>
+              <a:t>(</a:t>
+            </a:r>
+            <a:r>
+              <a:rPr lang="en-US" altLang="zh-CN" sz="2000" b="1" dirty="0" err="1">
+                <a:solidFill>
+                  <a:schemeClr val="folHlink"/>
+                </a:solidFill>
+                <a:latin typeface="Courier New" panose="02070309020205020404" pitchFamily="49" charset="0"/>
+              </a:rPr>
+              <a:t>List_t</a:t>
+            </a:r>
+            <a:r>
+              <a:rPr lang="en-US" altLang="zh-CN" sz="2000" b="1" dirty="0">
+                <a:solidFill>
+                  <a:schemeClr val="folHlink"/>
+                </a:solidFill>
+                <a:latin typeface="Courier New" panose="02070309020205020404" pitchFamily="49" charset="0"/>
+              </a:rPr>
+              <a:t> l);</a:t>
             </a:r>
           </a:p>
           <a:p>
@@ -22348,13 +23784,49 @@
               <a:buNone/>
             </a:pPr>
             <a:r>
-              <a:rPr lang="en-US" altLang="zh-CN" sz="2000" b="1">
-                <a:solidFill>
-                  <a:schemeClr val="folHlink"/>
-                </a:solidFill>
-                <a:latin typeface="Courier New" panose="02070309020205020404" pitchFamily="49" charset="0"/>
-              </a:rPr>
-              <a:t>poly List_nth (List_t l, int n);</a:t>
+              <a:rPr lang="en-US" altLang="zh-CN" sz="2000" b="1" dirty="0">
+                <a:solidFill>
+                  <a:schemeClr val="folHlink"/>
+                </a:solidFill>
+                <a:latin typeface="Courier New" panose="02070309020205020404" pitchFamily="49" charset="0"/>
+              </a:rPr>
+              <a:t>poly </a:t>
+            </a:r>
+            <a:r>
+              <a:rPr lang="en-US" altLang="zh-CN" sz="2000" b="1" dirty="0" err="1">
+                <a:solidFill>
+                  <a:schemeClr val="folHlink"/>
+                </a:solidFill>
+                <a:latin typeface="Courier New" panose="02070309020205020404" pitchFamily="49" charset="0"/>
+              </a:rPr>
+              <a:t>List_nth</a:t>
+            </a:r>
+            <a:r>
+              <a:rPr lang="en-US" altLang="zh-CN" sz="2000" b="1" dirty="0">
+                <a:solidFill>
+                  <a:schemeClr val="folHlink"/>
+                </a:solidFill>
+                <a:latin typeface="Courier New" panose="02070309020205020404" pitchFamily="49" charset="0"/>
+              </a:rPr>
+              <a:t>(</a:t>
+            </a:r>
+            <a:r>
+              <a:rPr lang="en-US" altLang="zh-CN" sz="2000" b="1" dirty="0" err="1">
+                <a:solidFill>
+                  <a:schemeClr val="folHlink"/>
+                </a:solidFill>
+                <a:latin typeface="Courier New" panose="02070309020205020404" pitchFamily="49" charset="0"/>
+              </a:rPr>
+              <a:t>List_t</a:t>
+            </a:r>
+            <a:r>
+              <a:rPr lang="en-US" altLang="zh-CN" sz="2000" b="1" dirty="0">
+                <a:solidFill>
+                  <a:schemeClr val="folHlink"/>
+                </a:solidFill>
+                <a:latin typeface="Courier New" panose="02070309020205020404" pitchFamily="49" charset="0"/>
+              </a:rPr>
+              <a:t> l, int n);</a:t>
             </a:r>
           </a:p>
           <a:p>
@@ -22366,13 +23838,67 @@
               <a:buNone/>
             </a:pPr>
             <a:r>
-              <a:rPr lang="en-US" altLang="zh-CN" sz="2000" b="1">
-                <a:solidFill>
-                  <a:schemeClr val="folHlink"/>
-                </a:solidFill>
-                <a:latin typeface="Courier New" panose="02070309020205020404" pitchFamily="49" charset="0"/>
-              </a:rPr>
-              <a:t>void List_insert (List_t l, poly x, int i);</a:t>
+              <a:rPr lang="en-US" altLang="zh-CN" sz="2000" b="1" dirty="0">
+                <a:solidFill>
+                  <a:schemeClr val="folHlink"/>
+                </a:solidFill>
+                <a:latin typeface="Courier New" panose="02070309020205020404" pitchFamily="49" charset="0"/>
+              </a:rPr>
+              <a:t>void </a:t>
+            </a:r>
+            <a:r>
+              <a:rPr lang="en-US" altLang="zh-CN" sz="2000" b="1" dirty="0" err="1">
+                <a:solidFill>
+                  <a:schemeClr val="folHlink"/>
+                </a:solidFill>
+                <a:latin typeface="Courier New" panose="02070309020205020404" pitchFamily="49" charset="0"/>
+              </a:rPr>
+              <a:t>List_insert</a:t>
+            </a:r>
+            <a:r>
+              <a:rPr lang="en-US" altLang="zh-CN" sz="2000" b="1" dirty="0">
+                <a:solidFill>
+                  <a:schemeClr val="folHlink"/>
+                </a:solidFill>
+                <a:latin typeface="Courier New" panose="02070309020205020404" pitchFamily="49" charset="0"/>
+              </a:rPr>
+              <a:t>(</a:t>
+            </a:r>
+            <a:r>
+              <a:rPr lang="en-US" altLang="zh-CN" sz="2000" b="1" dirty="0" err="1">
+                <a:solidFill>
+                  <a:schemeClr val="folHlink"/>
+                </a:solidFill>
+                <a:latin typeface="Courier New" panose="02070309020205020404" pitchFamily="49" charset="0"/>
+              </a:rPr>
+              <a:t>List_t</a:t>
+            </a:r>
+            <a:r>
+              <a:rPr lang="en-US" altLang="zh-CN" sz="2000" b="1" dirty="0">
+                <a:solidFill>
+                  <a:schemeClr val="folHlink"/>
+                </a:solidFill>
+                <a:latin typeface="Courier New" panose="02070309020205020404" pitchFamily="49" charset="0"/>
+              </a:rPr>
+              <a:t> l, poly x, int </a:t>
+            </a:r>
+            <a:r>
+              <a:rPr lang="en-US" altLang="zh-CN" sz="2000" b="1" dirty="0" err="1">
+                <a:solidFill>
+                  <a:schemeClr val="folHlink"/>
+                </a:solidFill>
+                <a:latin typeface="Courier New" panose="02070309020205020404" pitchFamily="49" charset="0"/>
+              </a:rPr>
+              <a:t>i</a:t>
+            </a:r>
+            <a:r>
+              <a:rPr lang="en-US" altLang="zh-CN" sz="2000" b="1" dirty="0">
+                <a:solidFill>
+                  <a:schemeClr val="folHlink"/>
+                </a:solidFill>
+                <a:latin typeface="Courier New" panose="02070309020205020404" pitchFamily="49" charset="0"/>
+              </a:rPr>
+              <a:t>);</a:t>
             </a:r>
           </a:p>
           <a:p>
@@ -22384,13 +23910,67 @@
               <a:buNone/>
             </a:pPr>
             <a:r>
-              <a:rPr lang="en-US" altLang="zh-CN" sz="2000" b="1">
-                <a:solidFill>
-                  <a:schemeClr val="folHlink"/>
-                </a:solidFill>
-                <a:latin typeface="Courier New" panose="02070309020205020404" pitchFamily="49" charset="0"/>
-              </a:rPr>
-              <a:t>poly List_delete (List_t l, int i);</a:t>
+              <a:rPr lang="en-US" altLang="zh-CN" sz="2000" b="1" dirty="0">
+                <a:solidFill>
+                  <a:schemeClr val="folHlink"/>
+                </a:solidFill>
+                <a:latin typeface="Courier New" panose="02070309020205020404" pitchFamily="49" charset="0"/>
+              </a:rPr>
+              <a:t>poly </a:t>
+            </a:r>
+            <a:r>
+              <a:rPr lang="en-US" altLang="zh-CN" sz="2000" b="1" dirty="0" err="1">
+                <a:solidFill>
+                  <a:schemeClr val="folHlink"/>
+                </a:solidFill>
+                <a:latin typeface="Courier New" panose="02070309020205020404" pitchFamily="49" charset="0"/>
+              </a:rPr>
+              <a:t>List_delete</a:t>
+            </a:r>
+            <a:r>
+              <a:rPr lang="en-US" altLang="zh-CN" sz="2000" b="1" dirty="0">
+                <a:solidFill>
+                  <a:schemeClr val="folHlink"/>
+                </a:solidFill>
+                <a:latin typeface="Courier New" panose="02070309020205020404" pitchFamily="49" charset="0"/>
+              </a:rPr>
+              <a:t>(</a:t>
+            </a:r>
+            <a:r>
+              <a:rPr lang="en-US" altLang="zh-CN" sz="2000" b="1" dirty="0" err="1">
+                <a:solidFill>
+                  <a:schemeClr val="folHlink"/>
+                </a:solidFill>
+                <a:latin typeface="Courier New" panose="02070309020205020404" pitchFamily="49" charset="0"/>
+              </a:rPr>
+              <a:t>List_t</a:t>
+            </a:r>
+            <a:r>
+              <a:rPr lang="en-US" altLang="zh-CN" sz="2000" b="1" dirty="0">
+                <a:solidFill>
+                  <a:schemeClr val="folHlink"/>
+                </a:solidFill>
+                <a:latin typeface="Courier New" panose="02070309020205020404" pitchFamily="49" charset="0"/>
+              </a:rPr>
+              <a:t> l, int </a:t>
+            </a:r>
+            <a:r>
+              <a:rPr lang="en-US" altLang="zh-CN" sz="2000" b="1" dirty="0" err="1">
+                <a:solidFill>
+                  <a:schemeClr val="folHlink"/>
+                </a:solidFill>
+                <a:latin typeface="Courier New" panose="02070309020205020404" pitchFamily="49" charset="0"/>
+              </a:rPr>
+              <a:t>i</a:t>
+            </a:r>
+            <a:r>
+              <a:rPr lang="en-US" altLang="zh-CN" sz="2000" b="1" dirty="0">
+                <a:solidFill>
+                  <a:schemeClr val="folHlink"/>
+                </a:solidFill>
+                <a:latin typeface="Courier New" panose="02070309020205020404" pitchFamily="49" charset="0"/>
+              </a:rPr>
+              <a:t>);</a:t>
             </a:r>
           </a:p>
           <a:p>
@@ -22402,13 +23982,49 @@
               <a:buNone/>
             </a:pPr>
             <a:r>
-              <a:rPr lang="en-US" altLang="zh-CN" sz="2000" b="1">
-                <a:solidFill>
-                  <a:schemeClr val="folHlink"/>
-                </a:solidFill>
-                <a:latin typeface="Courier New" panose="02070309020205020404" pitchFamily="49" charset="0"/>
-              </a:rPr>
-              <a:t>void List_foreach (List_t l, void (*f)(poly));</a:t>
+              <a:rPr lang="en-US" altLang="zh-CN" sz="2000" b="1" dirty="0">
+                <a:solidFill>
+                  <a:schemeClr val="folHlink"/>
+                </a:solidFill>
+                <a:latin typeface="Courier New" panose="02070309020205020404" pitchFamily="49" charset="0"/>
+              </a:rPr>
+              <a:t>void </a:t>
+            </a:r>
+            <a:r>
+              <a:rPr lang="en-US" altLang="zh-CN" sz="2000" b="1" dirty="0" err="1">
+                <a:solidFill>
+                  <a:schemeClr val="folHlink"/>
+                </a:solidFill>
+                <a:latin typeface="Courier New" panose="02070309020205020404" pitchFamily="49" charset="0"/>
+              </a:rPr>
+              <a:t>List_foreach</a:t>
+            </a:r>
+            <a:r>
+              <a:rPr lang="en-US" altLang="zh-CN" sz="2000" b="1" dirty="0">
+                <a:solidFill>
+                  <a:schemeClr val="folHlink"/>
+                </a:solidFill>
+                <a:latin typeface="Courier New" panose="02070309020205020404" pitchFamily="49" charset="0"/>
+              </a:rPr>
+              <a:t>(</a:t>
+            </a:r>
+            <a:r>
+              <a:rPr lang="en-US" altLang="zh-CN" sz="2000" b="1" dirty="0" err="1">
+                <a:solidFill>
+                  <a:schemeClr val="folHlink"/>
+                </a:solidFill>
+                <a:latin typeface="Courier New" panose="02070309020205020404" pitchFamily="49" charset="0"/>
+              </a:rPr>
+              <a:t>List_t</a:t>
+            </a:r>
+            <a:r>
+              <a:rPr lang="en-US" altLang="zh-CN" sz="2000" b="1" dirty="0">
+                <a:solidFill>
+                  <a:schemeClr val="folHlink"/>
+                </a:solidFill>
+                <a:latin typeface="Courier New" panose="02070309020205020404" pitchFamily="49" charset="0"/>
+              </a:rPr>
+              <a:t> l, void (*f)(poly));</a:t>
             </a:r>
           </a:p>
           <a:p>
@@ -22419,7 +24035,7 @@
               <a:buFont typeface="Wingdings" pitchFamily="2" charset="2"/>
               <a:buNone/>
             </a:pPr>
-            <a:endParaRPr lang="en-US" altLang="zh-CN" sz="2000" b="1">
+            <a:endParaRPr lang="en-US" altLang="zh-CN" sz="2000" b="1" dirty="0">
               <a:solidFill>
                 <a:schemeClr val="folHlink"/>
               </a:solidFill>
@@ -22435,7 +24051,7 @@
               <a:buNone/>
             </a:pPr>
             <a:r>
-              <a:rPr lang="en-US" altLang="zh-CN" sz="2000" b="1">
+              <a:rPr lang="en-US" altLang="zh-CN" sz="2000" b="1" dirty="0">
                 <a:solidFill>
                   <a:schemeClr val="folHlink"/>
                 </a:solidFill>
@@ -22521,28 +24137,33 @@
           <a:lstStyle/>
           <a:p>
             <a:r>
-              <a:rPr lang="en-US" altLang="zh-CN" sz="3600"/>
+              <a:rPr lang="en-US" altLang="zh-CN" sz="3600" dirty="0"/>
               <a:t>Abstract data type: </a:t>
             </a:r>
             <a:r>
-              <a:rPr lang="en-US" altLang="zh-CN" sz="3600">
+              <a:rPr lang="en-US" altLang="zh-CN" sz="3600" dirty="0" err="1">
                 <a:solidFill>
                   <a:schemeClr val="folHlink"/>
                 </a:solidFill>
               </a:rPr>
               <a:t>Dict_t</a:t>
             </a:r>
+            <a:endParaRPr lang="en-US" altLang="zh-CN" sz="3600" dirty="0">
+              <a:solidFill>
+                <a:schemeClr val="folHlink"/>
+              </a:solidFill>
+            </a:endParaRPr>
           </a:p>
           <a:p>
             <a:pPr lvl="1"/>
             <a:r>
-              <a:rPr lang="en-US" altLang="zh-CN" sz="3200"/>
+              <a:rPr lang="en-US" altLang="zh-CN" sz="3200" dirty="0"/>
               <a:t>represent the dictionary data type</a:t>
             </a:r>
           </a:p>
           <a:p>
             <a:r>
-              <a:rPr lang="en-US" altLang="zh-CN" sz="3600"/>
+              <a:rPr lang="en-US" altLang="zh-CN" sz="3600" dirty="0"/>
               <a:t>operations:</a:t>
             </a:r>
           </a:p>
@@ -22552,13 +24173,40 @@
               <a:buNone/>
             </a:pPr>
             <a:r>
-              <a:rPr lang="en-US" altLang="zh-CN" sz="2000" b="1">
-                <a:solidFill>
-                  <a:schemeClr val="folHlink"/>
-                </a:solidFill>
-                <a:latin typeface="Courier New" panose="02070309020205020404" pitchFamily="49" charset="0"/>
-              </a:rPr>
-              <a:t>Dict_t Dict_new ();              </a:t>
+              <a:rPr lang="en-US" altLang="zh-CN" sz="2000" b="1" dirty="0" err="1">
+                <a:solidFill>
+                  <a:schemeClr val="folHlink"/>
+                </a:solidFill>
+                <a:latin typeface="Courier New" panose="02070309020205020404" pitchFamily="49" charset="0"/>
+              </a:rPr>
+              <a:t>Dict_t</a:t>
+            </a:r>
+            <a:r>
+              <a:rPr lang="en-US" altLang="zh-CN" sz="2000" b="1" dirty="0">
+                <a:solidFill>
+                  <a:schemeClr val="folHlink"/>
+                </a:solidFill>
+                <a:latin typeface="Courier New" panose="02070309020205020404" pitchFamily="49" charset="0"/>
+              </a:rPr>
+              <a:t> </a:t>
+            </a:r>
+            <a:r>
+              <a:rPr lang="en-US" altLang="zh-CN" sz="2000" b="1" dirty="0" err="1">
+                <a:solidFill>
+                  <a:schemeClr val="folHlink"/>
+                </a:solidFill>
+                <a:latin typeface="Courier New" panose="02070309020205020404" pitchFamily="49" charset="0"/>
+              </a:rPr>
+              <a:t>Dict_new</a:t>
+            </a:r>
+            <a:r>
+              <a:rPr lang="en-US" altLang="zh-CN" sz="2000" b="1" dirty="0">
+                <a:solidFill>
+                  <a:schemeClr val="folHlink"/>
+                </a:solidFill>
+                <a:latin typeface="Courier New" panose="02070309020205020404" pitchFamily="49" charset="0"/>
+              </a:rPr>
+              <a:t>();              </a:t>
             </a:r>
           </a:p>
           <a:p>
@@ -22567,13 +24215,49 @@
               <a:buNone/>
             </a:pPr>
             <a:r>
-              <a:rPr lang="en-US" altLang="zh-CN" sz="2000" b="1">
-                <a:solidFill>
-                  <a:schemeClr val="folHlink"/>
-                </a:solidFill>
-                <a:latin typeface="Courier New" panose="02070309020205020404" pitchFamily="49" charset="0"/>
-              </a:rPr>
-              <a:t>void Dict_insert (Dict_t d, poly key, poly value);</a:t>
+              <a:rPr lang="en-US" altLang="zh-CN" sz="2000" b="1" dirty="0">
+                <a:solidFill>
+                  <a:schemeClr val="folHlink"/>
+                </a:solidFill>
+                <a:latin typeface="Courier New" panose="02070309020205020404" pitchFamily="49" charset="0"/>
+              </a:rPr>
+              <a:t>void </a:t>
+            </a:r>
+            <a:r>
+              <a:rPr lang="en-US" altLang="zh-CN" sz="2000" b="1" dirty="0" err="1">
+                <a:solidFill>
+                  <a:schemeClr val="folHlink"/>
+                </a:solidFill>
+                <a:latin typeface="Courier New" panose="02070309020205020404" pitchFamily="49" charset="0"/>
+              </a:rPr>
+              <a:t>Dict_insert</a:t>
+            </a:r>
+            <a:r>
+              <a:rPr lang="en-US" altLang="zh-CN" sz="2000" b="1" dirty="0">
+                <a:solidFill>
+                  <a:schemeClr val="folHlink"/>
+                </a:solidFill>
+                <a:latin typeface="Courier New" panose="02070309020205020404" pitchFamily="49" charset="0"/>
+              </a:rPr>
+              <a:t>(</a:t>
+            </a:r>
+            <a:r>
+              <a:rPr lang="en-US" altLang="zh-CN" sz="2000" b="1" dirty="0" err="1">
+                <a:solidFill>
+                  <a:schemeClr val="folHlink"/>
+                </a:solidFill>
+                <a:latin typeface="Courier New" panose="02070309020205020404" pitchFamily="49" charset="0"/>
+              </a:rPr>
+              <a:t>Dict_t</a:t>
+            </a:r>
+            <a:r>
+              <a:rPr lang="en-US" altLang="zh-CN" sz="2000" b="1" dirty="0">
+                <a:solidFill>
+                  <a:schemeClr val="folHlink"/>
+                </a:solidFill>
+                <a:latin typeface="Courier New" panose="02070309020205020404" pitchFamily="49" charset="0"/>
+              </a:rPr>
+              <a:t> d, poly key, poly value);</a:t>
             </a:r>
           </a:p>
           <a:p>
@@ -22582,13 +24266,49 @@
               <a:buNone/>
             </a:pPr>
             <a:r>
-              <a:rPr lang="en-US" altLang="zh-CN" sz="2000" b="1">
-                <a:solidFill>
-                  <a:schemeClr val="folHlink"/>
-                </a:solidFill>
-                <a:latin typeface="Courier New" panose="02070309020205020404" pitchFamily="49" charset="0"/>
-              </a:rPr>
-              <a:t>poly Dict_lookup (Dict_t d, poly key);</a:t>
+              <a:rPr lang="en-US" altLang="zh-CN" sz="2000" b="1" dirty="0">
+                <a:solidFill>
+                  <a:schemeClr val="folHlink"/>
+                </a:solidFill>
+                <a:latin typeface="Courier New" panose="02070309020205020404" pitchFamily="49" charset="0"/>
+              </a:rPr>
+              <a:t>poly </a:t>
+            </a:r>
+            <a:r>
+              <a:rPr lang="en-US" altLang="zh-CN" sz="2000" b="1" dirty="0" err="1">
+                <a:solidFill>
+                  <a:schemeClr val="folHlink"/>
+                </a:solidFill>
+                <a:latin typeface="Courier New" panose="02070309020205020404" pitchFamily="49" charset="0"/>
+              </a:rPr>
+              <a:t>Dict_lookup</a:t>
+            </a:r>
+            <a:r>
+              <a:rPr lang="en-US" altLang="zh-CN" sz="2000" b="1" dirty="0">
+                <a:solidFill>
+                  <a:schemeClr val="folHlink"/>
+                </a:solidFill>
+                <a:latin typeface="Courier New" panose="02070309020205020404" pitchFamily="49" charset="0"/>
+              </a:rPr>
+              <a:t>(</a:t>
+            </a:r>
+            <a:r>
+              <a:rPr lang="en-US" altLang="zh-CN" sz="2000" b="1" dirty="0" err="1">
+                <a:solidFill>
+                  <a:schemeClr val="folHlink"/>
+                </a:solidFill>
+                <a:latin typeface="Courier New" panose="02070309020205020404" pitchFamily="49" charset="0"/>
+              </a:rPr>
+              <a:t>Dict_t</a:t>
+            </a:r>
+            <a:r>
+              <a:rPr lang="en-US" altLang="zh-CN" sz="2000" b="1" dirty="0">
+                <a:solidFill>
+                  <a:schemeClr val="folHlink"/>
+                </a:solidFill>
+                <a:latin typeface="Courier New" panose="02070309020205020404" pitchFamily="49" charset="0"/>
+              </a:rPr>
+              <a:t> d, poly key);</a:t>
             </a:r>
           </a:p>
           <a:p>
@@ -22597,13 +24317,49 @@
               <a:buNone/>
             </a:pPr>
             <a:r>
-              <a:rPr lang="en-US" altLang="zh-CN" sz="2000" b="1">
-                <a:solidFill>
-                  <a:schemeClr val="folHlink"/>
-                </a:solidFill>
-                <a:latin typeface="Courier New" panose="02070309020205020404" pitchFamily="49" charset="0"/>
-              </a:rPr>
-              <a:t>poly Dict_delete (Dict_t d, poly key);</a:t>
+              <a:rPr lang="en-US" altLang="zh-CN" sz="2000" b="1" dirty="0">
+                <a:solidFill>
+                  <a:schemeClr val="folHlink"/>
+                </a:solidFill>
+                <a:latin typeface="Courier New" panose="02070309020205020404" pitchFamily="49" charset="0"/>
+              </a:rPr>
+              <a:t>poly </a:t>
+            </a:r>
+            <a:r>
+              <a:rPr lang="en-US" altLang="zh-CN" sz="2000" b="1" dirty="0" err="1">
+                <a:solidFill>
+                  <a:schemeClr val="folHlink"/>
+                </a:solidFill>
+                <a:latin typeface="Courier New" panose="02070309020205020404" pitchFamily="49" charset="0"/>
+              </a:rPr>
+              <a:t>Dict_delete</a:t>
+            </a:r>
+            <a:r>
+              <a:rPr lang="en-US" altLang="zh-CN" sz="2000" b="1" dirty="0">
+                <a:solidFill>
+                  <a:schemeClr val="folHlink"/>
+                </a:solidFill>
+                <a:latin typeface="Courier New" panose="02070309020205020404" pitchFamily="49" charset="0"/>
+              </a:rPr>
+              <a:t>(</a:t>
+            </a:r>
+            <a:r>
+              <a:rPr lang="en-US" altLang="zh-CN" sz="2000" b="1" dirty="0" err="1">
+                <a:solidFill>
+                  <a:schemeClr val="folHlink"/>
+                </a:solidFill>
+                <a:latin typeface="Courier New" panose="02070309020205020404" pitchFamily="49" charset="0"/>
+              </a:rPr>
+              <a:t>Dict_t</a:t>
+            </a:r>
+            <a:r>
+              <a:rPr lang="en-US" altLang="zh-CN" sz="2000" b="1" dirty="0">
+                <a:solidFill>
+                  <a:schemeClr val="folHlink"/>
+                </a:solidFill>
+                <a:latin typeface="Courier New" panose="02070309020205020404" pitchFamily="49" charset="0"/>
+              </a:rPr>
+              <a:t> d, poly key);</a:t>
             </a:r>
           </a:p>
         </p:txBody>
@@ -22706,10 +24462,22 @@
               <a:buNone/>
             </a:pPr>
             <a:r>
-              <a:rPr lang="en-US" altLang="zh-CN" sz="2000" b="1">
-                <a:latin typeface="Courier New" panose="02070309020205020404" pitchFamily="49" charset="0"/>
-              </a:rPr>
-              <a:t>// in file “dict.h”</a:t>
+              <a:rPr lang="en-US" altLang="zh-CN" sz="2000" b="1" dirty="0">
+                <a:latin typeface="Courier New" panose="02070309020205020404" pitchFamily="49" charset="0"/>
+              </a:rPr>
+              <a:t>// in file “</a:t>
+            </a:r>
+            <a:r>
+              <a:rPr lang="en-US" altLang="zh-CN" sz="2000" b="1" dirty="0" err="1">
+                <a:latin typeface="Courier New" panose="02070309020205020404" pitchFamily="49" charset="0"/>
+              </a:rPr>
+              <a:t>dict.h</a:t>
+            </a:r>
+            <a:r>
+              <a:rPr lang="en-US" altLang="zh-CN" sz="2000" b="1" dirty="0">
+                <a:latin typeface="Courier New" panose="02070309020205020404" pitchFamily="49" charset="0"/>
+              </a:rPr>
+              <a:t>”</a:t>
             </a:r>
           </a:p>
           <a:p>
@@ -22721,13 +24489,31 @@
               <a:buNone/>
             </a:pPr>
             <a:r>
-              <a:rPr lang="en-US" altLang="zh-CN" sz="2000" b="1">
-                <a:solidFill>
-                  <a:schemeClr val="folHlink"/>
-                </a:solidFill>
-                <a:latin typeface="Courier New" panose="02070309020205020404" pitchFamily="49" charset="0"/>
-              </a:rPr>
-              <a:t>#ifndef DICT_H</a:t>
+              <a:rPr lang="en-US" altLang="zh-CN" sz="2000" b="1" dirty="0">
+                <a:solidFill>
+                  <a:schemeClr val="folHlink"/>
+                </a:solidFill>
+                <a:latin typeface="Courier New" panose="02070309020205020404" pitchFamily="49" charset="0"/>
+              </a:rPr>
+              <a:t>#</a:t>
+            </a:r>
+            <a:r>
+              <a:rPr lang="en-US" altLang="zh-CN" sz="2000" b="1" dirty="0" err="1">
+                <a:solidFill>
+                  <a:schemeClr val="folHlink"/>
+                </a:solidFill>
+                <a:latin typeface="Courier New" panose="02070309020205020404" pitchFamily="49" charset="0"/>
+              </a:rPr>
+              <a:t>ifndef</a:t>
+            </a:r>
+            <a:r>
+              <a:rPr lang="en-US" altLang="zh-CN" sz="2000" b="1" dirty="0">
+                <a:solidFill>
+                  <a:schemeClr val="folHlink"/>
+                </a:solidFill>
+                <a:latin typeface="Courier New" panose="02070309020205020404" pitchFamily="49" charset="0"/>
+              </a:rPr>
+              <a:t> DICT_H</a:t>
             </a:r>
           </a:p>
           <a:p>
@@ -22739,7 +24525,7 @@
               <a:buNone/>
             </a:pPr>
             <a:r>
-              <a:rPr lang="en-US" altLang="zh-CN" sz="2000" b="1">
+              <a:rPr lang="en-US" altLang="zh-CN" sz="2000" b="1" dirty="0">
                 <a:solidFill>
                   <a:schemeClr val="folHlink"/>
                 </a:solidFill>
@@ -22756,7 +24542,7 @@
               <a:buFont typeface="Wingdings" pitchFamily="2" charset="2"/>
               <a:buNone/>
             </a:pPr>
-            <a:endParaRPr lang="en-US" altLang="zh-CN" sz="2000" b="1">
+            <a:endParaRPr lang="en-US" altLang="zh-CN" sz="2000" b="1" dirty="0">
               <a:solidFill>
                 <a:schemeClr val="folHlink"/>
               </a:solidFill>
@@ -22772,13 +24558,49 @@
               <a:buNone/>
             </a:pPr>
             <a:r>
-              <a:rPr lang="en-US" altLang="zh-CN" sz="2000" b="1">
-                <a:solidFill>
-                  <a:schemeClr val="folHlink"/>
-                </a:solidFill>
-                <a:latin typeface="Courier New" panose="02070309020205020404" pitchFamily="49" charset="0"/>
-              </a:rPr>
-              <a:t>typedef struct Dict_t *Dict_t;</a:t>
+              <a:rPr lang="en-US" altLang="zh-CN" sz="2000" b="1" dirty="0">
+                <a:solidFill>
+                  <a:schemeClr val="folHlink"/>
+                </a:solidFill>
+                <a:latin typeface="Courier New" panose="02070309020205020404" pitchFamily="49" charset="0"/>
+              </a:rPr>
+              <a:t>typedef struct </a:t>
+            </a:r>
+            <a:r>
+              <a:rPr lang="en-US" altLang="zh-CN" sz="2000" b="1" dirty="0" err="1">
+                <a:solidFill>
+                  <a:schemeClr val="folHlink"/>
+                </a:solidFill>
+                <a:latin typeface="Courier New" panose="02070309020205020404" pitchFamily="49" charset="0"/>
+              </a:rPr>
+              <a:t>Dict_t</a:t>
+            </a:r>
+            <a:r>
+              <a:rPr lang="en-US" altLang="zh-CN" sz="2000" b="1" dirty="0">
+                <a:solidFill>
+                  <a:schemeClr val="folHlink"/>
+                </a:solidFill>
+                <a:latin typeface="Courier New" panose="02070309020205020404" pitchFamily="49" charset="0"/>
+              </a:rPr>
+              <a:t> *</a:t>
+            </a:r>
+            <a:r>
+              <a:rPr lang="en-US" altLang="zh-CN" sz="2000" b="1" dirty="0" err="1">
+                <a:solidFill>
+                  <a:schemeClr val="folHlink"/>
+                </a:solidFill>
+                <a:latin typeface="Courier New" panose="02070309020205020404" pitchFamily="49" charset="0"/>
+              </a:rPr>
+              <a:t>Dict_t</a:t>
+            </a:r>
+            <a:r>
+              <a:rPr lang="en-US" altLang="zh-CN" sz="2000" b="1" dirty="0">
+                <a:solidFill>
+                  <a:schemeClr val="folHlink"/>
+                </a:solidFill>
+                <a:latin typeface="Courier New" panose="02070309020205020404" pitchFamily="49" charset="0"/>
+              </a:rPr>
+              <a:t>;</a:t>
             </a:r>
           </a:p>
           <a:p>
@@ -22789,7 +24611,7 @@
               <a:buFont typeface="Wingdings" pitchFamily="2" charset="2"/>
               <a:buNone/>
             </a:pPr>
-            <a:endParaRPr lang="en-US" altLang="zh-CN" sz="2000" b="1">
+            <a:endParaRPr lang="en-US" altLang="zh-CN" sz="2000" b="1" dirty="0">
               <a:solidFill>
                 <a:schemeClr val="folHlink"/>
               </a:solidFill>
@@ -22805,13 +24627,40 @@
               <a:buNone/>
             </a:pPr>
             <a:r>
-              <a:rPr lang="en-US" altLang="zh-CN" sz="2000" b="1">
-                <a:solidFill>
-                  <a:schemeClr val="folHlink"/>
-                </a:solidFill>
-                <a:latin typeface="Courier New" panose="02070309020205020404" pitchFamily="49" charset="0"/>
-              </a:rPr>
-              <a:t>Dict_t Dict_new ();          </a:t>
+              <a:rPr lang="en-US" altLang="zh-CN" sz="2000" b="1" dirty="0" err="1">
+                <a:solidFill>
+                  <a:schemeClr val="folHlink"/>
+                </a:solidFill>
+                <a:latin typeface="Courier New" panose="02070309020205020404" pitchFamily="49" charset="0"/>
+              </a:rPr>
+              <a:t>Dict_t</a:t>
+            </a:r>
+            <a:r>
+              <a:rPr lang="en-US" altLang="zh-CN" sz="2000" b="1" dirty="0">
+                <a:solidFill>
+                  <a:schemeClr val="folHlink"/>
+                </a:solidFill>
+                <a:latin typeface="Courier New" panose="02070309020205020404" pitchFamily="49" charset="0"/>
+              </a:rPr>
+              <a:t> </a:t>
+            </a:r>
+            <a:r>
+              <a:rPr lang="en-US" altLang="zh-CN" sz="2000" b="1" dirty="0" err="1">
+                <a:solidFill>
+                  <a:schemeClr val="folHlink"/>
+                </a:solidFill>
+                <a:latin typeface="Courier New" panose="02070309020205020404" pitchFamily="49" charset="0"/>
+              </a:rPr>
+              <a:t>Dict_new</a:t>
+            </a:r>
+            <a:r>
+              <a:rPr lang="en-US" altLang="zh-CN" sz="2000" b="1" dirty="0">
+                <a:solidFill>
+                  <a:schemeClr val="folHlink"/>
+                </a:solidFill>
+                <a:latin typeface="Courier New" panose="02070309020205020404" pitchFamily="49" charset="0"/>
+              </a:rPr>
+              <a:t>();          </a:t>
             </a:r>
           </a:p>
           <a:p>
@@ -22823,13 +24672,49 @@
               <a:buNone/>
             </a:pPr>
             <a:r>
-              <a:rPr lang="en-US" altLang="zh-CN" sz="2000" b="1">
-                <a:solidFill>
-                  <a:schemeClr val="folHlink"/>
-                </a:solidFill>
-                <a:latin typeface="Courier New" panose="02070309020205020404" pitchFamily="49" charset="0"/>
-              </a:rPr>
-              <a:t>void Dict_insert (Dict_t d, poly key, poly value);</a:t>
+              <a:rPr lang="en-US" altLang="zh-CN" sz="2000" b="1" dirty="0">
+                <a:solidFill>
+                  <a:schemeClr val="folHlink"/>
+                </a:solidFill>
+                <a:latin typeface="Courier New" panose="02070309020205020404" pitchFamily="49" charset="0"/>
+              </a:rPr>
+              <a:t>void </a:t>
+            </a:r>
+            <a:r>
+              <a:rPr lang="en-US" altLang="zh-CN" sz="2000" b="1" dirty="0" err="1">
+                <a:solidFill>
+                  <a:schemeClr val="folHlink"/>
+                </a:solidFill>
+                <a:latin typeface="Courier New" panose="02070309020205020404" pitchFamily="49" charset="0"/>
+              </a:rPr>
+              <a:t>Dict_insert</a:t>
+            </a:r>
+            <a:r>
+              <a:rPr lang="en-US" altLang="zh-CN" sz="2000" b="1" dirty="0">
+                <a:solidFill>
+                  <a:schemeClr val="folHlink"/>
+                </a:solidFill>
+                <a:latin typeface="Courier New" panose="02070309020205020404" pitchFamily="49" charset="0"/>
+              </a:rPr>
+              <a:t>(</a:t>
+            </a:r>
+            <a:r>
+              <a:rPr lang="en-US" altLang="zh-CN" sz="2000" b="1" dirty="0" err="1">
+                <a:solidFill>
+                  <a:schemeClr val="folHlink"/>
+                </a:solidFill>
+                <a:latin typeface="Courier New" panose="02070309020205020404" pitchFamily="49" charset="0"/>
+              </a:rPr>
+              <a:t>Dict_t</a:t>
+            </a:r>
+            <a:r>
+              <a:rPr lang="en-US" altLang="zh-CN" sz="2000" b="1" dirty="0">
+                <a:solidFill>
+                  <a:schemeClr val="folHlink"/>
+                </a:solidFill>
+                <a:latin typeface="Courier New" panose="02070309020205020404" pitchFamily="49" charset="0"/>
+              </a:rPr>
+              <a:t> d, poly key, poly value);</a:t>
             </a:r>
           </a:p>
           <a:p>
@@ -22841,13 +24726,49 @@
               <a:buNone/>
             </a:pPr>
             <a:r>
-              <a:rPr lang="en-US" altLang="zh-CN" sz="2000" b="1">
-                <a:solidFill>
-                  <a:schemeClr val="folHlink"/>
-                </a:solidFill>
-                <a:latin typeface="Courier New" panose="02070309020205020404" pitchFamily="49" charset="0"/>
-              </a:rPr>
-              <a:t>poly Dict_lookup (Dict_t d, poly key);</a:t>
+              <a:rPr lang="en-US" altLang="zh-CN" sz="2000" b="1" dirty="0">
+                <a:solidFill>
+                  <a:schemeClr val="folHlink"/>
+                </a:solidFill>
+                <a:latin typeface="Courier New" panose="02070309020205020404" pitchFamily="49" charset="0"/>
+              </a:rPr>
+              <a:t>poly </a:t>
+            </a:r>
+            <a:r>
+              <a:rPr lang="en-US" altLang="zh-CN" sz="2000" b="1" dirty="0" err="1">
+                <a:solidFill>
+                  <a:schemeClr val="folHlink"/>
+                </a:solidFill>
+                <a:latin typeface="Courier New" panose="02070309020205020404" pitchFamily="49" charset="0"/>
+              </a:rPr>
+              <a:t>Dict_lookup</a:t>
+            </a:r>
+            <a:r>
+              <a:rPr lang="en-US" altLang="zh-CN" sz="2000" b="1" dirty="0">
+                <a:solidFill>
+                  <a:schemeClr val="folHlink"/>
+                </a:solidFill>
+                <a:latin typeface="Courier New" panose="02070309020205020404" pitchFamily="49" charset="0"/>
+              </a:rPr>
+              <a:t>(</a:t>
+            </a:r>
+            <a:r>
+              <a:rPr lang="en-US" altLang="zh-CN" sz="2000" b="1" dirty="0" err="1">
+                <a:solidFill>
+                  <a:schemeClr val="folHlink"/>
+                </a:solidFill>
+                <a:latin typeface="Courier New" panose="02070309020205020404" pitchFamily="49" charset="0"/>
+              </a:rPr>
+              <a:t>Dict_t</a:t>
+            </a:r>
+            <a:r>
+              <a:rPr lang="en-US" altLang="zh-CN" sz="2000" b="1" dirty="0">
+                <a:solidFill>
+                  <a:schemeClr val="folHlink"/>
+                </a:solidFill>
+                <a:latin typeface="Courier New" panose="02070309020205020404" pitchFamily="49" charset="0"/>
+              </a:rPr>
+              <a:t> d, poly key);</a:t>
             </a:r>
           </a:p>
           <a:p>
@@ -22859,13 +24780,49 @@
               <a:buNone/>
             </a:pPr>
             <a:r>
-              <a:rPr lang="en-US" altLang="zh-CN" sz="2000" b="1">
-                <a:solidFill>
-                  <a:schemeClr val="folHlink"/>
-                </a:solidFill>
-                <a:latin typeface="Courier New" panose="02070309020205020404" pitchFamily="49" charset="0"/>
-              </a:rPr>
-              <a:t>poly Dict_delete (Dict_t d, poly key);</a:t>
+              <a:rPr lang="en-US" altLang="zh-CN" sz="2000" b="1" dirty="0">
+                <a:solidFill>
+                  <a:schemeClr val="folHlink"/>
+                </a:solidFill>
+                <a:latin typeface="Courier New" panose="02070309020205020404" pitchFamily="49" charset="0"/>
+              </a:rPr>
+              <a:t>poly </a:t>
+            </a:r>
+            <a:r>
+              <a:rPr lang="en-US" altLang="zh-CN" sz="2000" b="1" dirty="0" err="1">
+                <a:solidFill>
+                  <a:schemeClr val="folHlink"/>
+                </a:solidFill>
+                <a:latin typeface="Courier New" panose="02070309020205020404" pitchFamily="49" charset="0"/>
+              </a:rPr>
+              <a:t>Dict_delete</a:t>
+            </a:r>
+            <a:r>
+              <a:rPr lang="en-US" altLang="zh-CN" sz="2000" b="1" dirty="0">
+                <a:solidFill>
+                  <a:schemeClr val="folHlink"/>
+                </a:solidFill>
+                <a:latin typeface="Courier New" panose="02070309020205020404" pitchFamily="49" charset="0"/>
+              </a:rPr>
+              <a:t>(</a:t>
+            </a:r>
+            <a:r>
+              <a:rPr lang="en-US" altLang="zh-CN" sz="2000" b="1" dirty="0" err="1">
+                <a:solidFill>
+                  <a:schemeClr val="folHlink"/>
+                </a:solidFill>
+                <a:latin typeface="Courier New" panose="02070309020205020404" pitchFamily="49" charset="0"/>
+              </a:rPr>
+              <a:t>Dict_t</a:t>
+            </a:r>
+            <a:r>
+              <a:rPr lang="en-US" altLang="zh-CN" sz="2000" b="1" dirty="0">
+                <a:solidFill>
+                  <a:schemeClr val="folHlink"/>
+                </a:solidFill>
+                <a:latin typeface="Courier New" panose="02070309020205020404" pitchFamily="49" charset="0"/>
+              </a:rPr>
+              <a:t> d, poly key);</a:t>
             </a:r>
           </a:p>
           <a:p>
@@ -22876,7 +24833,7 @@
               <a:buFont typeface="Wingdings" pitchFamily="2" charset="2"/>
               <a:buNone/>
             </a:pPr>
-            <a:endParaRPr lang="en-US" altLang="zh-CN" sz="2000" b="1">
+            <a:endParaRPr lang="en-US" altLang="zh-CN" sz="2000" b="1" dirty="0">
               <a:solidFill>
                 <a:schemeClr val="folHlink"/>
               </a:solidFill>
@@ -22892,7 +24849,7 @@
               <a:buNone/>
             </a:pPr>
             <a:r>
-              <a:rPr lang="en-US" altLang="zh-CN" sz="2000" b="1">
+              <a:rPr lang="en-US" altLang="zh-CN" sz="2000" b="1" dirty="0">
                 <a:solidFill>
                   <a:schemeClr val="folHlink"/>
                 </a:solidFill>
@@ -22998,10 +24955,22 @@
               <a:buNone/>
             </a:pPr>
             <a:r>
-              <a:rPr lang="en-US" altLang="zh-CN" sz="2000" b="1">
-                <a:latin typeface="Courier New" panose="02070309020205020404" pitchFamily="49" charset="0"/>
-              </a:rPr>
-              <a:t>// in file “dict.c”</a:t>
+              <a:rPr lang="en-US" altLang="zh-CN" sz="2000" b="1" dirty="0">
+                <a:latin typeface="Courier New" panose="02070309020205020404" pitchFamily="49" charset="0"/>
+              </a:rPr>
+              <a:t>// in file “</a:t>
+            </a:r>
+            <a:r>
+              <a:rPr lang="en-US" altLang="zh-CN" sz="2000" b="1" dirty="0" err="1">
+                <a:latin typeface="Courier New" panose="02070309020205020404" pitchFamily="49" charset="0"/>
+              </a:rPr>
+              <a:t>dict.c</a:t>
+            </a:r>
+            <a:r>
+              <a:rPr lang="en-US" altLang="zh-CN" sz="2000" b="1" dirty="0">
+                <a:latin typeface="Courier New" panose="02070309020205020404" pitchFamily="49" charset="0"/>
+              </a:rPr>
+              <a:t>”</a:t>
             </a:r>
           </a:p>
           <a:p>
@@ -23010,13 +24979,31 @@
               <a:buNone/>
             </a:pPr>
             <a:r>
-              <a:rPr lang="en-US" altLang="zh-CN" sz="2000" b="1">
-                <a:solidFill>
-                  <a:schemeClr val="folHlink"/>
-                </a:solidFill>
-                <a:latin typeface="Courier New" panose="02070309020205020404" pitchFamily="49" charset="0"/>
-              </a:rPr>
-              <a:t>#include “linkedList.h”</a:t>
+              <a:rPr lang="en-US" altLang="zh-CN" sz="2000" b="1" dirty="0">
+                <a:solidFill>
+                  <a:schemeClr val="folHlink"/>
+                </a:solidFill>
+                <a:latin typeface="Courier New" panose="02070309020205020404" pitchFamily="49" charset="0"/>
+              </a:rPr>
+              <a:t>#include “</a:t>
+            </a:r>
+            <a:r>
+              <a:rPr lang="en-US" altLang="zh-CN" sz="2000" b="1" dirty="0" err="1">
+                <a:solidFill>
+                  <a:schemeClr val="folHlink"/>
+                </a:solidFill>
+                <a:latin typeface="Courier New" panose="02070309020205020404" pitchFamily="49" charset="0"/>
+              </a:rPr>
+              <a:t>linkedList.h</a:t>
+            </a:r>
+            <a:r>
+              <a:rPr lang="en-US" altLang="zh-CN" sz="2000" b="1" dirty="0">
+                <a:solidFill>
+                  <a:schemeClr val="folHlink"/>
+                </a:solidFill>
+                <a:latin typeface="Courier New" panose="02070309020205020404" pitchFamily="49" charset="0"/>
+              </a:rPr>
+              <a:t>”</a:t>
             </a:r>
           </a:p>
           <a:p>
@@ -23025,13 +25012,31 @@
               <a:buNone/>
             </a:pPr>
             <a:r>
-              <a:rPr lang="en-US" altLang="zh-CN" sz="2000" b="1">
-                <a:solidFill>
-                  <a:schemeClr val="folHlink"/>
-                </a:solidFill>
-                <a:latin typeface="Courier New" panose="02070309020205020404" pitchFamily="49" charset="0"/>
-              </a:rPr>
-              <a:t>#include “dict.h”</a:t>
+              <a:rPr lang="en-US" altLang="zh-CN" sz="2000" b="1" dirty="0">
+                <a:solidFill>
+                  <a:schemeClr val="folHlink"/>
+                </a:solidFill>
+                <a:latin typeface="Courier New" panose="02070309020205020404" pitchFamily="49" charset="0"/>
+              </a:rPr>
+              <a:t>#include “</a:t>
+            </a:r>
+            <a:r>
+              <a:rPr lang="en-US" altLang="zh-CN" sz="2000" b="1" dirty="0" err="1">
+                <a:solidFill>
+                  <a:schemeClr val="folHlink"/>
+                </a:solidFill>
+                <a:latin typeface="Courier New" panose="02070309020205020404" pitchFamily="49" charset="0"/>
+              </a:rPr>
+              <a:t>dict.h</a:t>
+            </a:r>
+            <a:r>
+              <a:rPr lang="en-US" altLang="zh-CN" sz="2000" b="1" dirty="0">
+                <a:solidFill>
+                  <a:schemeClr val="folHlink"/>
+                </a:solidFill>
+                <a:latin typeface="Courier New" panose="02070309020205020404" pitchFamily="49" charset="0"/>
+              </a:rPr>
+              <a:t>”</a:t>
             </a:r>
           </a:p>
           <a:p>
@@ -23039,7 +25044,7 @@
               <a:buFont typeface="Wingdings" pitchFamily="2" charset="2"/>
               <a:buNone/>
             </a:pPr>
-            <a:endParaRPr lang="en-US" altLang="zh-CN" sz="2000" b="1">
+            <a:endParaRPr lang="en-US" altLang="zh-CN" sz="2000" b="1" dirty="0">
               <a:solidFill>
                 <a:schemeClr val="folHlink"/>
               </a:solidFill>
@@ -23052,13 +25057,31 @@
               <a:buNone/>
             </a:pPr>
             <a:r>
-              <a:rPr lang="en-US" altLang="zh-CN" sz="2000" b="1">
-                <a:solidFill>
-                  <a:schemeClr val="folHlink"/>
-                </a:solidFill>
-                <a:latin typeface="Courier New" panose="02070309020205020404" pitchFamily="49" charset="0"/>
-              </a:rPr>
-              <a:t>struct Dict_t</a:t>
+              <a:rPr lang="en-US" altLang="zh-CN" sz="2000" b="1" dirty="0">
+                <a:solidFill>
+                  <a:schemeClr val="folHlink"/>
+                </a:solidFill>
+                <a:latin typeface="Courier New" panose="02070309020205020404" pitchFamily="49" charset="0"/>
+              </a:rPr>
+              <a:t>struct </a:t>
+            </a:r>
+            <a:r>
+              <a:rPr lang="en-US" altLang="zh-CN" sz="2000" b="1" dirty="0" err="1">
+                <a:solidFill>
+                  <a:schemeClr val="folHlink"/>
+                </a:solidFill>
+                <a:latin typeface="Courier New" panose="02070309020205020404" pitchFamily="49" charset="0"/>
+              </a:rPr>
+              <a:t>Dict_t</a:t>
+            </a:r>
+            <a:r>
+              <a:rPr lang="en-US" altLang="zh-CN" sz="2000" b="1" dirty="0">
+                <a:solidFill>
+                  <a:schemeClr val="folHlink"/>
+                </a:solidFill>
+                <a:latin typeface="Courier New" panose="02070309020205020404" pitchFamily="49" charset="0"/>
+              </a:rPr>
+              <a:t>{</a:t>
             </a:r>
           </a:p>
           <a:p>
@@ -23067,13 +25090,31 @@
               <a:buNone/>
             </a:pPr>
             <a:r>
-              <a:rPr lang="en-US" altLang="zh-CN" sz="2000" b="1">
-                <a:solidFill>
-                  <a:schemeClr val="folHlink"/>
-                </a:solidFill>
-                <a:latin typeface="Courier New" panose="02070309020205020404" pitchFamily="49" charset="0"/>
-              </a:rPr>
-              <a:t>{</a:t>
+              <a:rPr lang="en-US" altLang="zh-CN" sz="2000" b="1" dirty="0">
+                <a:solidFill>
+                  <a:schemeClr val="folHlink"/>
+                </a:solidFill>
+                <a:latin typeface="Courier New" panose="02070309020205020404" pitchFamily="49" charset="0"/>
+              </a:rPr>
+              <a:t>  </a:t>
+            </a:r>
+            <a:r>
+              <a:rPr lang="en-US" altLang="zh-CN" sz="2000" b="1" dirty="0" err="1">
+                <a:solidFill>
+                  <a:schemeClr val="folHlink"/>
+                </a:solidFill>
+                <a:latin typeface="Courier New" panose="02070309020205020404" pitchFamily="49" charset="0"/>
+              </a:rPr>
+              <a:t>List_t</a:t>
+            </a:r>
+            <a:r>
+              <a:rPr lang="en-US" altLang="zh-CN" sz="2000" b="1" dirty="0">
+                <a:solidFill>
+                  <a:schemeClr val="folHlink"/>
+                </a:solidFill>
+                <a:latin typeface="Courier New" panose="02070309020205020404" pitchFamily="49" charset="0"/>
+              </a:rPr>
+              <a:t> l;</a:t>
             </a:r>
           </a:p>
           <a:p>
@@ -23082,22 +25123,7 @@
               <a:buNone/>
             </a:pPr>
             <a:r>
-              <a:rPr lang="en-US" altLang="zh-CN" sz="2000" b="1">
-                <a:solidFill>
-                  <a:schemeClr val="folHlink"/>
-                </a:solidFill>
-                <a:latin typeface="Courier New" panose="02070309020205020404" pitchFamily="49" charset="0"/>
-              </a:rPr>
-              <a:t>  List_t l;</a:t>
-            </a:r>
-          </a:p>
-          <a:p>
-            <a:pPr>
-              <a:buFont typeface="Wingdings" pitchFamily="2" charset="2"/>
-              <a:buNone/>
-            </a:pPr>
-            <a:r>
-              <a:rPr lang="en-US" altLang="zh-CN" sz="2000" b="1">
+              <a:rPr lang="en-US" altLang="zh-CN" sz="2000" b="1" dirty="0">
                 <a:solidFill>
                   <a:schemeClr val="folHlink"/>
                 </a:solidFill>
@@ -23204,13 +25230,40 @@
               <a:buNone/>
             </a:pPr>
             <a:r>
-              <a:rPr lang="en-US" altLang="zh-CN" sz="2000" b="1">
-                <a:solidFill>
-                  <a:schemeClr val="folHlink"/>
-                </a:solidFill>
-                <a:latin typeface="Courier New" panose="02070309020205020404" pitchFamily="49" charset="0"/>
-              </a:rPr>
-              <a:t>Dict_t Dict_new ()</a:t>
+              <a:rPr lang="en-US" altLang="zh-CN" sz="2000" b="1" dirty="0" err="1">
+                <a:solidFill>
+                  <a:schemeClr val="folHlink"/>
+                </a:solidFill>
+                <a:latin typeface="Courier New" panose="02070309020205020404" pitchFamily="49" charset="0"/>
+              </a:rPr>
+              <a:t>Dict_t</a:t>
+            </a:r>
+            <a:r>
+              <a:rPr lang="en-US" altLang="zh-CN" sz="2000" b="1" dirty="0">
+                <a:solidFill>
+                  <a:schemeClr val="folHlink"/>
+                </a:solidFill>
+                <a:latin typeface="Courier New" panose="02070309020205020404" pitchFamily="49" charset="0"/>
+              </a:rPr>
+              <a:t> </a:t>
+            </a:r>
+            <a:r>
+              <a:rPr lang="en-US" altLang="zh-CN" sz="2000" b="1" dirty="0" err="1">
+                <a:solidFill>
+                  <a:schemeClr val="folHlink"/>
+                </a:solidFill>
+                <a:latin typeface="Courier New" panose="02070309020205020404" pitchFamily="49" charset="0"/>
+              </a:rPr>
+              <a:t>Dict_new</a:t>
+            </a:r>
+            <a:r>
+              <a:rPr lang="en-US" altLang="zh-CN" sz="2000" b="1" dirty="0">
+                <a:solidFill>
+                  <a:schemeClr val="folHlink"/>
+                </a:solidFill>
+                <a:latin typeface="Courier New" panose="02070309020205020404" pitchFamily="49" charset="0"/>
+              </a:rPr>
+              <a:t>(){</a:t>
             </a:r>
           </a:p>
           <a:p>
@@ -23219,13 +25272,49 @@
               <a:buNone/>
             </a:pPr>
             <a:r>
-              <a:rPr lang="en-US" altLang="zh-CN" sz="2000" b="1">
-                <a:solidFill>
-                  <a:schemeClr val="folHlink"/>
-                </a:solidFill>
-                <a:latin typeface="Courier New" panose="02070309020205020404" pitchFamily="49" charset="0"/>
-              </a:rPr>
-              <a:t>{</a:t>
+              <a:rPr lang="en-US" altLang="zh-CN" sz="2000" b="1" dirty="0">
+                <a:solidFill>
+                  <a:schemeClr val="folHlink"/>
+                </a:solidFill>
+                <a:latin typeface="Courier New" panose="02070309020205020404" pitchFamily="49" charset="0"/>
+              </a:rPr>
+              <a:t>  </a:t>
+            </a:r>
+            <a:r>
+              <a:rPr lang="en-US" altLang="zh-CN" sz="2000" b="1" dirty="0" err="1">
+                <a:solidFill>
+                  <a:schemeClr val="folHlink"/>
+                </a:solidFill>
+                <a:latin typeface="Courier New" panose="02070309020205020404" pitchFamily="49" charset="0"/>
+              </a:rPr>
+              <a:t>Dict_t</a:t>
+            </a:r>
+            <a:r>
+              <a:rPr lang="en-US" altLang="zh-CN" sz="2000" b="1" dirty="0">
+                <a:solidFill>
+                  <a:schemeClr val="folHlink"/>
+                </a:solidFill>
+                <a:latin typeface="Courier New" panose="02070309020205020404" pitchFamily="49" charset="0"/>
+              </a:rPr>
+              <a:t> d = malloc(</a:t>
+            </a:r>
+            <a:r>
+              <a:rPr lang="en-US" altLang="zh-CN" sz="2000" b="1" dirty="0" err="1">
+                <a:solidFill>
+                  <a:schemeClr val="folHlink"/>
+                </a:solidFill>
+                <a:latin typeface="Courier New" panose="02070309020205020404" pitchFamily="49" charset="0"/>
+              </a:rPr>
+              <a:t>sizeof</a:t>
+            </a:r>
+            <a:r>
+              <a:rPr lang="en-US" altLang="zh-CN" sz="2000" b="1" dirty="0">
+                <a:solidFill>
+                  <a:schemeClr val="folHlink"/>
+                </a:solidFill>
+                <a:latin typeface="Courier New" panose="02070309020205020404" pitchFamily="49" charset="0"/>
+              </a:rPr>
+              <a:t>(*d));</a:t>
             </a:r>
           </a:p>
           <a:p>
@@ -23234,13 +25323,31 @@
               <a:buNone/>
             </a:pPr>
             <a:r>
-              <a:rPr lang="en-US" altLang="zh-CN" sz="2000" b="1">
-                <a:solidFill>
-                  <a:schemeClr val="folHlink"/>
-                </a:solidFill>
-                <a:latin typeface="Courier New" panose="02070309020205020404" pitchFamily="49" charset="0"/>
-              </a:rPr>
-              <a:t>  Dict_t d = malloc (sizeof (*d));</a:t>
+              <a:rPr lang="en-US" altLang="zh-CN" sz="2000" b="1" dirty="0">
+                <a:solidFill>
+                  <a:schemeClr val="folHlink"/>
+                </a:solidFill>
+                <a:latin typeface="Courier New" panose="02070309020205020404" pitchFamily="49" charset="0"/>
+              </a:rPr>
+              <a:t>  d-&gt;l = </a:t>
+            </a:r>
+            <a:r>
+              <a:rPr lang="en-US" altLang="zh-CN" sz="2000" b="1" dirty="0" err="1">
+                <a:solidFill>
+                  <a:schemeClr val="folHlink"/>
+                </a:solidFill>
+                <a:latin typeface="Courier New" panose="02070309020205020404" pitchFamily="49" charset="0"/>
+              </a:rPr>
+              <a:t>List_new</a:t>
+            </a:r>
+            <a:r>
+              <a:rPr lang="en-US" altLang="zh-CN" sz="2000" b="1" dirty="0">
+                <a:solidFill>
+                  <a:schemeClr val="folHlink"/>
+                </a:solidFill>
+                <a:latin typeface="Courier New" panose="02070309020205020404" pitchFamily="49" charset="0"/>
+              </a:rPr>
+              <a:t>();</a:t>
             </a:r>
           </a:p>
           <a:p>
@@ -23249,13 +25356,13 @@
               <a:buNone/>
             </a:pPr>
             <a:r>
-              <a:rPr lang="en-US" altLang="zh-CN" sz="2000" b="1">
-                <a:solidFill>
-                  <a:schemeClr val="folHlink"/>
-                </a:solidFill>
-                <a:latin typeface="Courier New" panose="02070309020205020404" pitchFamily="49" charset="0"/>
-              </a:rPr>
-              <a:t>  d-&gt;l = List_new ();</a:t>
+              <a:rPr lang="en-US" altLang="zh-CN" sz="2000" b="1" dirty="0">
+                <a:solidFill>
+                  <a:schemeClr val="folHlink"/>
+                </a:solidFill>
+                <a:latin typeface="Courier New" panose="02070309020205020404" pitchFamily="49" charset="0"/>
+              </a:rPr>
+              <a:t>  return d;</a:t>
             </a:r>
           </a:p>
           <a:p>
@@ -23264,22 +25371,7 @@
               <a:buNone/>
             </a:pPr>
             <a:r>
-              <a:rPr lang="en-US" altLang="zh-CN" sz="2000" b="1">
-                <a:solidFill>
-                  <a:schemeClr val="folHlink"/>
-                </a:solidFill>
-                <a:latin typeface="Courier New" panose="02070309020205020404" pitchFamily="49" charset="0"/>
-              </a:rPr>
-              <a:t>  return d;</a:t>
-            </a:r>
-          </a:p>
-          <a:p>
-            <a:pPr>
-              <a:buFont typeface="Wingdings" pitchFamily="2" charset="2"/>
-              <a:buNone/>
-            </a:pPr>
-            <a:r>
-              <a:rPr lang="en-US" altLang="zh-CN" sz="2000" b="1">
+              <a:rPr lang="en-US" altLang="zh-CN" sz="2000" b="1" dirty="0">
                 <a:solidFill>
                   <a:schemeClr val="folHlink"/>
                 </a:solidFill>
@@ -23386,13 +25478,49 @@
               <a:buNone/>
             </a:pPr>
             <a:r>
-              <a:rPr lang="en-US" altLang="zh-CN" sz="2000" b="1">
-                <a:solidFill>
-                  <a:schemeClr val="folHlink"/>
-                </a:solidFill>
-                <a:latin typeface="Courier New" panose="02070309020205020404" pitchFamily="49" charset="0"/>
-              </a:rPr>
-              <a:t>void Dict_insert (Dict_t d, poly key, poly value)</a:t>
+              <a:rPr lang="en-US" altLang="zh-CN" sz="2000" b="1" dirty="0">
+                <a:solidFill>
+                  <a:schemeClr val="folHlink"/>
+                </a:solidFill>
+                <a:latin typeface="Courier New" panose="02070309020205020404" pitchFamily="49" charset="0"/>
+              </a:rPr>
+              <a:t>void </a:t>
+            </a:r>
+            <a:r>
+              <a:rPr lang="en-US" altLang="zh-CN" sz="2000" b="1" dirty="0" err="1">
+                <a:solidFill>
+                  <a:schemeClr val="folHlink"/>
+                </a:solidFill>
+                <a:latin typeface="Courier New" panose="02070309020205020404" pitchFamily="49" charset="0"/>
+              </a:rPr>
+              <a:t>Dict_insert</a:t>
+            </a:r>
+            <a:r>
+              <a:rPr lang="en-US" altLang="zh-CN" sz="2000" b="1" dirty="0">
+                <a:solidFill>
+                  <a:schemeClr val="folHlink"/>
+                </a:solidFill>
+                <a:latin typeface="Courier New" panose="02070309020205020404" pitchFamily="49" charset="0"/>
+              </a:rPr>
+              <a:t>(</a:t>
+            </a:r>
+            <a:r>
+              <a:rPr lang="en-US" altLang="zh-CN" sz="2000" b="1" dirty="0" err="1">
+                <a:solidFill>
+                  <a:schemeClr val="folHlink"/>
+                </a:solidFill>
+                <a:latin typeface="Courier New" panose="02070309020205020404" pitchFamily="49" charset="0"/>
+              </a:rPr>
+              <a:t>Dict_t</a:t>
+            </a:r>
+            <a:r>
+              <a:rPr lang="en-US" altLang="zh-CN" sz="2000" b="1" dirty="0">
+                <a:solidFill>
+                  <a:schemeClr val="folHlink"/>
+                </a:solidFill>
+                <a:latin typeface="Courier New" panose="02070309020205020404" pitchFamily="49" charset="0"/>
+              </a:rPr>
+              <a:t> d, poly key, poly value){</a:t>
             </a:r>
           </a:p>
           <a:p>
@@ -23401,13 +25529,49 @@
               <a:buNone/>
             </a:pPr>
             <a:r>
-              <a:rPr lang="en-US" altLang="zh-CN" sz="2000" b="1">
-                <a:solidFill>
-                  <a:schemeClr val="folHlink"/>
-                </a:solidFill>
-                <a:latin typeface="Courier New" panose="02070309020205020404" pitchFamily="49" charset="0"/>
-              </a:rPr>
-              <a:t>{</a:t>
+              <a:rPr lang="en-US" altLang="zh-CN" sz="2000" b="1" dirty="0">
+                <a:solidFill>
+                  <a:schemeClr val="folHlink"/>
+                </a:solidFill>
+                <a:latin typeface="Courier New" panose="02070309020205020404" pitchFamily="49" charset="0"/>
+              </a:rPr>
+              <a:t>  </a:t>
+            </a:r>
+            <a:r>
+              <a:rPr lang="en-US" altLang="zh-CN" sz="2000" b="1" dirty="0" err="1">
+                <a:solidFill>
+                  <a:schemeClr val="folHlink"/>
+                </a:solidFill>
+                <a:latin typeface="Courier New" panose="02070309020205020404" pitchFamily="49" charset="0"/>
+              </a:rPr>
+              <a:t>Tuple_t</a:t>
+            </a:r>
+            <a:r>
+              <a:rPr lang="en-US" altLang="zh-CN" sz="2000" b="1" dirty="0">
+                <a:solidFill>
+                  <a:schemeClr val="folHlink"/>
+                </a:solidFill>
+                <a:latin typeface="Courier New" panose="02070309020205020404" pitchFamily="49" charset="0"/>
+              </a:rPr>
+              <a:t> t = </a:t>
+            </a:r>
+            <a:r>
+              <a:rPr lang="en-US" altLang="zh-CN" sz="2000" b="1" dirty="0" err="1">
+                <a:solidFill>
+                  <a:schemeClr val="folHlink"/>
+                </a:solidFill>
+                <a:latin typeface="Courier New" panose="02070309020205020404" pitchFamily="49" charset="0"/>
+              </a:rPr>
+              <a:t>Tuple_new</a:t>
+            </a:r>
+            <a:r>
+              <a:rPr lang="en-US" altLang="zh-CN" sz="2000" b="1" dirty="0">
+                <a:solidFill>
+                  <a:schemeClr val="folHlink"/>
+                </a:solidFill>
+                <a:latin typeface="Courier New" panose="02070309020205020404" pitchFamily="49" charset="0"/>
+              </a:rPr>
+              <a:t>(key, value);</a:t>
             </a:r>
           </a:p>
           <a:p>
@@ -23416,13 +25580,49 @@
               <a:buNone/>
             </a:pPr>
             <a:r>
+              <a:rPr lang="en-US" altLang="zh-CN" sz="2000" b="1" dirty="0">
+                <a:solidFill>
+                  <a:schemeClr val="folHlink"/>
+                </a:solidFill>
+                <a:latin typeface="Courier New" panose="02070309020205020404" pitchFamily="49" charset="0"/>
+              </a:rPr>
+              <a:t>  </a:t>
+            </a:r>
+            <a:r>
+              <a:rPr lang="en-US" altLang="zh-CN" sz="2000" b="1" dirty="0" err="1">
+                <a:solidFill>
+                  <a:schemeClr val="folHlink"/>
+                </a:solidFill>
+                <a:latin typeface="Courier New" panose="02070309020205020404" pitchFamily="49" charset="0"/>
+              </a:rPr>
+              <a:t>List</a:t>
+            </a:r>
+            <a:r>
+              <a:rPr lang="en-US" altLang="zh-CN" sz="2000" b="1" err="1">
+                <a:solidFill>
+                  <a:schemeClr val="folHlink"/>
+                </a:solidFill>
+                <a:latin typeface="Courier New" panose="02070309020205020404" pitchFamily="49" charset="0"/>
+              </a:rPr>
+              <a:t>_</a:t>
+            </a:r>
+            <a:r>
               <a:rPr lang="en-US" altLang="zh-CN" sz="2000" b="1">
                 <a:solidFill>
                   <a:schemeClr val="folHlink"/>
                 </a:solidFill>
                 <a:latin typeface="Courier New" panose="02070309020205020404" pitchFamily="49" charset="0"/>
               </a:rPr>
-              <a:t>  Tuple_t t = Tuple_new (key, value);</a:t>
+              <a:t>insertAtHead(</a:t>
+            </a:r>
+            <a:r>
+              <a:rPr lang="en-US" altLang="zh-CN" sz="2000" b="1" dirty="0">
+                <a:solidFill>
+                  <a:schemeClr val="folHlink"/>
+                </a:solidFill>
+                <a:latin typeface="Courier New" panose="02070309020205020404" pitchFamily="49" charset="0"/>
+              </a:rPr>
+              <a:t>d-&gt;l, t);</a:t>
             </a:r>
           </a:p>
           <a:p>
@@ -23431,13 +25631,13 @@
               <a:buNone/>
             </a:pPr>
             <a:r>
-              <a:rPr lang="en-US" altLang="zh-CN" sz="2000" b="1">
-                <a:solidFill>
-                  <a:schemeClr val="folHlink"/>
-                </a:solidFill>
-                <a:latin typeface="Courier New" panose="02070309020205020404" pitchFamily="49" charset="0"/>
-              </a:rPr>
-              <a:t>  List_insertAtHead (d-&gt;l, t);</a:t>
+              <a:rPr lang="en-US" altLang="zh-CN" sz="2000" b="1" dirty="0">
+                <a:solidFill>
+                  <a:schemeClr val="folHlink"/>
+                </a:solidFill>
+                <a:latin typeface="Courier New" panose="02070309020205020404" pitchFamily="49" charset="0"/>
+              </a:rPr>
+              <a:t>  return;</a:t>
             </a:r>
           </a:p>
           <a:p>
@@ -23446,13 +25646,13 @@
               <a:buNone/>
             </a:pPr>
             <a:r>
-              <a:rPr lang="en-US" altLang="zh-CN" sz="2000" b="1">
-                <a:solidFill>
-                  <a:schemeClr val="folHlink"/>
-                </a:solidFill>
-                <a:latin typeface="Courier New" panose="02070309020205020404" pitchFamily="49" charset="0"/>
-              </a:rPr>
-              <a:t>  return;</a:t>
+              <a:rPr lang="en-US" altLang="zh-CN" sz="2000" b="1" dirty="0">
+                <a:solidFill>
+                  <a:schemeClr val="folHlink"/>
+                </a:solidFill>
+                <a:latin typeface="Courier New" panose="02070309020205020404" pitchFamily="49" charset="0"/>
+              </a:rPr>
+              <a:t>}</a:t>
             </a:r>
           </a:p>
           <a:p>
@@ -23460,22 +25660,7 @@
               <a:buFont typeface="Wingdings" pitchFamily="2" charset="2"/>
               <a:buNone/>
             </a:pPr>
-            <a:r>
-              <a:rPr lang="en-US" altLang="zh-CN" sz="2000" b="1">
-                <a:solidFill>
-                  <a:schemeClr val="folHlink"/>
-                </a:solidFill>
-                <a:latin typeface="Courier New" panose="02070309020205020404" pitchFamily="49" charset="0"/>
-              </a:rPr>
-              <a:t>}</a:t>
-            </a:r>
-          </a:p>
-          <a:p>
-            <a:pPr>
-              <a:buFont typeface="Wingdings" pitchFamily="2" charset="2"/>
-              <a:buNone/>
-            </a:pPr>
-            <a:endParaRPr lang="en-US" altLang="zh-CN" sz="2000" b="1">
+            <a:endParaRPr lang="en-US" altLang="zh-CN" sz="2000" b="1" dirty="0">
               <a:solidFill>
                 <a:schemeClr val="folHlink"/>
               </a:solidFill>
@@ -23488,7 +25673,7 @@
               <a:buNone/>
             </a:pPr>
             <a:r>
-              <a:rPr lang="en-US" altLang="zh-CN" sz="2000" b="1">
+              <a:rPr lang="en-US" altLang="zh-CN" sz="2000" b="1" dirty="0">
                 <a:latin typeface="Courier New" panose="02070309020205020404" pitchFamily="49" charset="0"/>
               </a:rPr>
               <a:t>// Leave other functions as programming </a:t>
@@ -23500,7 +25685,7 @@
               <a:buNone/>
             </a:pPr>
             <a:r>
-              <a:rPr lang="en-US" altLang="zh-CN" sz="2000" b="1">
+              <a:rPr lang="en-US" altLang="zh-CN" sz="2000" b="1" dirty="0">
                 <a:latin typeface="Courier New" panose="02070309020205020404" pitchFamily="49" charset="0"/>
               </a:rPr>
               <a:t>// exercises.</a:t>
@@ -24908,7 +27093,7 @@
               <a:buNone/>
             </a:pPr>
             <a:r>
-              <a:rPr lang="en-US" altLang="zh-CN" sz="2000" b="1">
+              <a:rPr lang="en-US" altLang="zh-CN" sz="2000" b="1" dirty="0">
                 <a:latin typeface="Courier New" panose="02070309020205020404" pitchFamily="49" charset="0"/>
               </a:rPr>
               <a:t>// Turn the above figure into C, we have:</a:t>
@@ -24923,10 +27108,22 @@
               <a:buNone/>
             </a:pPr>
             <a:r>
-              <a:rPr lang="en-US" altLang="zh-CN" sz="2000" b="1">
-                <a:latin typeface="Courier New" panose="02070309020205020404" pitchFamily="49" charset="0"/>
-              </a:rPr>
-              <a:t>// in file “linkedList.c”</a:t>
+              <a:rPr lang="en-US" altLang="zh-CN" sz="2000" b="1" dirty="0">
+                <a:latin typeface="Courier New" panose="02070309020205020404" pitchFamily="49" charset="0"/>
+              </a:rPr>
+              <a:t>// in file “</a:t>
+            </a:r>
+            <a:r>
+              <a:rPr lang="en-US" altLang="zh-CN" sz="2000" b="1" dirty="0" err="1">
+                <a:latin typeface="Courier New" panose="02070309020205020404" pitchFamily="49" charset="0"/>
+              </a:rPr>
+              <a:t>linkedList.c</a:t>
+            </a:r>
+            <a:r>
+              <a:rPr lang="en-US" altLang="zh-CN" sz="2000" b="1" dirty="0">
+                <a:latin typeface="Courier New" panose="02070309020205020404" pitchFamily="49" charset="0"/>
+              </a:rPr>
+              <a:t>”</a:t>
             </a:r>
           </a:p>
           <a:p>
@@ -24938,13 +27135,31 @@
               <a:buNone/>
             </a:pPr>
             <a:r>
-              <a:rPr lang="en-US" altLang="zh-CN" sz="2000" b="1">
-                <a:solidFill>
-                  <a:schemeClr val="folHlink"/>
-                </a:solidFill>
-                <a:latin typeface="Courier New" panose="02070309020205020404" pitchFamily="49" charset="0"/>
-              </a:rPr>
-              <a:t>#include &lt;stdlib.h&gt;</a:t>
+              <a:rPr lang="en-US" altLang="zh-CN" sz="2000" b="1" dirty="0">
+                <a:solidFill>
+                  <a:schemeClr val="folHlink"/>
+                </a:solidFill>
+                <a:latin typeface="Courier New" panose="02070309020205020404" pitchFamily="49" charset="0"/>
+              </a:rPr>
+              <a:t>#include &lt;</a:t>
+            </a:r>
+            <a:r>
+              <a:rPr lang="en-US" altLang="zh-CN" sz="2000" b="1" dirty="0" err="1">
+                <a:solidFill>
+                  <a:schemeClr val="folHlink"/>
+                </a:solidFill>
+                <a:latin typeface="Courier New" panose="02070309020205020404" pitchFamily="49" charset="0"/>
+              </a:rPr>
+              <a:t>stdlib.h</a:t>
+            </a:r>
+            <a:r>
+              <a:rPr lang="en-US" altLang="zh-CN" sz="2000" b="1" dirty="0">
+                <a:solidFill>
+                  <a:schemeClr val="folHlink"/>
+                </a:solidFill>
+                <a:latin typeface="Courier New" panose="02070309020205020404" pitchFamily="49" charset="0"/>
+              </a:rPr>
+              <a:t>&gt;</a:t>
             </a:r>
           </a:p>
           <a:p>
@@ -24956,13 +27171,31 @@
               <a:buNone/>
             </a:pPr>
             <a:r>
-              <a:rPr lang="en-US" altLang="zh-CN" sz="2000" b="1">
-                <a:solidFill>
-                  <a:schemeClr val="folHlink"/>
-                </a:solidFill>
-                <a:latin typeface="Courier New" panose="02070309020205020404" pitchFamily="49" charset="0"/>
-              </a:rPr>
-              <a:t>#include “list.h”</a:t>
+              <a:rPr lang="en-US" altLang="zh-CN" sz="2000" b="1" dirty="0">
+                <a:solidFill>
+                  <a:schemeClr val="folHlink"/>
+                </a:solidFill>
+                <a:latin typeface="Courier New" panose="02070309020205020404" pitchFamily="49" charset="0"/>
+              </a:rPr>
+              <a:t>#include “</a:t>
+            </a:r>
+            <a:r>
+              <a:rPr lang="en-US" altLang="zh-CN" sz="2000" b="1" dirty="0" err="1">
+                <a:solidFill>
+                  <a:schemeClr val="folHlink"/>
+                </a:solidFill>
+                <a:latin typeface="Courier New" panose="02070309020205020404" pitchFamily="49" charset="0"/>
+              </a:rPr>
+              <a:t>list.h</a:t>
+            </a:r>
+            <a:r>
+              <a:rPr lang="en-US" altLang="zh-CN" sz="2000" b="1" dirty="0">
+                <a:solidFill>
+                  <a:schemeClr val="folHlink"/>
+                </a:solidFill>
+                <a:latin typeface="Courier New" panose="02070309020205020404" pitchFamily="49" charset="0"/>
+              </a:rPr>
+              <a:t>”</a:t>
             </a:r>
           </a:p>
           <a:p>
@@ -24973,15 +27206,12 @@
               <a:buFont typeface="Wingdings" pitchFamily="2" charset="2"/>
               <a:buNone/>
             </a:pPr>
-            <a:r>
-              <a:rPr lang="en-US" altLang="zh-CN" sz="2000" b="1">
-                <a:solidFill>
-                  <a:schemeClr val="folHlink"/>
-                </a:solidFill>
-                <a:latin typeface="Courier New" panose="02070309020205020404" pitchFamily="49" charset="0"/>
-              </a:rPr>
-              <a:t>struct List_t</a:t>
-            </a:r>
+            <a:endParaRPr lang="en-US" altLang="zh-CN" sz="2000" b="1" dirty="0">
+              <a:solidFill>
+                <a:schemeClr val="folHlink"/>
+              </a:solidFill>
+              <a:latin typeface="Courier New" panose="02070309020205020404" pitchFamily="49" charset="0"/>
+            </a:endParaRPr>
           </a:p>
           <a:p>
             <a:pPr>
@@ -24992,7 +27222,25 @@
               <a:buNone/>
             </a:pPr>
             <a:r>
-              <a:rPr lang="en-US" altLang="zh-CN" sz="2000" b="1">
+              <a:rPr lang="en-US" altLang="zh-CN" sz="2000" b="1" dirty="0">
+                <a:solidFill>
+                  <a:schemeClr val="folHlink"/>
+                </a:solidFill>
+                <a:latin typeface="Courier New" panose="02070309020205020404" pitchFamily="49" charset="0"/>
+              </a:rPr>
+              <a:t>struct </a:t>
+            </a:r>
+            <a:r>
+              <a:rPr lang="en-US" altLang="zh-CN" sz="2000" b="1" dirty="0" err="1">
+                <a:solidFill>
+                  <a:schemeClr val="folHlink"/>
+                </a:solidFill>
+                <a:latin typeface="Courier New" panose="02070309020205020404" pitchFamily="49" charset="0"/>
+              </a:rPr>
+              <a:t>List_t</a:t>
+            </a:r>
+            <a:r>
+              <a:rPr lang="en-US" altLang="zh-CN" sz="2000" b="1" dirty="0">
                 <a:solidFill>
                   <a:schemeClr val="folHlink"/>
                 </a:solidFill>
@@ -25010,7 +27258,7 @@
               <a:buNone/>
             </a:pPr>
             <a:r>
-              <a:rPr lang="en-US" altLang="zh-CN" sz="2000" b="1">
+              <a:rPr lang="en-US" altLang="zh-CN" sz="2000" b="1" dirty="0">
                 <a:solidFill>
                   <a:schemeClr val="folHlink"/>
                 </a:solidFill>
@@ -25028,7 +27276,7 @@
               <a:buNone/>
             </a:pPr>
             <a:r>
-              <a:rPr lang="en-US" altLang="zh-CN" sz="2000" b="1">
+              <a:rPr lang="en-US" altLang="zh-CN" sz="2000" b="1" dirty="0">
                 <a:solidFill>
                   <a:schemeClr val="folHlink"/>
                 </a:solidFill>
@@ -25046,7 +27294,7 @@
               <a:buNone/>
             </a:pPr>
             <a:r>
-              <a:rPr lang="en-US" altLang="zh-CN" sz="2000" b="1">
+              <a:rPr lang="en-US" altLang="zh-CN" sz="2000" b="1" dirty="0">
                 <a:solidFill>
                   <a:schemeClr val="folHlink"/>
                 </a:solidFill>
@@ -25063,7 +27311,7 @@
               <a:buFont typeface="Wingdings" pitchFamily="2" charset="2"/>
               <a:buNone/>
             </a:pPr>
-            <a:endParaRPr lang="en-US" altLang="zh-CN" sz="2000" b="1">
+            <a:endParaRPr lang="en-US" altLang="zh-CN" sz="2000" b="1" dirty="0">
               <a:latin typeface="Courier New" panose="02070309020205020404" pitchFamily="49" charset="0"/>
             </a:endParaRPr>
           </a:p>
@@ -26235,7 +28483,7 @@
               <a:buNone/>
             </a:pPr>
             <a:r>
-              <a:rPr lang="en-US" altLang="zh-CN" sz="2000" b="1">
+              <a:rPr lang="en-US" altLang="zh-CN" sz="2000" b="1" dirty="0">
                 <a:latin typeface="Courier New" panose="02070309020205020404" pitchFamily="49" charset="0"/>
               </a:rPr>
               <a:t>// “new” returns an empty list, which consists of</a:t>
@@ -26250,7 +28498,7 @@
               <a:buNone/>
             </a:pPr>
             <a:r>
-              <a:rPr lang="en-US" altLang="zh-CN" sz="2000" b="1">
+              <a:rPr lang="en-US" altLang="zh-CN" sz="2000" b="1" dirty="0">
                 <a:latin typeface="Courier New" panose="02070309020205020404" pitchFamily="49" charset="0"/>
               </a:rPr>
               <a:t>// a single head node.</a:t>
@@ -26265,13 +28513,40 @@
               <a:buNone/>
             </a:pPr>
             <a:r>
-              <a:rPr lang="en-US" altLang="zh-CN" sz="2000" b="1">
-                <a:solidFill>
-                  <a:schemeClr val="folHlink"/>
-                </a:solidFill>
-                <a:latin typeface="Courier New" panose="02070309020205020404" pitchFamily="49" charset="0"/>
-              </a:rPr>
-              <a:t>List_t List_new ()</a:t>
+              <a:rPr lang="en-US" altLang="zh-CN" sz="2000" b="1" dirty="0" err="1">
+                <a:solidFill>
+                  <a:schemeClr val="folHlink"/>
+                </a:solidFill>
+                <a:latin typeface="Courier New" panose="02070309020205020404" pitchFamily="49" charset="0"/>
+              </a:rPr>
+              <a:t>List_t</a:t>
+            </a:r>
+            <a:r>
+              <a:rPr lang="en-US" altLang="zh-CN" sz="2000" b="1" dirty="0">
+                <a:solidFill>
+                  <a:schemeClr val="folHlink"/>
+                </a:solidFill>
+                <a:latin typeface="Courier New" panose="02070309020205020404" pitchFamily="49" charset="0"/>
+              </a:rPr>
+              <a:t> </a:t>
+            </a:r>
+            <a:r>
+              <a:rPr lang="en-US" altLang="zh-CN" sz="2000" b="1" dirty="0" err="1">
+                <a:solidFill>
+                  <a:schemeClr val="folHlink"/>
+                </a:solidFill>
+                <a:latin typeface="Courier New" panose="02070309020205020404" pitchFamily="49" charset="0"/>
+              </a:rPr>
+              <a:t>List_new</a:t>
+            </a:r>
+            <a:r>
+              <a:rPr lang="en-US" altLang="zh-CN" sz="2000" b="1" dirty="0">
+                <a:solidFill>
+                  <a:schemeClr val="folHlink"/>
+                </a:solidFill>
+                <a:latin typeface="Courier New" panose="02070309020205020404" pitchFamily="49" charset="0"/>
+              </a:rPr>
+              <a:t>(){</a:t>
             </a:r>
           </a:p>
           <a:p>
@@ -26283,13 +28558,49 @@
               <a:buNone/>
             </a:pPr>
             <a:r>
-              <a:rPr lang="en-US" altLang="zh-CN" sz="2000" b="1">
-                <a:solidFill>
-                  <a:schemeClr val="folHlink"/>
-                </a:solidFill>
-                <a:latin typeface="Courier New" panose="02070309020205020404" pitchFamily="49" charset="0"/>
-              </a:rPr>
-              <a:t>{</a:t>
+              <a:rPr lang="en-US" altLang="zh-CN" sz="2000" b="1" dirty="0">
+                <a:solidFill>
+                  <a:schemeClr val="folHlink"/>
+                </a:solidFill>
+                <a:latin typeface="Courier New" panose="02070309020205020404" pitchFamily="49" charset="0"/>
+              </a:rPr>
+              <a:t>  </a:t>
+            </a:r>
+            <a:r>
+              <a:rPr lang="en-US" altLang="zh-CN" sz="2000" b="1" dirty="0" err="1">
+                <a:solidFill>
+                  <a:schemeClr val="folHlink"/>
+                </a:solidFill>
+                <a:latin typeface="Courier New" panose="02070309020205020404" pitchFamily="49" charset="0"/>
+              </a:rPr>
+              <a:t>List_t</a:t>
+            </a:r>
+            <a:r>
+              <a:rPr lang="en-US" altLang="zh-CN" sz="2000" b="1" dirty="0">
+                <a:solidFill>
+                  <a:schemeClr val="folHlink"/>
+                </a:solidFill>
+                <a:latin typeface="Courier New" panose="02070309020205020404" pitchFamily="49" charset="0"/>
+              </a:rPr>
+              <a:t> l = malloc(</a:t>
+            </a:r>
+            <a:r>
+              <a:rPr lang="en-US" altLang="zh-CN" sz="2000" b="1" dirty="0" err="1">
+                <a:solidFill>
+                  <a:schemeClr val="folHlink"/>
+                </a:solidFill>
+                <a:latin typeface="Courier New" panose="02070309020205020404" pitchFamily="49" charset="0"/>
+              </a:rPr>
+              <a:t>sizeof</a:t>
+            </a:r>
+            <a:r>
+              <a:rPr lang="en-US" altLang="zh-CN" sz="2000" b="1" dirty="0">
+                <a:solidFill>
+                  <a:schemeClr val="folHlink"/>
+                </a:solidFill>
+                <a:latin typeface="Courier New" panose="02070309020205020404" pitchFamily="49" charset="0"/>
+              </a:rPr>
+              <a:t>(*l));</a:t>
             </a:r>
           </a:p>
           <a:p>
@@ -26301,13 +28612,19 @@
               <a:buNone/>
             </a:pPr>
             <a:r>
-              <a:rPr lang="en-US" altLang="zh-CN" sz="2000" b="1">
-                <a:solidFill>
-                  <a:schemeClr val="folHlink"/>
-                </a:solidFill>
-                <a:latin typeface="Courier New" panose="02070309020205020404" pitchFamily="49" charset="0"/>
-              </a:rPr>
-              <a:t>  List_t l = malloc (sizeof (*l));</a:t>
+              <a:rPr lang="en-US" altLang="zh-CN" sz="2000" b="1" dirty="0">
+                <a:solidFill>
+                  <a:schemeClr val="folHlink"/>
+                </a:solidFill>
+                <a:latin typeface="Courier New" panose="02070309020205020404" pitchFamily="49" charset="0"/>
+              </a:rPr>
+              <a:t>  l-&gt;data = 0;   </a:t>
+            </a:r>
+            <a:r>
+              <a:rPr lang="en-US" altLang="zh-CN" sz="2000" b="1" dirty="0">
+                <a:latin typeface="Courier New" panose="02070309020205020404" pitchFamily="49" charset="0"/>
+              </a:rPr>
+              <a:t>// Why this?</a:t>
             </a:r>
           </a:p>
           <a:p>
@@ -26319,19 +28636,13 @@
               <a:buNone/>
             </a:pPr>
             <a:r>
-              <a:rPr lang="en-US" altLang="zh-CN" sz="2000" b="1">
-                <a:solidFill>
-                  <a:schemeClr val="folHlink"/>
-                </a:solidFill>
-                <a:latin typeface="Courier New" panose="02070309020205020404" pitchFamily="49" charset="0"/>
-              </a:rPr>
-              <a:t>  l-&gt;data = 0;   </a:t>
-            </a:r>
-            <a:r>
-              <a:rPr lang="en-US" altLang="zh-CN" sz="2000" b="1">
-                <a:latin typeface="Courier New" panose="02070309020205020404" pitchFamily="49" charset="0"/>
-              </a:rPr>
-              <a:t>// Why this?</a:t>
+              <a:rPr lang="en-US" altLang="zh-CN" sz="2000" b="1" dirty="0">
+                <a:solidFill>
+                  <a:schemeClr val="folHlink"/>
+                </a:solidFill>
+                <a:latin typeface="Courier New" panose="02070309020205020404" pitchFamily="49" charset="0"/>
+              </a:rPr>
+              <a:t>  l-&gt;next = 0;</a:t>
             </a:r>
           </a:p>
           <a:p>
@@ -26343,13 +28654,13 @@
               <a:buNone/>
             </a:pPr>
             <a:r>
-              <a:rPr lang="en-US" altLang="zh-CN" sz="2000" b="1">
-                <a:solidFill>
-                  <a:schemeClr val="folHlink"/>
-                </a:solidFill>
-                <a:latin typeface="Courier New" panose="02070309020205020404" pitchFamily="49" charset="0"/>
-              </a:rPr>
-              <a:t>  l-&gt;next = 0;</a:t>
+              <a:rPr lang="en-US" altLang="zh-CN" sz="2000" b="1" dirty="0">
+                <a:solidFill>
+                  <a:schemeClr val="folHlink"/>
+                </a:solidFill>
+                <a:latin typeface="Courier New" panose="02070309020205020404" pitchFamily="49" charset="0"/>
+              </a:rPr>
+              <a:t>  return l;</a:t>
             </a:r>
           </a:p>
           <a:p>
@@ -26361,13 +28672,13 @@
               <a:buNone/>
             </a:pPr>
             <a:r>
-              <a:rPr lang="en-US" altLang="zh-CN" sz="2000" b="1">
-                <a:solidFill>
-                  <a:schemeClr val="folHlink"/>
-                </a:solidFill>
-                <a:latin typeface="Courier New" panose="02070309020205020404" pitchFamily="49" charset="0"/>
-              </a:rPr>
-              <a:t>  return l;</a:t>
+              <a:rPr lang="en-US" altLang="zh-CN" sz="2000" b="1" dirty="0">
+                <a:solidFill>
+                  <a:schemeClr val="folHlink"/>
+                </a:solidFill>
+                <a:latin typeface="Courier New" panose="02070309020205020404" pitchFamily="49" charset="0"/>
+              </a:rPr>
+              <a:t>}</a:t>
             </a:r>
           </a:p>
           <a:p>
@@ -26378,25 +28689,7 @@
               <a:buFont typeface="Wingdings" pitchFamily="2" charset="2"/>
               <a:buNone/>
             </a:pPr>
-            <a:r>
-              <a:rPr lang="en-US" altLang="zh-CN" sz="2000" b="1">
-                <a:solidFill>
-                  <a:schemeClr val="folHlink"/>
-                </a:solidFill>
-                <a:latin typeface="Courier New" panose="02070309020205020404" pitchFamily="49" charset="0"/>
-              </a:rPr>
-              <a:t>}</a:t>
-            </a:r>
-          </a:p>
-          <a:p>
-            <a:pPr>
-              <a:lnSpc>
-                <a:spcPct val="90000"/>
-              </a:lnSpc>
-              <a:buFont typeface="Wingdings" pitchFamily="2" charset="2"/>
-              <a:buNone/>
-            </a:pPr>
-            <a:endParaRPr lang="en-US" altLang="zh-CN" sz="2000" b="1">
+            <a:endParaRPr lang="en-US" altLang="zh-CN" sz="2000" b="1" dirty="0">
               <a:solidFill>
                 <a:schemeClr val="folHlink"/>
               </a:solidFill>
@@ -26875,13 +29168,49 @@
               <a:buNone/>
             </a:pPr>
             <a:r>
-              <a:rPr lang="en-US" altLang="zh-CN" sz="2000" b="1">
-                <a:solidFill>
-                  <a:schemeClr val="folHlink"/>
-                </a:solidFill>
-                <a:latin typeface="Courier New" panose="02070309020205020404" pitchFamily="49" charset="0"/>
-              </a:rPr>
-              <a:t>int List_length (List_t l)</a:t>
+              <a:rPr lang="en-US" altLang="zh-CN" sz="2000" b="1" dirty="0">
+                <a:solidFill>
+                  <a:schemeClr val="folHlink"/>
+                </a:solidFill>
+                <a:latin typeface="Courier New" panose="02070309020205020404" pitchFamily="49" charset="0"/>
+              </a:rPr>
+              <a:t>int </a:t>
+            </a:r>
+            <a:r>
+              <a:rPr lang="en-US" altLang="zh-CN" sz="2000" b="1" dirty="0" err="1">
+                <a:solidFill>
+                  <a:schemeClr val="folHlink"/>
+                </a:solidFill>
+                <a:latin typeface="Courier New" panose="02070309020205020404" pitchFamily="49" charset="0"/>
+              </a:rPr>
+              <a:t>List_length</a:t>
+            </a:r>
+            <a:r>
+              <a:rPr lang="en-US" altLang="zh-CN" sz="2000" b="1" dirty="0">
+                <a:solidFill>
+                  <a:schemeClr val="folHlink"/>
+                </a:solidFill>
+                <a:latin typeface="Courier New" panose="02070309020205020404" pitchFamily="49" charset="0"/>
+              </a:rPr>
+              <a:t>(</a:t>
+            </a:r>
+            <a:r>
+              <a:rPr lang="en-US" altLang="zh-CN" sz="2000" b="1" dirty="0" err="1">
+                <a:solidFill>
+                  <a:schemeClr val="folHlink"/>
+                </a:solidFill>
+                <a:latin typeface="Courier New" panose="02070309020205020404" pitchFamily="49" charset="0"/>
+              </a:rPr>
+              <a:t>List_t</a:t>
+            </a:r>
+            <a:r>
+              <a:rPr lang="en-US" altLang="zh-CN" sz="2000" b="1" dirty="0">
+                <a:solidFill>
+                  <a:schemeClr val="folHlink"/>
+                </a:solidFill>
+                <a:latin typeface="Courier New" panose="02070309020205020404" pitchFamily="49" charset="0"/>
+              </a:rPr>
+              <a:t> l){</a:t>
             </a:r>
           </a:p>
           <a:p>
@@ -26893,13 +29222,31 @@
               <a:buNone/>
             </a:pPr>
             <a:r>
-              <a:rPr lang="en-US" altLang="zh-CN" sz="2000" b="1">
-                <a:solidFill>
-                  <a:schemeClr val="folHlink"/>
-                </a:solidFill>
-                <a:latin typeface="Courier New" panose="02070309020205020404" pitchFamily="49" charset="0"/>
-              </a:rPr>
-              <a:t>{</a:t>
+              <a:rPr lang="en-US" altLang="zh-CN" sz="2000" b="1" dirty="0">
+                <a:solidFill>
+                  <a:schemeClr val="folHlink"/>
+                </a:solidFill>
+                <a:latin typeface="Courier New" panose="02070309020205020404" pitchFamily="49" charset="0"/>
+              </a:rPr>
+              <a:t>  </a:t>
+            </a:r>
+            <a:r>
+              <a:rPr lang="en-US" altLang="zh-CN" sz="2000" b="1" dirty="0" err="1">
+                <a:solidFill>
+                  <a:schemeClr val="folHlink"/>
+                </a:solidFill>
+                <a:latin typeface="Courier New" panose="02070309020205020404" pitchFamily="49" charset="0"/>
+              </a:rPr>
+              <a:t>List_t</a:t>
+            </a:r>
+            <a:r>
+              <a:rPr lang="en-US" altLang="zh-CN" sz="2000" b="1" dirty="0">
+                <a:solidFill>
+                  <a:schemeClr val="folHlink"/>
+                </a:solidFill>
+                <a:latin typeface="Courier New" panose="02070309020205020404" pitchFamily="49" charset="0"/>
+              </a:rPr>
+              <a:t> p = l-&gt;next;</a:t>
             </a:r>
           </a:p>
           <a:p>
@@ -26911,13 +29258,13 @@
               <a:buNone/>
             </a:pPr>
             <a:r>
-              <a:rPr lang="en-US" altLang="zh-CN" sz="2000" b="1">
-                <a:solidFill>
-                  <a:schemeClr val="folHlink"/>
-                </a:solidFill>
-                <a:latin typeface="Courier New" panose="02070309020205020404" pitchFamily="49" charset="0"/>
-              </a:rPr>
-              <a:t>  List_t p = l-&gt;next;</a:t>
+              <a:rPr lang="en-US" altLang="zh-CN" sz="2000" b="1" dirty="0">
+                <a:solidFill>
+                  <a:schemeClr val="folHlink"/>
+                </a:solidFill>
+                <a:latin typeface="Courier New" panose="02070309020205020404" pitchFamily="49" charset="0"/>
+              </a:rPr>
+              <a:t>  int n = 0;</a:t>
             </a:r>
           </a:p>
           <a:p>
@@ -26929,13 +29276,13 @@
               <a:buNone/>
             </a:pPr>
             <a:r>
-              <a:rPr lang="en-US" altLang="zh-CN" sz="2000" b="1">
-                <a:solidFill>
-                  <a:schemeClr val="folHlink"/>
-                </a:solidFill>
-                <a:latin typeface="Courier New" panose="02070309020205020404" pitchFamily="49" charset="0"/>
-              </a:rPr>
-              <a:t>  int n = 0;</a:t>
+              <a:rPr lang="en-US" altLang="zh-CN" sz="2000" b="1" dirty="0">
+                <a:solidFill>
+                  <a:schemeClr val="folHlink"/>
+                </a:solidFill>
+                <a:latin typeface="Courier New" panose="02070309020205020404" pitchFamily="49" charset="0"/>
+              </a:rPr>
+              <a:t>  while(p){</a:t>
             </a:r>
           </a:p>
           <a:p>
@@ -26947,13 +29294,13 @@
               <a:buNone/>
             </a:pPr>
             <a:r>
-              <a:rPr lang="en-US" altLang="zh-CN" sz="2000" b="1">
-                <a:solidFill>
-                  <a:schemeClr val="folHlink"/>
-                </a:solidFill>
-                <a:latin typeface="Courier New" panose="02070309020205020404" pitchFamily="49" charset="0"/>
-              </a:rPr>
-              <a:t>  while (p) {</a:t>
+              <a:rPr lang="en-US" altLang="zh-CN" sz="2000" b="1" dirty="0">
+                <a:solidFill>
+                  <a:schemeClr val="folHlink"/>
+                </a:solidFill>
+                <a:latin typeface="Courier New" panose="02070309020205020404" pitchFamily="49" charset="0"/>
+              </a:rPr>
+              <a:t>    p = p-&gt;next;</a:t>
             </a:r>
           </a:p>
           <a:p>
@@ -26965,13 +29312,13 @@
               <a:buNone/>
             </a:pPr>
             <a:r>
-              <a:rPr lang="en-US" altLang="zh-CN" sz="2000" b="1">
-                <a:solidFill>
-                  <a:schemeClr val="folHlink"/>
-                </a:solidFill>
-                <a:latin typeface="Courier New" panose="02070309020205020404" pitchFamily="49" charset="0"/>
-              </a:rPr>
-              <a:t>    p = p-&gt;next;</a:t>
+              <a:rPr lang="en-US" altLang="zh-CN" sz="2000" b="1" dirty="0">
+                <a:solidFill>
+                  <a:schemeClr val="folHlink"/>
+                </a:solidFill>
+                <a:latin typeface="Courier New" panose="02070309020205020404" pitchFamily="49" charset="0"/>
+              </a:rPr>
+              <a:t>    n++;</a:t>
             </a:r>
           </a:p>
           <a:p>
@@ -26983,13 +29330,13 @@
               <a:buNone/>
             </a:pPr>
             <a:r>
-              <a:rPr lang="en-US" altLang="zh-CN" sz="2000" b="1">
-                <a:solidFill>
-                  <a:schemeClr val="folHlink"/>
-                </a:solidFill>
-                <a:latin typeface="Courier New" panose="02070309020205020404" pitchFamily="49" charset="0"/>
-              </a:rPr>
-              <a:t>    n++;</a:t>
+              <a:rPr lang="en-US" altLang="zh-CN" sz="2000" b="1" dirty="0">
+                <a:solidFill>
+                  <a:schemeClr val="folHlink"/>
+                </a:solidFill>
+                <a:latin typeface="Courier New" panose="02070309020205020404" pitchFamily="49" charset="0"/>
+              </a:rPr>
+              <a:t>  }</a:t>
             </a:r>
           </a:p>
           <a:p>
@@ -27001,13 +29348,13 @@
               <a:buNone/>
             </a:pPr>
             <a:r>
-              <a:rPr lang="en-US" altLang="zh-CN" sz="2000" b="1">
-                <a:solidFill>
-                  <a:schemeClr val="folHlink"/>
-                </a:solidFill>
-                <a:latin typeface="Courier New" panose="02070309020205020404" pitchFamily="49" charset="0"/>
-              </a:rPr>
-              <a:t>  }</a:t>
+              <a:rPr lang="en-US" altLang="zh-CN" sz="2000" b="1" dirty="0">
+                <a:solidFill>
+                  <a:schemeClr val="folHlink"/>
+                </a:solidFill>
+                <a:latin typeface="Courier New" panose="02070309020205020404" pitchFamily="49" charset="0"/>
+              </a:rPr>
+              <a:t>  return n;</a:t>
             </a:r>
           </a:p>
           <a:p>
@@ -27019,13 +29366,13 @@
               <a:buNone/>
             </a:pPr>
             <a:r>
-              <a:rPr lang="en-US" altLang="zh-CN" sz="2000" b="1">
-                <a:solidFill>
-                  <a:schemeClr val="folHlink"/>
-                </a:solidFill>
-                <a:latin typeface="Courier New" panose="02070309020205020404" pitchFamily="49" charset="0"/>
-              </a:rPr>
-              <a:t>  return n;</a:t>
+              <a:rPr lang="en-US" altLang="zh-CN" sz="2000" b="1" dirty="0">
+                <a:solidFill>
+                  <a:schemeClr val="folHlink"/>
+                </a:solidFill>
+                <a:latin typeface="Courier New" panose="02070309020205020404" pitchFamily="49" charset="0"/>
+              </a:rPr>
+              <a:t>}</a:t>
             </a:r>
           </a:p>
           <a:p>
@@ -27036,25 +29383,7 @@
               <a:buFont typeface="Wingdings" pitchFamily="2" charset="2"/>
               <a:buNone/>
             </a:pPr>
-            <a:r>
-              <a:rPr lang="en-US" altLang="zh-CN" sz="2000" b="1">
-                <a:solidFill>
-                  <a:schemeClr val="folHlink"/>
-                </a:solidFill>
-                <a:latin typeface="Courier New" panose="02070309020205020404" pitchFamily="49" charset="0"/>
-              </a:rPr>
-              <a:t>}</a:t>
-            </a:r>
-          </a:p>
-          <a:p>
-            <a:pPr>
-              <a:lnSpc>
-                <a:spcPct val="90000"/>
-              </a:lnSpc>
-              <a:buFont typeface="Wingdings" pitchFamily="2" charset="2"/>
-              <a:buNone/>
-            </a:pPr>
-            <a:endParaRPr lang="en-US" altLang="zh-CN" sz="2000" b="1">
+            <a:endParaRPr lang="en-US" altLang="zh-CN" sz="2000" b="1" dirty="0">
               <a:solidFill>
                 <a:schemeClr val="folHlink"/>
               </a:solidFill>
@@ -28477,13 +30806,49 @@
               <a:buNone/>
             </a:pPr>
             <a:r>
-              <a:rPr lang="en-US" altLang="zh-CN" sz="2000" b="1">
-                <a:solidFill>
-                  <a:schemeClr val="folHlink"/>
-                </a:solidFill>
-                <a:latin typeface="Courier New" panose="02070309020205020404" pitchFamily="49" charset="0"/>
-              </a:rPr>
-              <a:t>int List_length (List_t l)</a:t>
+              <a:rPr lang="en-US" altLang="zh-CN" sz="2000" b="1" dirty="0">
+                <a:solidFill>
+                  <a:schemeClr val="folHlink"/>
+                </a:solidFill>
+                <a:latin typeface="Courier New" panose="02070309020205020404" pitchFamily="49" charset="0"/>
+              </a:rPr>
+              <a:t>int </a:t>
+            </a:r>
+            <a:r>
+              <a:rPr lang="en-US" altLang="zh-CN" sz="2000" b="1" dirty="0" err="1">
+                <a:solidFill>
+                  <a:schemeClr val="folHlink"/>
+                </a:solidFill>
+                <a:latin typeface="Courier New" panose="02070309020205020404" pitchFamily="49" charset="0"/>
+              </a:rPr>
+              <a:t>List_length</a:t>
+            </a:r>
+            <a:r>
+              <a:rPr lang="en-US" altLang="zh-CN" sz="2000" b="1" dirty="0">
+                <a:solidFill>
+                  <a:schemeClr val="folHlink"/>
+                </a:solidFill>
+                <a:latin typeface="Courier New" panose="02070309020205020404" pitchFamily="49" charset="0"/>
+              </a:rPr>
+              <a:t>(</a:t>
+            </a:r>
+            <a:r>
+              <a:rPr lang="en-US" altLang="zh-CN" sz="2000" b="1" dirty="0" err="1">
+                <a:solidFill>
+                  <a:schemeClr val="folHlink"/>
+                </a:solidFill>
+                <a:latin typeface="Courier New" panose="02070309020205020404" pitchFamily="49" charset="0"/>
+              </a:rPr>
+              <a:t>List_t</a:t>
+            </a:r>
+            <a:r>
+              <a:rPr lang="en-US" altLang="zh-CN" sz="2000" b="1" dirty="0">
+                <a:solidFill>
+                  <a:schemeClr val="folHlink"/>
+                </a:solidFill>
+                <a:latin typeface="Courier New" panose="02070309020205020404" pitchFamily="49" charset="0"/>
+              </a:rPr>
+              <a:t> l){</a:t>
             </a:r>
           </a:p>
           <a:p>
@@ -28495,13 +30860,31 @@
               <a:buNone/>
             </a:pPr>
             <a:r>
-              <a:rPr lang="en-US" altLang="zh-CN" sz="2000" b="1">
-                <a:solidFill>
-                  <a:schemeClr val="folHlink"/>
-                </a:solidFill>
-                <a:latin typeface="Courier New" panose="02070309020205020404" pitchFamily="49" charset="0"/>
-              </a:rPr>
-              <a:t>{</a:t>
+              <a:rPr lang="en-US" altLang="zh-CN" sz="2000" b="1" dirty="0">
+                <a:solidFill>
+                  <a:schemeClr val="folHlink"/>
+                </a:solidFill>
+                <a:latin typeface="Courier New" panose="02070309020205020404" pitchFamily="49" charset="0"/>
+              </a:rPr>
+              <a:t>  </a:t>
+            </a:r>
+            <a:r>
+              <a:rPr lang="en-US" altLang="zh-CN" sz="2000" b="1" dirty="0" err="1">
+                <a:solidFill>
+                  <a:schemeClr val="folHlink"/>
+                </a:solidFill>
+                <a:latin typeface="Courier New" panose="02070309020205020404" pitchFamily="49" charset="0"/>
+              </a:rPr>
+              <a:t>List_t</a:t>
+            </a:r>
+            <a:r>
+              <a:rPr lang="en-US" altLang="zh-CN" sz="2000" b="1" dirty="0">
+                <a:solidFill>
+                  <a:schemeClr val="folHlink"/>
+                </a:solidFill>
+                <a:latin typeface="Courier New" panose="02070309020205020404" pitchFamily="49" charset="0"/>
+              </a:rPr>
+              <a:t> p = l-&gt;next;</a:t>
             </a:r>
           </a:p>
           <a:p>
@@ -28513,13 +30896,13 @@
               <a:buNone/>
             </a:pPr>
             <a:r>
-              <a:rPr lang="en-US" altLang="zh-CN" sz="2000" b="1">
-                <a:solidFill>
-                  <a:schemeClr val="folHlink"/>
-                </a:solidFill>
-                <a:latin typeface="Courier New" panose="02070309020205020404" pitchFamily="49" charset="0"/>
-              </a:rPr>
-              <a:t>  List_t p = l-&gt;next;</a:t>
+              <a:rPr lang="en-US" altLang="zh-CN" sz="2000" b="1" dirty="0">
+                <a:solidFill>
+                  <a:schemeClr val="folHlink"/>
+                </a:solidFill>
+                <a:latin typeface="Courier New" panose="02070309020205020404" pitchFamily="49" charset="0"/>
+              </a:rPr>
+              <a:t>  int n = 0;</a:t>
             </a:r>
           </a:p>
           <a:p>
@@ -28531,13 +30914,13 @@
               <a:buNone/>
             </a:pPr>
             <a:r>
-              <a:rPr lang="en-US" altLang="zh-CN" sz="2000" b="1">
-                <a:solidFill>
-                  <a:schemeClr val="folHlink"/>
-                </a:solidFill>
-                <a:latin typeface="Courier New" panose="02070309020205020404" pitchFamily="49" charset="0"/>
-              </a:rPr>
-              <a:t>  int n = 0;</a:t>
+              <a:rPr lang="en-US" altLang="zh-CN" sz="2000" b="1" dirty="0">
+                <a:solidFill>
+                  <a:schemeClr val="folHlink"/>
+                </a:solidFill>
+                <a:latin typeface="Courier New" panose="02070309020205020404" pitchFamily="49" charset="0"/>
+              </a:rPr>
+              <a:t>  while(p){</a:t>
             </a:r>
           </a:p>
           <a:p>
@@ -28549,13 +30932,13 @@
               <a:buNone/>
             </a:pPr>
             <a:r>
-              <a:rPr lang="en-US" altLang="zh-CN" sz="2000" b="1">
-                <a:solidFill>
-                  <a:schemeClr val="folHlink"/>
-                </a:solidFill>
-                <a:latin typeface="Courier New" panose="02070309020205020404" pitchFamily="49" charset="0"/>
-              </a:rPr>
-              <a:t>  while (p) {</a:t>
+              <a:rPr lang="en-US" altLang="zh-CN" sz="2000" b="1" dirty="0">
+                <a:solidFill>
+                  <a:schemeClr val="folHlink"/>
+                </a:solidFill>
+                <a:latin typeface="Courier New" panose="02070309020205020404" pitchFamily="49" charset="0"/>
+              </a:rPr>
+              <a:t>    p = p-&gt;next;</a:t>
             </a:r>
           </a:p>
           <a:p>
@@ -28567,13 +30950,13 @@
               <a:buNone/>
             </a:pPr>
             <a:r>
-              <a:rPr lang="en-US" altLang="zh-CN" sz="2000" b="1">
-                <a:solidFill>
-                  <a:schemeClr val="folHlink"/>
-                </a:solidFill>
-                <a:latin typeface="Courier New" panose="02070309020205020404" pitchFamily="49" charset="0"/>
-              </a:rPr>
-              <a:t>    p = p-&gt;next;</a:t>
+              <a:rPr lang="en-US" altLang="zh-CN" sz="2000" b="1" dirty="0">
+                <a:solidFill>
+                  <a:schemeClr val="folHlink"/>
+                </a:solidFill>
+                <a:latin typeface="Courier New" panose="02070309020205020404" pitchFamily="49" charset="0"/>
+              </a:rPr>
+              <a:t>    n++;</a:t>
             </a:r>
           </a:p>
           <a:p>
@@ -28585,13 +30968,13 @@
               <a:buNone/>
             </a:pPr>
             <a:r>
-              <a:rPr lang="en-US" altLang="zh-CN" sz="2000" b="1">
-                <a:solidFill>
-                  <a:schemeClr val="folHlink"/>
-                </a:solidFill>
-                <a:latin typeface="Courier New" panose="02070309020205020404" pitchFamily="49" charset="0"/>
-              </a:rPr>
-              <a:t>    n++;</a:t>
+              <a:rPr lang="en-US" altLang="zh-CN" sz="2000" b="1" dirty="0">
+                <a:solidFill>
+                  <a:schemeClr val="folHlink"/>
+                </a:solidFill>
+                <a:latin typeface="Courier New" panose="02070309020205020404" pitchFamily="49" charset="0"/>
+              </a:rPr>
+              <a:t>  }</a:t>
             </a:r>
           </a:p>
           <a:p>
@@ -28603,13 +30986,13 @@
               <a:buNone/>
             </a:pPr>
             <a:r>
-              <a:rPr lang="en-US" altLang="zh-CN" sz="2000" b="1">
-                <a:solidFill>
-                  <a:schemeClr val="folHlink"/>
-                </a:solidFill>
-                <a:latin typeface="Courier New" panose="02070309020205020404" pitchFamily="49" charset="0"/>
-              </a:rPr>
-              <a:t>  }</a:t>
+              <a:rPr lang="en-US" altLang="zh-CN" sz="2000" b="1" dirty="0">
+                <a:solidFill>
+                  <a:schemeClr val="folHlink"/>
+                </a:solidFill>
+                <a:latin typeface="Courier New" panose="02070309020205020404" pitchFamily="49" charset="0"/>
+              </a:rPr>
+              <a:t>  return n;</a:t>
             </a:r>
           </a:p>
           <a:p>
@@ -28621,13 +31004,13 @@
               <a:buNone/>
             </a:pPr>
             <a:r>
-              <a:rPr lang="en-US" altLang="zh-CN" sz="2000" b="1">
-                <a:solidFill>
-                  <a:schemeClr val="folHlink"/>
-                </a:solidFill>
-                <a:latin typeface="Courier New" panose="02070309020205020404" pitchFamily="49" charset="0"/>
-              </a:rPr>
-              <a:t>  return n;</a:t>
+              <a:rPr lang="en-US" altLang="zh-CN" sz="2000" b="1" dirty="0">
+                <a:solidFill>
+                  <a:schemeClr val="folHlink"/>
+                </a:solidFill>
+                <a:latin typeface="Courier New" panose="02070309020205020404" pitchFamily="49" charset="0"/>
+              </a:rPr>
+              <a:t>}</a:t>
             </a:r>
           </a:p>
           <a:p>
@@ -28638,25 +31021,7 @@
               <a:buFont typeface="Wingdings" pitchFamily="2" charset="2"/>
               <a:buNone/>
             </a:pPr>
-            <a:r>
-              <a:rPr lang="en-US" altLang="zh-CN" sz="2000" b="1">
-                <a:solidFill>
-                  <a:schemeClr val="folHlink"/>
-                </a:solidFill>
-                <a:latin typeface="Courier New" panose="02070309020205020404" pitchFamily="49" charset="0"/>
-              </a:rPr>
-              <a:t>}</a:t>
-            </a:r>
-          </a:p>
-          <a:p>
-            <a:pPr>
-              <a:lnSpc>
-                <a:spcPct val="90000"/>
-              </a:lnSpc>
-              <a:buFont typeface="Wingdings" pitchFamily="2" charset="2"/>
-              <a:buNone/>
-            </a:pPr>
-            <a:endParaRPr lang="en-US" altLang="zh-CN" sz="2000" b="1">
+            <a:endParaRPr lang="en-US" altLang="zh-CN" sz="2000" b="1" dirty="0">
               <a:solidFill>
                 <a:schemeClr val="folHlink"/>
               </a:solidFill>
@@ -29904,13 +32269,49 @@
               <a:buNone/>
             </a:pPr>
             <a:r>
-              <a:rPr lang="en-US" altLang="zh-CN" sz="2000" b="1">
-                <a:solidFill>
-                  <a:schemeClr val="folHlink"/>
-                </a:solidFill>
-                <a:latin typeface="Courier New" panose="02070309020205020404" pitchFamily="49" charset="0"/>
-              </a:rPr>
-              <a:t>int List_length (List_t l)</a:t>
+              <a:rPr lang="en-US" altLang="zh-CN" sz="2000" b="1" dirty="0">
+                <a:solidFill>
+                  <a:schemeClr val="folHlink"/>
+                </a:solidFill>
+                <a:latin typeface="Courier New" panose="02070309020205020404" pitchFamily="49" charset="0"/>
+              </a:rPr>
+              <a:t>int </a:t>
+            </a:r>
+            <a:r>
+              <a:rPr lang="en-US" altLang="zh-CN" sz="2000" b="1" dirty="0" err="1">
+                <a:solidFill>
+                  <a:schemeClr val="folHlink"/>
+                </a:solidFill>
+                <a:latin typeface="Courier New" panose="02070309020205020404" pitchFamily="49" charset="0"/>
+              </a:rPr>
+              <a:t>List_length</a:t>
+            </a:r>
+            <a:r>
+              <a:rPr lang="en-US" altLang="zh-CN" sz="2000" b="1" dirty="0">
+                <a:solidFill>
+                  <a:schemeClr val="folHlink"/>
+                </a:solidFill>
+                <a:latin typeface="Courier New" panose="02070309020205020404" pitchFamily="49" charset="0"/>
+              </a:rPr>
+              <a:t>(</a:t>
+            </a:r>
+            <a:r>
+              <a:rPr lang="en-US" altLang="zh-CN" sz="2000" b="1" dirty="0" err="1">
+                <a:solidFill>
+                  <a:schemeClr val="folHlink"/>
+                </a:solidFill>
+                <a:latin typeface="Courier New" panose="02070309020205020404" pitchFamily="49" charset="0"/>
+              </a:rPr>
+              <a:t>List_t</a:t>
+            </a:r>
+            <a:r>
+              <a:rPr lang="en-US" altLang="zh-CN" sz="2000" b="1" dirty="0">
+                <a:solidFill>
+                  <a:schemeClr val="folHlink"/>
+                </a:solidFill>
+                <a:latin typeface="Courier New" panose="02070309020205020404" pitchFamily="49" charset="0"/>
+              </a:rPr>
+              <a:t> l){</a:t>
             </a:r>
           </a:p>
           <a:p>
@@ -29922,13 +32323,31 @@
               <a:buNone/>
             </a:pPr>
             <a:r>
-              <a:rPr lang="en-US" altLang="zh-CN" sz="2000" b="1">
-                <a:solidFill>
-                  <a:schemeClr val="folHlink"/>
-                </a:solidFill>
-                <a:latin typeface="Courier New" panose="02070309020205020404" pitchFamily="49" charset="0"/>
-              </a:rPr>
-              <a:t>{</a:t>
+              <a:rPr lang="en-US" altLang="zh-CN" sz="2000" b="1" dirty="0">
+                <a:solidFill>
+                  <a:schemeClr val="folHlink"/>
+                </a:solidFill>
+                <a:latin typeface="Courier New" panose="02070309020205020404" pitchFamily="49" charset="0"/>
+              </a:rPr>
+              <a:t>  </a:t>
+            </a:r>
+            <a:r>
+              <a:rPr lang="en-US" altLang="zh-CN" sz="2000" b="1" dirty="0" err="1">
+                <a:solidFill>
+                  <a:schemeClr val="folHlink"/>
+                </a:solidFill>
+                <a:latin typeface="Courier New" panose="02070309020205020404" pitchFamily="49" charset="0"/>
+              </a:rPr>
+              <a:t>List_t</a:t>
+            </a:r>
+            <a:r>
+              <a:rPr lang="en-US" altLang="zh-CN" sz="2000" b="1" dirty="0">
+                <a:solidFill>
+                  <a:schemeClr val="folHlink"/>
+                </a:solidFill>
+                <a:latin typeface="Courier New" panose="02070309020205020404" pitchFamily="49" charset="0"/>
+              </a:rPr>
+              <a:t> p = l-&gt;next;</a:t>
             </a:r>
           </a:p>
           <a:p>
@@ -29940,13 +32359,13 @@
               <a:buNone/>
             </a:pPr>
             <a:r>
-              <a:rPr lang="en-US" altLang="zh-CN" sz="2000" b="1">
-                <a:solidFill>
-                  <a:schemeClr val="folHlink"/>
-                </a:solidFill>
-                <a:latin typeface="Courier New" panose="02070309020205020404" pitchFamily="49" charset="0"/>
-              </a:rPr>
-              <a:t>  List_t p = l-&gt;next;</a:t>
+              <a:rPr lang="en-US" altLang="zh-CN" sz="2000" b="1" dirty="0">
+                <a:solidFill>
+                  <a:schemeClr val="folHlink"/>
+                </a:solidFill>
+                <a:latin typeface="Courier New" panose="02070309020205020404" pitchFamily="49" charset="0"/>
+              </a:rPr>
+              <a:t>  int n = 0;</a:t>
             </a:r>
           </a:p>
           <a:p>
@@ -29958,13 +32377,13 @@
               <a:buNone/>
             </a:pPr>
             <a:r>
-              <a:rPr lang="en-US" altLang="zh-CN" sz="2000" b="1">
-                <a:solidFill>
-                  <a:schemeClr val="folHlink"/>
-                </a:solidFill>
-                <a:latin typeface="Courier New" panose="02070309020205020404" pitchFamily="49" charset="0"/>
-              </a:rPr>
-              <a:t>  int n = 0;</a:t>
+              <a:rPr lang="en-US" altLang="zh-CN" sz="2000" b="1" dirty="0">
+                <a:solidFill>
+                  <a:schemeClr val="folHlink"/>
+                </a:solidFill>
+                <a:latin typeface="Courier New" panose="02070309020205020404" pitchFamily="49" charset="0"/>
+              </a:rPr>
+              <a:t>  while(p){</a:t>
             </a:r>
           </a:p>
           <a:p>
@@ -29976,13 +32395,13 @@
               <a:buNone/>
             </a:pPr>
             <a:r>
-              <a:rPr lang="en-US" altLang="zh-CN" sz="2000" b="1">
-                <a:solidFill>
-                  <a:schemeClr val="folHlink"/>
-                </a:solidFill>
-                <a:latin typeface="Courier New" panose="02070309020205020404" pitchFamily="49" charset="0"/>
-              </a:rPr>
-              <a:t>  while (p) {</a:t>
+              <a:rPr lang="en-US" altLang="zh-CN" sz="2000" b="1" dirty="0">
+                <a:solidFill>
+                  <a:schemeClr val="folHlink"/>
+                </a:solidFill>
+                <a:latin typeface="Courier New" panose="02070309020205020404" pitchFamily="49" charset="0"/>
+              </a:rPr>
+              <a:t>    p = p-&gt;next;</a:t>
             </a:r>
           </a:p>
           <a:p>
@@ -29994,13 +32413,13 @@
               <a:buNone/>
             </a:pPr>
             <a:r>
-              <a:rPr lang="en-US" altLang="zh-CN" sz="2000" b="1">
-                <a:solidFill>
-                  <a:schemeClr val="folHlink"/>
-                </a:solidFill>
-                <a:latin typeface="Courier New" panose="02070309020205020404" pitchFamily="49" charset="0"/>
-              </a:rPr>
-              <a:t>    p = p-&gt;next;</a:t>
+              <a:rPr lang="en-US" altLang="zh-CN" sz="2000" b="1" dirty="0">
+                <a:solidFill>
+                  <a:schemeClr val="folHlink"/>
+                </a:solidFill>
+                <a:latin typeface="Courier New" panose="02070309020205020404" pitchFamily="49" charset="0"/>
+              </a:rPr>
+              <a:t>    n++;</a:t>
             </a:r>
           </a:p>
           <a:p>
@@ -30012,13 +32431,13 @@
               <a:buNone/>
             </a:pPr>
             <a:r>
-              <a:rPr lang="en-US" altLang="zh-CN" sz="2000" b="1">
-                <a:solidFill>
-                  <a:schemeClr val="folHlink"/>
-                </a:solidFill>
-                <a:latin typeface="Courier New" panose="02070309020205020404" pitchFamily="49" charset="0"/>
-              </a:rPr>
-              <a:t>    n++;</a:t>
+              <a:rPr lang="en-US" altLang="zh-CN" sz="2000" b="1" dirty="0">
+                <a:solidFill>
+                  <a:schemeClr val="folHlink"/>
+                </a:solidFill>
+                <a:latin typeface="Courier New" panose="02070309020205020404" pitchFamily="49" charset="0"/>
+              </a:rPr>
+              <a:t>  }</a:t>
             </a:r>
           </a:p>
           <a:p>
@@ -30030,13 +32449,13 @@
               <a:buNone/>
             </a:pPr>
             <a:r>
-              <a:rPr lang="en-US" altLang="zh-CN" sz="2000" b="1">
-                <a:solidFill>
-                  <a:schemeClr val="folHlink"/>
-                </a:solidFill>
-                <a:latin typeface="Courier New" panose="02070309020205020404" pitchFamily="49" charset="0"/>
-              </a:rPr>
-              <a:t>  }</a:t>
+              <a:rPr lang="en-US" altLang="zh-CN" sz="2000" b="1" dirty="0">
+                <a:solidFill>
+                  <a:schemeClr val="folHlink"/>
+                </a:solidFill>
+                <a:latin typeface="Courier New" panose="02070309020205020404" pitchFamily="49" charset="0"/>
+              </a:rPr>
+              <a:t>  return n;</a:t>
             </a:r>
           </a:p>
           <a:p>
@@ -30048,13 +32467,13 @@
               <a:buNone/>
             </a:pPr>
             <a:r>
-              <a:rPr lang="en-US" altLang="zh-CN" sz="2000" b="1">
-                <a:solidFill>
-                  <a:schemeClr val="folHlink"/>
-                </a:solidFill>
-                <a:latin typeface="Courier New" panose="02070309020205020404" pitchFamily="49" charset="0"/>
-              </a:rPr>
-              <a:t>  return n;</a:t>
+              <a:rPr lang="en-US" altLang="zh-CN" sz="2000" b="1" dirty="0">
+                <a:solidFill>
+                  <a:schemeClr val="folHlink"/>
+                </a:solidFill>
+                <a:latin typeface="Courier New" panose="02070309020205020404" pitchFamily="49" charset="0"/>
+              </a:rPr>
+              <a:t>}</a:t>
             </a:r>
           </a:p>
           <a:p>
@@ -30065,25 +32484,7 @@
               <a:buFont typeface="Wingdings" pitchFamily="2" charset="2"/>
               <a:buNone/>
             </a:pPr>
-            <a:r>
-              <a:rPr lang="en-US" altLang="zh-CN" sz="2000" b="1">
-                <a:solidFill>
-                  <a:schemeClr val="folHlink"/>
-                </a:solidFill>
-                <a:latin typeface="Courier New" panose="02070309020205020404" pitchFamily="49" charset="0"/>
-              </a:rPr>
-              <a:t>}</a:t>
-            </a:r>
-          </a:p>
-          <a:p>
-            <a:pPr>
-              <a:lnSpc>
-                <a:spcPct val="90000"/>
-              </a:lnSpc>
-              <a:buFont typeface="Wingdings" pitchFamily="2" charset="2"/>
-              <a:buNone/>
-            </a:pPr>
-            <a:endParaRPr lang="en-US" altLang="zh-CN" sz="2000" b="1">
+            <a:endParaRPr lang="en-US" altLang="zh-CN" sz="2000" b="1" dirty="0">
               <a:latin typeface="Courier New" panose="02070309020205020404" pitchFamily="49" charset="0"/>
             </a:endParaRPr>
           </a:p>
